--- a/slides/intro.pptx
+++ b/slides/intro.pptx
@@ -7,7 +7,11 @@
   <p:sldIdLst>
     <p:sldId id="256" r:id="rId2"/>
     <p:sldId id="258" r:id="rId3"/>
-    <p:sldId id="257" r:id="rId4"/>
+    <p:sldId id="259" r:id="rId4"/>
+    <p:sldId id="260" r:id="rId5"/>
+    <p:sldId id="257" r:id="rId6"/>
+    <p:sldId id="261" r:id="rId7"/>
+    <p:sldId id="262" r:id="rId8"/>
   </p:sldIdLst>
   <p:sldSz cx="12192000" cy="6858000"/>
   <p:notesSz cx="6858000" cy="9144000"/>
@@ -392,7 +396,7 @@
           <a:p>
             <a:fld id="{51673806-0BCD-1F42-BAA8-2011034B3C6A}" type="datetimeFigureOut">
               <a:rPr lang="en-US" smtClean="0"/>
-              <a:t>4/28/20</a:t>
+              <a:t>5/5/20</a:t>
             </a:fld>
             <a:endParaRPr lang="en-US"/>
           </a:p>
@@ -806,7 +810,7 @@
           <a:p>
             <a:fld id="{51673806-0BCD-1F42-BAA8-2011034B3C6A}" type="datetimeFigureOut">
               <a:rPr lang="en-US" smtClean="0"/>
-              <a:t>4/28/20</a:t>
+              <a:t>5/5/20</a:t>
             </a:fld>
             <a:endParaRPr lang="en-US"/>
           </a:p>
@@ -1137,7 +1141,7 @@
           <a:p>
             <a:fld id="{51673806-0BCD-1F42-BAA8-2011034B3C6A}" type="datetimeFigureOut">
               <a:rPr lang="en-US" smtClean="0"/>
-              <a:t>4/28/20</a:t>
+              <a:t>5/5/20</a:t>
             </a:fld>
             <a:endParaRPr lang="en-US"/>
           </a:p>
@@ -1537,7 +1541,7 @@
           <a:p>
             <a:fld id="{51673806-0BCD-1F42-BAA8-2011034B3C6A}" type="datetimeFigureOut">
               <a:rPr lang="en-US" smtClean="0"/>
-              <a:t>4/28/20</a:t>
+              <a:t>5/5/20</a:t>
             </a:fld>
             <a:endParaRPr lang="en-US"/>
           </a:p>
@@ -2100,7 +2104,7 @@
           <a:p>
             <a:fld id="{51673806-0BCD-1F42-BAA8-2011034B3C6A}" type="datetimeFigureOut">
               <a:rPr lang="en-US" smtClean="0"/>
-              <a:t>4/28/20</a:t>
+              <a:t>5/5/20</a:t>
             </a:fld>
             <a:endParaRPr lang="en-US"/>
           </a:p>
@@ -2776,7 +2780,7 @@
           <a:p>
             <a:fld id="{51673806-0BCD-1F42-BAA8-2011034B3C6A}" type="datetimeFigureOut">
               <a:rPr lang="en-US" smtClean="0"/>
-              <a:t>4/28/20</a:t>
+              <a:t>5/5/20</a:t>
             </a:fld>
             <a:endParaRPr lang="en-US"/>
           </a:p>
@@ -3684,7 +3688,7 @@
           <a:p>
             <a:fld id="{51673806-0BCD-1F42-BAA8-2011034B3C6A}" type="datetimeFigureOut">
               <a:rPr lang="en-US" smtClean="0"/>
-              <a:t>4/28/20</a:t>
+              <a:t>5/5/20</a:t>
             </a:fld>
             <a:endParaRPr lang="en-US"/>
           </a:p>
@@ -3992,7 +3996,7 @@
           <a:p>
             <a:fld id="{51673806-0BCD-1F42-BAA8-2011034B3C6A}" type="datetimeFigureOut">
               <a:rPr lang="en-US" smtClean="0"/>
-              <a:t>4/28/20</a:t>
+              <a:t>5/5/20</a:t>
             </a:fld>
             <a:endParaRPr lang="en-US"/>
           </a:p>
@@ -4251,7 +4255,7 @@
           <a:p>
             <a:fld id="{51673806-0BCD-1F42-BAA8-2011034B3C6A}" type="datetimeFigureOut">
               <a:rPr lang="en-US" smtClean="0"/>
-              <a:t>4/28/20</a:t>
+              <a:t>5/5/20</a:t>
             </a:fld>
             <a:endParaRPr lang="en-US"/>
           </a:p>
@@ -4574,7 +4578,7 @@
           <a:p>
             <a:fld id="{51673806-0BCD-1F42-BAA8-2011034B3C6A}" type="datetimeFigureOut">
               <a:rPr lang="en-US" smtClean="0"/>
-              <a:t>4/28/20</a:t>
+              <a:t>5/5/20</a:t>
             </a:fld>
             <a:endParaRPr lang="en-US"/>
           </a:p>
@@ -4958,7 +4962,7 @@
           <a:p>
             <a:fld id="{51673806-0BCD-1F42-BAA8-2011034B3C6A}" type="datetimeFigureOut">
               <a:rPr lang="en-US" smtClean="0"/>
-              <a:t>4/28/20</a:t>
+              <a:t>5/5/20</a:t>
             </a:fld>
             <a:endParaRPr lang="en-US"/>
           </a:p>
@@ -5334,7 +5338,7 @@
           <a:p>
             <a:fld id="{51673806-0BCD-1F42-BAA8-2011034B3C6A}" type="datetimeFigureOut">
               <a:rPr lang="en-US" smtClean="0"/>
-              <a:t>4/28/20</a:t>
+              <a:t>5/5/20</a:t>
             </a:fld>
             <a:endParaRPr lang="en-US"/>
           </a:p>
@@ -5840,7 +5844,7 @@
           <a:p>
             <a:fld id="{51673806-0BCD-1F42-BAA8-2011034B3C6A}" type="datetimeFigureOut">
               <a:rPr lang="en-US" smtClean="0"/>
-              <a:t>4/28/20</a:t>
+              <a:t>5/5/20</a:t>
             </a:fld>
             <a:endParaRPr lang="en-US"/>
           </a:p>
@@ -6097,7 +6101,7 @@
           <a:p>
             <a:fld id="{51673806-0BCD-1F42-BAA8-2011034B3C6A}" type="datetimeFigureOut">
               <a:rPr lang="en-US" smtClean="0"/>
-              <a:t>4/28/20</a:t>
+              <a:t>5/5/20</a:t>
             </a:fld>
             <a:endParaRPr lang="en-US"/>
           </a:p>
@@ -6255,7 +6259,7 @@
           <a:p>
             <a:fld id="{51673806-0BCD-1F42-BAA8-2011034B3C6A}" type="datetimeFigureOut">
               <a:rPr lang="en-US" smtClean="0"/>
-              <a:t>4/28/20</a:t>
+              <a:t>5/5/20</a:t>
             </a:fld>
             <a:endParaRPr lang="en-US"/>
           </a:p>
@@ -6645,7 +6649,7 @@
           <a:p>
             <a:fld id="{51673806-0BCD-1F42-BAA8-2011034B3C6A}" type="datetimeFigureOut">
               <a:rPr lang="en-US" smtClean="0"/>
-              <a:t>4/28/20</a:t>
+              <a:t>5/5/20</a:t>
             </a:fld>
             <a:endParaRPr lang="en-US"/>
           </a:p>
@@ -7054,7 +7058,7 @@
           <a:p>
             <a:fld id="{51673806-0BCD-1F42-BAA8-2011034B3C6A}" type="datetimeFigureOut">
               <a:rPr lang="en-US" smtClean="0"/>
-              <a:t>4/28/20</a:t>
+              <a:t>5/5/20</a:t>
             </a:fld>
             <a:endParaRPr lang="en-US"/>
           </a:p>
@@ -7302,7 +7306,7 @@
             <a:fld id="{51673806-0BCD-1F42-BAA8-2011034B3C6A}" type="datetimeFigureOut">
               <a:rPr lang="en-US" smtClean="0"/>
               <a:pPr/>
-              <a:t>4/28/20</a:t>
+              <a:t>5/5/20</a:t>
             </a:fld>
             <a:endParaRPr lang="en-US" dirty="0"/>
           </a:p>
@@ -8007,7 +8011,11 @@
             </a:pPr>
             <a:r>
               <a:rPr lang="en-US" dirty="0" smtClean="0"/>
-              <a:t>58,555 lines </a:t>
+              <a:t>59,700 </a:t>
+            </a:r>
+            <a:r>
+              <a:rPr lang="en-US" dirty="0" smtClean="0"/>
+              <a:t>lines </a:t>
             </a:r>
             <a:r>
               <a:rPr lang="en-US" dirty="0"/>
@@ -8015,7 +8023,15 @@
             </a:r>
             <a:r>
               <a:rPr lang="en-US" dirty="0" smtClean="0"/>
-              <a:t>C) as of April 28, 2020 supporting Python &gt;= 3.5 (and 2.7 in initial release) </a:t>
+              <a:t>C) as of </a:t>
+            </a:r>
+            <a:r>
+              <a:rPr lang="en-US" dirty="0" smtClean="0"/>
+              <a:t>May 5, </a:t>
+            </a:r>
+            <a:r>
+              <a:rPr lang="en-US" dirty="0" smtClean="0"/>
+              <a:t>2020 supporting Python &gt;= 3.5 (and 2.7 in initial release) </a:t>
             </a:r>
           </a:p>
           <a:p>
@@ -8147,7 +8163,7 @@
           <a:p>
             <a:r>
               <a:rPr lang="en-US" dirty="0" smtClean="0"/>
-              <a:t>Goals </a:t>
+              <a:t>Survey Responses </a:t>
             </a:r>
             <a:endParaRPr lang="en-US" dirty="0"/>
           </a:p>
@@ -8165,8 +8181,488 @@
         </p:nvSpPr>
         <p:spPr>
           <a:xfrm>
-            <a:off x="680321" y="2336872"/>
-            <a:ext cx="9613861" cy="4377827"/>
+            <a:off x="161706" y="2009326"/>
+            <a:ext cx="11780086" cy="4848674"/>
+          </a:xfrm>
+        </p:spPr>
+        <p:txBody>
+          <a:bodyPr>
+            <a:normAutofit lnSpcReduction="10000"/>
+          </a:bodyPr>
+          <a:lstStyle/>
+          <a:p>
+            <a:pPr marL="0" marR="0" lvl="0" indent="0" defTabSz="914400" eaLnBrk="1" fontAlgn="auto" latinLnBrk="0" hangingPunct="1">
+              <a:lnSpc>
+                <a:spcPct val="100000"/>
+              </a:lnSpc>
+              <a:spcBef>
+                <a:spcPts val="0"/>
+              </a:spcBef>
+              <a:spcAft>
+                <a:spcPts val="0"/>
+              </a:spcAft>
+              <a:buClrTx/>
+              <a:buSzTx/>
+              <a:buFontTx/>
+              <a:buNone/>
+              <a:tabLst/>
+              <a:defRPr/>
+            </a:pPr>
+            <a:r>
+              <a:rPr lang="en-US" dirty="0" smtClean="0"/>
+              <a:t>Q1: 1A, 3B, 3C, 8D </a:t>
+            </a:r>
+          </a:p>
+          <a:p>
+            <a:pPr marL="0" marR="0" lvl="0" indent="0" defTabSz="914400" eaLnBrk="1" fontAlgn="auto" latinLnBrk="0" hangingPunct="1">
+              <a:lnSpc>
+                <a:spcPct val="100000"/>
+              </a:lnSpc>
+              <a:spcBef>
+                <a:spcPts val="0"/>
+              </a:spcBef>
+              <a:spcAft>
+                <a:spcPts val="0"/>
+              </a:spcAft>
+              <a:buClrTx/>
+              <a:buSzTx/>
+              <a:buFontTx/>
+              <a:buNone/>
+              <a:tabLst/>
+              <a:defRPr/>
+            </a:pPr>
+            <a:r>
+              <a:rPr lang="en-US" dirty="0"/>
+              <a:t>	</a:t>
+            </a:r>
+            <a:r>
+              <a:rPr lang="en-US" dirty="0" smtClean="0"/>
+              <a:t>Most of you have written code from scratch for class/research </a:t>
+            </a:r>
+          </a:p>
+          <a:p>
+            <a:pPr marL="0" marR="0" lvl="0" indent="0" defTabSz="914400" eaLnBrk="1" fontAlgn="auto" latinLnBrk="0" hangingPunct="1">
+              <a:lnSpc>
+                <a:spcPct val="100000"/>
+              </a:lnSpc>
+              <a:spcBef>
+                <a:spcPts val="0"/>
+              </a:spcBef>
+              <a:spcAft>
+                <a:spcPts val="0"/>
+              </a:spcAft>
+              <a:buClrTx/>
+              <a:buSzTx/>
+              <a:buFontTx/>
+              <a:buNone/>
+              <a:tabLst/>
+              <a:defRPr/>
+            </a:pPr>
+            <a:r>
+              <a:rPr lang="en-US" dirty="0" smtClean="0"/>
+              <a:t>Q2: 7A, 4B, 3C, 1D </a:t>
+            </a:r>
+          </a:p>
+          <a:p>
+            <a:pPr marL="0" marR="0" lvl="0" indent="0" defTabSz="914400" eaLnBrk="1" fontAlgn="auto" latinLnBrk="0" hangingPunct="1">
+              <a:lnSpc>
+                <a:spcPct val="100000"/>
+              </a:lnSpc>
+              <a:spcBef>
+                <a:spcPts val="0"/>
+              </a:spcBef>
+              <a:spcAft>
+                <a:spcPts val="0"/>
+              </a:spcAft>
+              <a:buClrTx/>
+              <a:buSzTx/>
+              <a:buFontTx/>
+              <a:buNone/>
+              <a:tabLst/>
+              <a:defRPr/>
+            </a:pPr>
+            <a:r>
+              <a:rPr lang="en-US" dirty="0"/>
+              <a:t>	</a:t>
+            </a:r>
+            <a:r>
+              <a:rPr lang="en-US" dirty="0" smtClean="0"/>
+              <a:t>Most of you are comfortable with</a:t>
+            </a:r>
+            <a:r>
+              <a:rPr lang="en-US" i="1" dirty="0"/>
+              <a:t> </a:t>
+            </a:r>
+            <a:r>
+              <a:rPr lang="en-US" i="1" dirty="0" smtClean="0"/>
+              <a:t>if</a:t>
+            </a:r>
+            <a:r>
+              <a:rPr lang="en-US" dirty="0" smtClean="0"/>
+              <a:t>/</a:t>
+            </a:r>
+            <a:r>
+              <a:rPr lang="en-US" i="1" dirty="0" smtClean="0"/>
+              <a:t>else</a:t>
+            </a:r>
+            <a:r>
+              <a:rPr lang="en-US" dirty="0" smtClean="0"/>
+              <a:t>, </a:t>
+            </a:r>
+            <a:r>
+              <a:rPr lang="en-US" i="1" dirty="0" smtClean="0"/>
+              <a:t>for</a:t>
+            </a:r>
+            <a:r>
+              <a:rPr lang="en-US" dirty="0" smtClean="0"/>
+              <a:t>/</a:t>
+            </a:r>
+            <a:r>
+              <a:rPr lang="en-US" i="1" dirty="0" smtClean="0"/>
+              <a:t>while</a:t>
+            </a:r>
+            <a:r>
+              <a:rPr lang="en-US" dirty="0" smtClean="0"/>
+              <a:t>, and </a:t>
+            </a:r>
+            <a:r>
+              <a:rPr lang="en-US" i="1" dirty="0" err="1" smtClean="0"/>
+              <a:t>def</a:t>
+            </a:r>
+            <a:r>
+              <a:rPr lang="en-US" i="1" dirty="0" smtClean="0"/>
+              <a:t> </a:t>
+            </a:r>
+            <a:endParaRPr lang="en-US" dirty="0" smtClean="0"/>
+          </a:p>
+          <a:p>
+            <a:pPr marL="0" marR="0" lvl="0" indent="0" defTabSz="914400" eaLnBrk="1" fontAlgn="auto" latinLnBrk="0" hangingPunct="1">
+              <a:lnSpc>
+                <a:spcPct val="100000"/>
+              </a:lnSpc>
+              <a:spcBef>
+                <a:spcPts val="0"/>
+              </a:spcBef>
+              <a:spcAft>
+                <a:spcPts val="0"/>
+              </a:spcAft>
+              <a:buClrTx/>
+              <a:buSzTx/>
+              <a:buFontTx/>
+              <a:buNone/>
+              <a:tabLst/>
+              <a:defRPr/>
+            </a:pPr>
+            <a:r>
+              <a:rPr lang="en-US" dirty="0" smtClean="0"/>
+              <a:t>Q3: 5A, 5B, 3C, 2D </a:t>
+            </a:r>
+          </a:p>
+          <a:p>
+            <a:pPr marL="0" marR="0" lvl="0" indent="0" defTabSz="914400" eaLnBrk="1" fontAlgn="auto" latinLnBrk="0" hangingPunct="1">
+              <a:lnSpc>
+                <a:spcPct val="100000"/>
+              </a:lnSpc>
+              <a:spcBef>
+                <a:spcPts val="0"/>
+              </a:spcBef>
+              <a:spcAft>
+                <a:spcPts val="0"/>
+              </a:spcAft>
+              <a:buClrTx/>
+              <a:buSzTx/>
+              <a:buFontTx/>
+              <a:buNone/>
+              <a:tabLst/>
+              <a:defRPr/>
+            </a:pPr>
+            <a:r>
+              <a:rPr lang="en-US" dirty="0"/>
+              <a:t>	</a:t>
+            </a:r>
+            <a:r>
+              <a:rPr lang="en-US" dirty="0" smtClean="0"/>
+              <a:t>About half of you have written a class, the rest have not </a:t>
+            </a:r>
+          </a:p>
+          <a:p>
+            <a:pPr marL="0" marR="0" lvl="0" indent="0" defTabSz="914400" eaLnBrk="1" fontAlgn="auto" latinLnBrk="0" hangingPunct="1">
+              <a:lnSpc>
+                <a:spcPct val="100000"/>
+              </a:lnSpc>
+              <a:spcBef>
+                <a:spcPts val="0"/>
+              </a:spcBef>
+              <a:spcAft>
+                <a:spcPts val="0"/>
+              </a:spcAft>
+              <a:buClrTx/>
+              <a:buSzTx/>
+              <a:buFontTx/>
+              <a:buNone/>
+              <a:tabLst/>
+              <a:defRPr/>
+            </a:pPr>
+            <a:r>
+              <a:rPr lang="en-US" dirty="0" smtClean="0"/>
+              <a:t>Q4: 9A, 5B, 1C </a:t>
+            </a:r>
+          </a:p>
+          <a:p>
+            <a:pPr marL="0" marR="0" lvl="0" indent="0" defTabSz="914400" eaLnBrk="1" fontAlgn="auto" latinLnBrk="0" hangingPunct="1">
+              <a:lnSpc>
+                <a:spcPct val="100000"/>
+              </a:lnSpc>
+              <a:spcBef>
+                <a:spcPts val="0"/>
+              </a:spcBef>
+              <a:spcAft>
+                <a:spcPts val="0"/>
+              </a:spcAft>
+              <a:buClrTx/>
+              <a:buSzTx/>
+              <a:buFontTx/>
+              <a:buNone/>
+              <a:tabLst/>
+              <a:defRPr/>
+            </a:pPr>
+            <a:r>
+              <a:rPr lang="en-US" dirty="0"/>
+              <a:t>	</a:t>
+            </a:r>
+            <a:r>
+              <a:rPr lang="en-US" dirty="0" smtClean="0"/>
+              <a:t>About half of you have used “import _____” to use code from another file </a:t>
+            </a:r>
+            <a:endParaRPr lang="en-US" dirty="0"/>
+          </a:p>
+          <a:p>
+            <a:pPr marL="0" marR="0" lvl="0" indent="0" defTabSz="914400" eaLnBrk="1" fontAlgn="auto" latinLnBrk="0" hangingPunct="1">
+              <a:lnSpc>
+                <a:spcPct val="100000"/>
+              </a:lnSpc>
+              <a:spcBef>
+                <a:spcPts val="0"/>
+              </a:spcBef>
+              <a:spcAft>
+                <a:spcPts val="0"/>
+              </a:spcAft>
+              <a:buClrTx/>
+              <a:buSzTx/>
+              <a:buFontTx/>
+              <a:buNone/>
+              <a:tabLst/>
+              <a:defRPr/>
+            </a:pPr>
+            <a:r>
+              <a:rPr lang="en-US" dirty="0" smtClean="0"/>
+              <a:t>Q5: 6A, 7B, 2C </a:t>
+            </a:r>
+          </a:p>
+          <a:p>
+            <a:pPr marL="0" marR="0" lvl="0" indent="0" defTabSz="914400" eaLnBrk="1" fontAlgn="auto" latinLnBrk="0" hangingPunct="1">
+              <a:lnSpc>
+                <a:spcPct val="100000"/>
+              </a:lnSpc>
+              <a:spcBef>
+                <a:spcPts val="0"/>
+              </a:spcBef>
+              <a:spcAft>
+                <a:spcPts val="0"/>
+              </a:spcAft>
+              <a:buClrTx/>
+              <a:buSzTx/>
+              <a:buFontTx/>
+              <a:buNone/>
+              <a:tabLst/>
+              <a:defRPr/>
+            </a:pPr>
+            <a:r>
+              <a:rPr lang="en-US" dirty="0"/>
+              <a:t>	</a:t>
+            </a:r>
+            <a:r>
+              <a:rPr lang="en-US" dirty="0" smtClean="0"/>
+              <a:t>About half of you have used GitHub/</a:t>
+            </a:r>
+            <a:r>
+              <a:rPr lang="en-US" dirty="0" err="1" smtClean="0"/>
+              <a:t>Bitbucket</a:t>
+            </a:r>
+            <a:r>
+              <a:rPr lang="en-US" dirty="0" smtClean="0"/>
+              <a:t>, the rest haven’t </a:t>
+            </a:r>
+          </a:p>
+          <a:p>
+            <a:pPr marL="0" marR="0" lvl="0" indent="0" defTabSz="914400" eaLnBrk="1" fontAlgn="auto" latinLnBrk="0" hangingPunct="1">
+              <a:lnSpc>
+                <a:spcPct val="100000"/>
+              </a:lnSpc>
+              <a:spcBef>
+                <a:spcPts val="0"/>
+              </a:spcBef>
+              <a:spcAft>
+                <a:spcPts val="0"/>
+              </a:spcAft>
+              <a:buClrTx/>
+              <a:buSzTx/>
+              <a:buFontTx/>
+              <a:buNone/>
+              <a:tabLst/>
+              <a:defRPr/>
+            </a:pPr>
+            <a:r>
+              <a:rPr lang="en-US" dirty="0" smtClean="0"/>
+              <a:t>Q6: 8A, 1B, 1D, 4E, 1F </a:t>
+            </a:r>
+          </a:p>
+          <a:p>
+            <a:pPr marL="0" marR="0" lvl="0" indent="0" defTabSz="914400" eaLnBrk="1" fontAlgn="auto" latinLnBrk="0" hangingPunct="1">
+              <a:lnSpc>
+                <a:spcPct val="100000"/>
+              </a:lnSpc>
+              <a:spcBef>
+                <a:spcPts val="0"/>
+              </a:spcBef>
+              <a:spcAft>
+                <a:spcPts val="0"/>
+              </a:spcAft>
+              <a:buClrTx/>
+              <a:buSzTx/>
+              <a:buFontTx/>
+              <a:buNone/>
+              <a:tabLst/>
+              <a:defRPr/>
+            </a:pPr>
+            <a:r>
+              <a:rPr lang="en-US" dirty="0"/>
+              <a:t>	</a:t>
+            </a:r>
+            <a:r>
+              <a:rPr lang="en-US" dirty="0" smtClean="0"/>
+              <a:t>Most of you code entirely in notebooks, others mostly text (fairly binary) </a:t>
+            </a:r>
+          </a:p>
+          <a:p>
+            <a:pPr marL="0" marR="0" lvl="0" indent="0" defTabSz="914400" eaLnBrk="1" fontAlgn="auto" latinLnBrk="0" hangingPunct="1">
+              <a:lnSpc>
+                <a:spcPct val="100000"/>
+              </a:lnSpc>
+              <a:spcBef>
+                <a:spcPts val="0"/>
+              </a:spcBef>
+              <a:spcAft>
+                <a:spcPts val="0"/>
+              </a:spcAft>
+              <a:buClrTx/>
+              <a:buSzTx/>
+              <a:buFontTx/>
+              <a:buNone/>
+              <a:tabLst/>
+              <a:defRPr/>
+            </a:pPr>
+            <a:r>
+              <a:rPr lang="en-US" dirty="0" smtClean="0"/>
+              <a:t>Q7: 3A, 4C, 3D, 4E </a:t>
+            </a:r>
+          </a:p>
+          <a:p>
+            <a:pPr marL="0" marR="0" lvl="0" indent="0" defTabSz="914400" eaLnBrk="1" fontAlgn="auto" latinLnBrk="0" hangingPunct="1">
+              <a:lnSpc>
+                <a:spcPct val="100000"/>
+              </a:lnSpc>
+              <a:spcBef>
+                <a:spcPts val="0"/>
+              </a:spcBef>
+              <a:spcAft>
+                <a:spcPts val="0"/>
+              </a:spcAft>
+              <a:buClrTx/>
+              <a:buSzTx/>
+              <a:buFontTx/>
+              <a:buNone/>
+              <a:tabLst/>
+              <a:defRPr/>
+            </a:pPr>
+            <a:r>
+              <a:rPr lang="en-US" dirty="0"/>
+              <a:t>	</a:t>
+            </a:r>
+            <a:r>
+              <a:rPr lang="en-US" dirty="0" smtClean="0"/>
+              <a:t>Most of you have experience with a terminal, a couple have never used it </a:t>
+            </a:r>
+          </a:p>
+        </p:txBody>
+      </p:sp>
+    </p:spTree>
+    <p:extLst>
+      <p:ext uri="{BB962C8B-B14F-4D97-AF65-F5344CB8AC3E}">
+        <p14:creationId xmlns:p14="http://schemas.microsoft.com/office/powerpoint/2010/main" val="483052902"/>
+      </p:ext>
+    </p:extLst>
+  </p:cSld>
+  <p:clrMapOvr>
+    <a:masterClrMapping/>
+  </p:clrMapOvr>
+</p:sld>
+</file>
+
+<file path=ppt/slides/slide4.xml><?xml version="1.0" encoding="utf-8"?>
+<p:sld xmlns:a="http://schemas.openxmlformats.org/drawingml/2006/main" xmlns:r="http://schemas.openxmlformats.org/officeDocument/2006/relationships" xmlns:p="http://schemas.openxmlformats.org/presentationml/2006/main">
+  <p:cSld>
+    <p:spTree>
+      <p:nvGrpSpPr>
+        <p:cNvPr id="1" name=""/>
+        <p:cNvGrpSpPr/>
+        <p:nvPr/>
+      </p:nvGrpSpPr>
+      <p:grpSpPr>
+        <a:xfrm>
+          <a:off x="0" y="0"/>
+          <a:ext cx="0" cy="0"/>
+          <a:chOff x="0" y="0"/>
+          <a:chExt cx="0" cy="0"/>
+        </a:xfrm>
+      </p:grpSpPr>
+      <p:sp>
+        <p:nvSpPr>
+          <p:cNvPr id="2" name="Title 1"/>
+          <p:cNvSpPr>
+            <a:spLocks noGrp="1"/>
+          </p:cNvSpPr>
+          <p:nvPr>
+            <p:ph type="title"/>
+          </p:nvPr>
+        </p:nvSpPr>
+        <p:spPr/>
+        <p:txBody>
+          <a:bodyPr/>
+          <a:lstStyle/>
+          <a:p>
+            <a:r>
+              <a:rPr lang="en-US" dirty="0" smtClean="0"/>
+              <a:t>Survey Responses </a:t>
+            </a:r>
+            <a:endParaRPr lang="en-US" dirty="0"/>
+          </a:p>
+        </p:txBody>
+      </p:sp>
+      <p:sp>
+        <p:nvSpPr>
+          <p:cNvPr id="3" name="Content Placeholder 2"/>
+          <p:cNvSpPr>
+            <a:spLocks noGrp="1"/>
+          </p:cNvSpPr>
+          <p:nvPr>
+            <p:ph idx="1"/>
+          </p:nvPr>
+        </p:nvSpPr>
+        <p:spPr>
+          <a:xfrm>
+            <a:off x="680321" y="2336873"/>
+            <a:ext cx="11015810" cy="4350530"/>
           </a:xfrm>
         </p:spPr>
         <p:txBody>
@@ -8180,6 +8676,157 @@
             </a:pPr>
             <a:r>
               <a:rPr lang="en-US" dirty="0" smtClean="0"/>
+              <a:t>New material: </a:t>
+            </a:r>
+          </a:p>
+          <a:p>
+            <a:pPr lvl="1"/>
+            <a:r>
+              <a:rPr lang="en-US" dirty="0" smtClean="0"/>
+              <a:t>How to import your own code from elsewhere in your computer </a:t>
+            </a:r>
+          </a:p>
+          <a:p>
+            <a:pPr lvl="1"/>
+            <a:r>
+              <a:rPr lang="en-US" dirty="0" smtClean="0"/>
+              <a:t>Object oriented programming (OOP): classes and inheritance </a:t>
+            </a:r>
+          </a:p>
+          <a:p>
+            <a:pPr lvl="1"/>
+            <a:r>
+              <a:rPr lang="en-US" dirty="0" smtClean="0"/>
+              <a:t>GitHub/</a:t>
+            </a:r>
+            <a:r>
+              <a:rPr lang="en-US" dirty="0" err="1" smtClean="0"/>
+              <a:t>Bitbucket</a:t>
+            </a:r>
+            <a:r>
+              <a:rPr lang="en-US" dirty="0" smtClean="0"/>
+              <a:t>/</a:t>
+            </a:r>
+            <a:r>
+              <a:rPr lang="en-US" dirty="0" err="1" smtClean="0"/>
+              <a:t>etc</a:t>
+            </a:r>
+            <a:r>
+              <a:rPr lang="en-US" dirty="0" smtClean="0"/>
+              <a:t> if we get to it </a:t>
+            </a:r>
+          </a:p>
+          <a:p>
+            <a:pPr marL="0" indent="0">
+              <a:buNone/>
+            </a:pPr>
+            <a:endParaRPr lang="en-US" dirty="0" smtClean="0"/>
+          </a:p>
+          <a:p>
+            <a:pPr marL="0" indent="0">
+              <a:buNone/>
+            </a:pPr>
+            <a:endParaRPr lang="en-US" dirty="0"/>
+          </a:p>
+          <a:p>
+            <a:pPr marL="0" indent="0">
+              <a:buNone/>
+            </a:pPr>
+            <a:r>
+              <a:rPr lang="en-US" dirty="0" smtClean="0"/>
+              <a:t>Note: the new material is either impossible or quite difficult when coding in a notebook. I advise all of you to use this </a:t>
+            </a:r>
+            <a:r>
+              <a:rPr lang="en-US" dirty="0" err="1" smtClean="0"/>
+              <a:t>bootcamp</a:t>
+            </a:r>
+            <a:r>
+              <a:rPr lang="en-US" dirty="0" smtClean="0"/>
+              <a:t> as practice for working in text files. </a:t>
+            </a:r>
+          </a:p>
+        </p:txBody>
+      </p:sp>
+    </p:spTree>
+    <p:extLst>
+      <p:ext uri="{BB962C8B-B14F-4D97-AF65-F5344CB8AC3E}">
+        <p14:creationId xmlns:p14="http://schemas.microsoft.com/office/powerpoint/2010/main" val="1608475536"/>
+      </p:ext>
+    </p:extLst>
+  </p:cSld>
+  <p:clrMapOvr>
+    <a:masterClrMapping/>
+  </p:clrMapOvr>
+</p:sld>
+</file>
+
+<file path=ppt/slides/slide5.xml><?xml version="1.0" encoding="utf-8"?>
+<p:sld xmlns:a="http://schemas.openxmlformats.org/drawingml/2006/main" xmlns:r="http://schemas.openxmlformats.org/officeDocument/2006/relationships" xmlns:p="http://schemas.openxmlformats.org/presentationml/2006/main">
+  <p:cSld>
+    <p:spTree>
+      <p:nvGrpSpPr>
+        <p:cNvPr id="1" name=""/>
+        <p:cNvGrpSpPr/>
+        <p:nvPr/>
+      </p:nvGrpSpPr>
+      <p:grpSpPr>
+        <a:xfrm>
+          <a:off x="0" y="0"/>
+          <a:ext cx="0" cy="0"/>
+          <a:chOff x="0" y="0"/>
+          <a:chExt cx="0" cy="0"/>
+        </a:xfrm>
+      </p:grpSpPr>
+      <p:sp>
+        <p:nvSpPr>
+          <p:cNvPr id="2" name="Title 1"/>
+          <p:cNvSpPr>
+            <a:spLocks noGrp="1"/>
+          </p:cNvSpPr>
+          <p:nvPr>
+            <p:ph type="title"/>
+          </p:nvPr>
+        </p:nvSpPr>
+        <p:spPr/>
+        <p:txBody>
+          <a:bodyPr/>
+          <a:lstStyle/>
+          <a:p>
+            <a:r>
+              <a:rPr lang="en-US" dirty="0" smtClean="0"/>
+              <a:t>Goals </a:t>
+            </a:r>
+            <a:endParaRPr lang="en-US" dirty="0"/>
+          </a:p>
+        </p:txBody>
+      </p:sp>
+      <p:sp>
+        <p:nvSpPr>
+          <p:cNvPr id="3" name="Content Placeholder 2"/>
+          <p:cNvSpPr>
+            <a:spLocks noGrp="1"/>
+          </p:cNvSpPr>
+          <p:nvPr>
+            <p:ph idx="1"/>
+          </p:nvPr>
+        </p:nvSpPr>
+        <p:spPr>
+          <a:xfrm>
+            <a:off x="680321" y="2227690"/>
+            <a:ext cx="9613861" cy="4377827"/>
+          </a:xfrm>
+        </p:spPr>
+        <p:txBody>
+          <a:bodyPr>
+            <a:normAutofit/>
+          </a:bodyPr>
+          <a:lstStyle/>
+          <a:p>
+            <a:pPr marL="0" indent="0">
+              <a:buNone/>
+            </a:pPr>
+            <a:r>
+              <a:rPr lang="en-US" dirty="0" smtClean="0"/>
               <a:t>What we’ll aim to cover: </a:t>
             </a:r>
           </a:p>
@@ -8187,7 +8834,18 @@
             <a:pPr lvl="1"/>
             <a:r>
               <a:rPr lang="en-US" dirty="0" smtClean="0"/>
-              <a:t>Review of the basics: control structures, data types, functions, etc. </a:t>
+              <a:t>Review of how to use a terminal </a:t>
+            </a:r>
+          </a:p>
+          <a:p>
+            <a:pPr lvl="1"/>
+            <a:r>
+              <a:rPr lang="en-US" dirty="0" smtClean="0"/>
+              <a:t>Review </a:t>
+            </a:r>
+            <a:r>
+              <a:rPr lang="en-US" dirty="0" smtClean="0"/>
+              <a:t>of the basics: control structures, data types, functions, etc. </a:t>
             </a:r>
           </a:p>
           <a:p>
@@ -8196,6 +8854,23 @@
               <a:rPr lang="en-US" dirty="0" smtClean="0"/>
               <a:t>How to read documentation </a:t>
             </a:r>
+            <a:endParaRPr lang="en-US" dirty="0" smtClean="0"/>
+          </a:p>
+          <a:p>
+            <a:pPr lvl="1"/>
+            <a:r>
+              <a:rPr lang="en-US" dirty="0"/>
+              <a:t>How to import your own code, and how to set up </a:t>
+            </a:r>
+            <a:r>
+              <a:rPr lang="en-US" dirty="0" smtClean="0"/>
+              <a:t>a directory tree to </a:t>
+            </a:r>
+            <a:r>
+              <a:rPr lang="en-US" dirty="0"/>
+              <a:t>organize it </a:t>
+            </a:r>
+            <a:endParaRPr lang="en-US" dirty="0" smtClean="0"/>
           </a:p>
           <a:p>
             <a:pPr lvl="1"/>
@@ -8215,14 +8890,11 @@
             <a:pPr lvl="1"/>
             <a:r>
               <a:rPr lang="en-US" dirty="0" smtClean="0"/>
-              <a:t>How to import your own code, and how to set up a tree structure to organize it </a:t>
-            </a:r>
-          </a:p>
-          <a:p>
-            <a:pPr lvl="1"/>
+              <a:t>Some </a:t>
+            </a:r>
             <a:r>
               <a:rPr lang="en-US" dirty="0" smtClean="0"/>
-              <a:t>Some basic software engineering principles (i.e. good habits) </a:t>
+              <a:t>basic software engineering principles (i.e. good habits) </a:t>
             </a:r>
           </a:p>
           <a:p>
@@ -8289,6 +8961,352 @@
       </p:par>
     </p:tnLst>
   </p:timing>
+</p:sld>
+</file>
+
+<file path=ppt/slides/slide6.xml><?xml version="1.0" encoding="utf-8"?>
+<p:sld xmlns:a="http://schemas.openxmlformats.org/drawingml/2006/main" xmlns:r="http://schemas.openxmlformats.org/officeDocument/2006/relationships" xmlns:p="http://schemas.openxmlformats.org/presentationml/2006/main">
+  <p:cSld>
+    <p:spTree>
+      <p:nvGrpSpPr>
+        <p:cNvPr id="1" name=""/>
+        <p:cNvGrpSpPr/>
+        <p:nvPr/>
+      </p:nvGrpSpPr>
+      <p:grpSpPr>
+        <a:xfrm>
+          <a:off x="0" y="0"/>
+          <a:ext cx="0" cy="0"/>
+          <a:chOff x="0" y="0"/>
+          <a:chExt cx="0" cy="0"/>
+        </a:xfrm>
+      </p:grpSpPr>
+      <p:sp>
+        <p:nvSpPr>
+          <p:cNvPr id="2" name="Title 1"/>
+          <p:cNvSpPr>
+            <a:spLocks noGrp="1"/>
+          </p:cNvSpPr>
+          <p:nvPr>
+            <p:ph type="title"/>
+          </p:nvPr>
+        </p:nvSpPr>
+        <p:spPr/>
+        <p:txBody>
+          <a:bodyPr/>
+          <a:lstStyle/>
+          <a:p>
+            <a:r>
+              <a:rPr lang="en-US" dirty="0" smtClean="0"/>
+              <a:t>Tools: A Terminal </a:t>
+            </a:r>
+            <a:endParaRPr lang="en-US" dirty="0"/>
+          </a:p>
+        </p:txBody>
+      </p:sp>
+      <p:sp>
+        <p:nvSpPr>
+          <p:cNvPr id="3" name="Content Placeholder 2"/>
+          <p:cNvSpPr>
+            <a:spLocks noGrp="1"/>
+          </p:cNvSpPr>
+          <p:nvPr>
+            <p:ph idx="1"/>
+          </p:nvPr>
+        </p:nvSpPr>
+        <p:spPr>
+          <a:xfrm>
+            <a:off x="680322" y="2336873"/>
+            <a:ext cx="5133624" cy="3599316"/>
+          </a:xfrm>
+        </p:spPr>
+        <p:txBody>
+          <a:bodyPr/>
+          <a:lstStyle/>
+          <a:p>
+            <a:pPr marL="0" indent="0">
+              <a:buNone/>
+            </a:pPr>
+            <a:r>
+              <a:rPr lang="en-US" dirty="0" smtClean="0"/>
+              <a:t>I </a:t>
+            </a:r>
+            <a:r>
+              <a:rPr lang="en-US" dirty="0" err="1" smtClean="0"/>
+              <a:t>recommand</a:t>
+            </a:r>
+            <a:r>
+              <a:rPr lang="en-US" dirty="0" smtClean="0"/>
+              <a:t> iTerm2 </a:t>
+            </a:r>
+          </a:p>
+          <a:p>
+            <a:pPr lvl="1"/>
+            <a:r>
+              <a:rPr lang="en-US" dirty="0" smtClean="0"/>
+              <a:t>Terminal</a:t>
+            </a:r>
+            <a:r>
+              <a:rPr lang="en-US" i="1" dirty="0" smtClean="0"/>
+              <a:t> replacement</a:t>
+            </a:r>
+            <a:r>
+              <a:rPr lang="en-US" dirty="0" smtClean="0"/>
+              <a:t> </a:t>
+            </a:r>
+          </a:p>
+          <a:p>
+            <a:pPr marL="0" indent="0">
+              <a:buNone/>
+            </a:pPr>
+            <a:endParaRPr lang="en-US" dirty="0"/>
+          </a:p>
+          <a:p>
+            <a:pPr marL="0" indent="0">
+              <a:buNone/>
+            </a:pPr>
+            <a:r>
+              <a:rPr lang="en-US" dirty="0">
+                <a:hlinkClick r:id="rId2"/>
+              </a:rPr>
+              <a:t>https://www.iterm2.com</a:t>
+            </a:r>
+            <a:r>
+              <a:rPr lang="en-US" dirty="0" smtClean="0">
+                <a:hlinkClick r:id="rId2"/>
+              </a:rPr>
+              <a:t>/</a:t>
+            </a:r>
+            <a:endParaRPr lang="en-US" dirty="0" smtClean="0"/>
+          </a:p>
+          <a:p>
+            <a:pPr marL="0" indent="0">
+              <a:buNone/>
+            </a:pPr>
+            <a:endParaRPr lang="en-US" dirty="0"/>
+          </a:p>
+          <a:p>
+            <a:pPr marL="0" indent="0">
+              <a:buNone/>
+            </a:pPr>
+            <a:r>
+              <a:rPr lang="en-US" dirty="0" smtClean="0"/>
+              <a:t>You should think of a terminal as just a different interface on a Finder window </a:t>
+            </a:r>
+            <a:endParaRPr lang="en-US" dirty="0"/>
+          </a:p>
+        </p:txBody>
+      </p:sp>
+      <p:pic>
+        <p:nvPicPr>
+          <p:cNvPr id="4" name="Picture 3"/>
+          <p:cNvPicPr>
+            <a:picLocks noChangeAspect="1"/>
+          </p:cNvPicPr>
+          <p:nvPr/>
+        </p:nvPicPr>
+        <p:blipFill>
+          <a:blip r:embed="rId3">
+            <a:extLst>
+              <a:ext uri="{28A0092B-C50C-407E-A947-70E740481C1C}">
+                <a14:useLocalDpi xmlns:a14="http://schemas.microsoft.com/office/drawing/2010/main" val="0"/>
+              </a:ext>
+            </a:extLst>
+          </a:blip>
+          <a:stretch>
+            <a:fillRect/>
+          </a:stretch>
+        </p:blipFill>
+        <p:spPr>
+          <a:xfrm>
+            <a:off x="5990778" y="2336873"/>
+            <a:ext cx="5845755" cy="3921953"/>
+          </a:xfrm>
+          <a:prstGeom prst="rect">
+            <a:avLst/>
+          </a:prstGeom>
+        </p:spPr>
+      </p:pic>
+    </p:spTree>
+    <p:extLst>
+      <p:ext uri="{BB962C8B-B14F-4D97-AF65-F5344CB8AC3E}">
+        <p14:creationId xmlns:p14="http://schemas.microsoft.com/office/powerpoint/2010/main" val="1342594785"/>
+      </p:ext>
+    </p:extLst>
+  </p:cSld>
+  <p:clrMapOvr>
+    <a:masterClrMapping/>
+  </p:clrMapOvr>
+</p:sld>
+</file>
+
+<file path=ppt/slides/slide7.xml><?xml version="1.0" encoding="utf-8"?>
+<p:sld xmlns:a="http://schemas.openxmlformats.org/drawingml/2006/main" xmlns:r="http://schemas.openxmlformats.org/officeDocument/2006/relationships" xmlns:p="http://schemas.openxmlformats.org/presentationml/2006/main">
+  <p:cSld>
+    <p:spTree>
+      <p:nvGrpSpPr>
+        <p:cNvPr id="1" name=""/>
+        <p:cNvGrpSpPr/>
+        <p:nvPr/>
+      </p:nvGrpSpPr>
+      <p:grpSpPr>
+        <a:xfrm>
+          <a:off x="0" y="0"/>
+          <a:ext cx="0" cy="0"/>
+          <a:chOff x="0" y="0"/>
+          <a:chExt cx="0" cy="0"/>
+        </a:xfrm>
+      </p:grpSpPr>
+      <p:sp>
+        <p:nvSpPr>
+          <p:cNvPr id="2" name="Title 1"/>
+          <p:cNvSpPr>
+            <a:spLocks noGrp="1"/>
+          </p:cNvSpPr>
+          <p:nvPr>
+            <p:ph type="title"/>
+          </p:nvPr>
+        </p:nvSpPr>
+        <p:spPr/>
+        <p:txBody>
+          <a:bodyPr/>
+          <a:lstStyle/>
+          <a:p>
+            <a:r>
+              <a:rPr lang="en-US" dirty="0" smtClean="0"/>
+              <a:t>Tools: A Text Editor </a:t>
+            </a:r>
+            <a:endParaRPr lang="en-US" dirty="0"/>
+          </a:p>
+        </p:txBody>
+      </p:sp>
+      <p:sp>
+        <p:nvSpPr>
+          <p:cNvPr id="3" name="Content Placeholder 2"/>
+          <p:cNvSpPr>
+            <a:spLocks noGrp="1"/>
+          </p:cNvSpPr>
+          <p:nvPr>
+            <p:ph idx="1"/>
+          </p:nvPr>
+        </p:nvSpPr>
+        <p:spPr>
+          <a:xfrm>
+            <a:off x="680322" y="2336873"/>
+            <a:ext cx="4164633" cy="3599316"/>
+          </a:xfrm>
+        </p:spPr>
+        <p:txBody>
+          <a:bodyPr/>
+          <a:lstStyle/>
+          <a:p>
+            <a:pPr marL="0" indent="0">
+              <a:buNone/>
+            </a:pPr>
+            <a:r>
+              <a:rPr lang="en-US" dirty="0" smtClean="0"/>
+              <a:t>Differs from an </a:t>
+            </a:r>
+            <a:r>
+              <a:rPr lang="en-US" i="1" dirty="0" smtClean="0"/>
+              <a:t>Integrated Development Environment </a:t>
+            </a:r>
+            <a:r>
+              <a:rPr lang="en-US" dirty="0" smtClean="0"/>
+              <a:t>(IDE) in that IDEs will </a:t>
+            </a:r>
+            <a:r>
+              <a:rPr lang="en-US" i="1" dirty="0" smtClean="0"/>
+              <a:t>run</a:t>
+            </a:r>
+            <a:r>
+              <a:rPr lang="en-US" dirty="0" smtClean="0"/>
+              <a:t> the code </a:t>
+            </a:r>
+            <a:r>
+              <a:rPr lang="mr-IN" dirty="0" smtClean="0"/>
+              <a:t>–</a:t>
+            </a:r>
+            <a:r>
+              <a:rPr lang="en-US" dirty="0" smtClean="0"/>
+              <a:t> all they do is open, create, edit, etc. plain text files </a:t>
+            </a:r>
+          </a:p>
+          <a:p>
+            <a:pPr marL="0" indent="0">
+              <a:buNone/>
+            </a:pPr>
+            <a:endParaRPr lang="en-US" dirty="0"/>
+          </a:p>
+          <a:p>
+            <a:pPr marL="0" indent="0">
+              <a:buNone/>
+            </a:pPr>
+            <a:r>
+              <a:rPr lang="en-US" dirty="0" smtClean="0"/>
+              <a:t>I recommend Sublime Text </a:t>
+            </a:r>
+          </a:p>
+          <a:p>
+            <a:pPr marL="0" indent="0">
+              <a:buNone/>
+            </a:pPr>
+            <a:r>
+              <a:rPr lang="en-US" dirty="0">
+                <a:hlinkClick r:id="rId2"/>
+              </a:rPr>
+              <a:t>https://www.sublimetext.com</a:t>
+            </a:r>
+            <a:r>
+              <a:rPr lang="en-US" smtClean="0">
+                <a:hlinkClick r:id="rId2"/>
+              </a:rPr>
+              <a:t>/</a:t>
+            </a:r>
+            <a:endParaRPr lang="en-US" smtClean="0"/>
+          </a:p>
+        </p:txBody>
+      </p:sp>
+      <p:pic>
+        <p:nvPicPr>
+          <p:cNvPr id="4" name="Picture 3"/>
+          <p:cNvPicPr>
+            <a:picLocks noChangeAspect="1"/>
+          </p:cNvPicPr>
+          <p:nvPr/>
+        </p:nvPicPr>
+        <p:blipFill>
+          <a:blip r:embed="rId3">
+            <a:extLst>
+              <a:ext uri="{28A0092B-C50C-407E-A947-70E740481C1C}">
+                <a14:useLocalDpi xmlns:a14="http://schemas.microsoft.com/office/drawing/2010/main" val="0"/>
+              </a:ext>
+            </a:extLst>
+          </a:blip>
+          <a:stretch>
+            <a:fillRect/>
+          </a:stretch>
+        </p:blipFill>
+        <p:spPr>
+          <a:xfrm>
+            <a:off x="5154305" y="2336873"/>
+            <a:ext cx="6746054" cy="4216284"/>
+          </a:xfrm>
+          <a:prstGeom prst="rect">
+            <a:avLst/>
+          </a:prstGeom>
+        </p:spPr>
+      </p:pic>
+    </p:spTree>
+    <p:extLst>
+      <p:ext uri="{BB962C8B-B14F-4D97-AF65-F5344CB8AC3E}">
+        <p14:creationId xmlns:p14="http://schemas.microsoft.com/office/powerpoint/2010/main" val="371056704"/>
+      </p:ext>
+    </p:extLst>
+  </p:cSld>
+  <p:clrMapOvr>
+    <a:masterClrMapping/>
+  </p:clrMapOvr>
 </p:sld>
 </file>
 

--- a/slides/intro.pptx
+++ b/slides/intro.pptx
@@ -9,9 +9,12 @@
     <p:sldId id="258" r:id="rId3"/>
     <p:sldId id="259" r:id="rId4"/>
     <p:sldId id="260" r:id="rId5"/>
-    <p:sldId id="257" r:id="rId6"/>
+    <p:sldId id="262" r:id="rId6"/>
     <p:sldId id="261" r:id="rId7"/>
-    <p:sldId id="262" r:id="rId8"/>
+    <p:sldId id="263" r:id="rId8"/>
+    <p:sldId id="264" r:id="rId9"/>
+    <p:sldId id="265" r:id="rId10"/>
+    <p:sldId id="257" r:id="rId11"/>
   </p:sldIdLst>
   <p:sldSz cx="12192000" cy="6858000"/>
   <p:notesSz cx="6858000" cy="9144000"/>
@@ -396,7 +399,7 @@
           <a:p>
             <a:fld id="{51673806-0BCD-1F42-BAA8-2011034B3C6A}" type="datetimeFigureOut">
               <a:rPr lang="en-US" smtClean="0"/>
-              <a:t>5/5/20</a:t>
+              <a:t>5/6/20</a:t>
             </a:fld>
             <a:endParaRPr lang="en-US"/>
           </a:p>
@@ -810,7 +813,7 @@
           <a:p>
             <a:fld id="{51673806-0BCD-1F42-BAA8-2011034B3C6A}" type="datetimeFigureOut">
               <a:rPr lang="en-US" smtClean="0"/>
-              <a:t>5/5/20</a:t>
+              <a:t>5/6/20</a:t>
             </a:fld>
             <a:endParaRPr lang="en-US"/>
           </a:p>
@@ -1141,7 +1144,7 @@
           <a:p>
             <a:fld id="{51673806-0BCD-1F42-BAA8-2011034B3C6A}" type="datetimeFigureOut">
               <a:rPr lang="en-US" smtClean="0"/>
-              <a:t>5/5/20</a:t>
+              <a:t>5/6/20</a:t>
             </a:fld>
             <a:endParaRPr lang="en-US"/>
           </a:p>
@@ -1541,7 +1544,7 @@
           <a:p>
             <a:fld id="{51673806-0BCD-1F42-BAA8-2011034B3C6A}" type="datetimeFigureOut">
               <a:rPr lang="en-US" smtClean="0"/>
-              <a:t>5/5/20</a:t>
+              <a:t>5/6/20</a:t>
             </a:fld>
             <a:endParaRPr lang="en-US"/>
           </a:p>
@@ -2104,7 +2107,7 @@
           <a:p>
             <a:fld id="{51673806-0BCD-1F42-BAA8-2011034B3C6A}" type="datetimeFigureOut">
               <a:rPr lang="en-US" smtClean="0"/>
-              <a:t>5/5/20</a:t>
+              <a:t>5/6/20</a:t>
             </a:fld>
             <a:endParaRPr lang="en-US"/>
           </a:p>
@@ -2780,7 +2783,7 @@
           <a:p>
             <a:fld id="{51673806-0BCD-1F42-BAA8-2011034B3C6A}" type="datetimeFigureOut">
               <a:rPr lang="en-US" smtClean="0"/>
-              <a:t>5/5/20</a:t>
+              <a:t>5/6/20</a:t>
             </a:fld>
             <a:endParaRPr lang="en-US"/>
           </a:p>
@@ -3688,7 +3691,7 @@
           <a:p>
             <a:fld id="{51673806-0BCD-1F42-BAA8-2011034B3C6A}" type="datetimeFigureOut">
               <a:rPr lang="en-US" smtClean="0"/>
-              <a:t>5/5/20</a:t>
+              <a:t>5/6/20</a:t>
             </a:fld>
             <a:endParaRPr lang="en-US"/>
           </a:p>
@@ -3996,7 +3999,7 @@
           <a:p>
             <a:fld id="{51673806-0BCD-1F42-BAA8-2011034B3C6A}" type="datetimeFigureOut">
               <a:rPr lang="en-US" smtClean="0"/>
-              <a:t>5/5/20</a:t>
+              <a:t>5/6/20</a:t>
             </a:fld>
             <a:endParaRPr lang="en-US"/>
           </a:p>
@@ -4255,7 +4258,7 @@
           <a:p>
             <a:fld id="{51673806-0BCD-1F42-BAA8-2011034B3C6A}" type="datetimeFigureOut">
               <a:rPr lang="en-US" smtClean="0"/>
-              <a:t>5/5/20</a:t>
+              <a:t>5/6/20</a:t>
             </a:fld>
             <a:endParaRPr lang="en-US"/>
           </a:p>
@@ -4578,7 +4581,7 @@
           <a:p>
             <a:fld id="{51673806-0BCD-1F42-BAA8-2011034B3C6A}" type="datetimeFigureOut">
               <a:rPr lang="en-US" smtClean="0"/>
-              <a:t>5/5/20</a:t>
+              <a:t>5/6/20</a:t>
             </a:fld>
             <a:endParaRPr lang="en-US"/>
           </a:p>
@@ -4962,7 +4965,7 @@
           <a:p>
             <a:fld id="{51673806-0BCD-1F42-BAA8-2011034B3C6A}" type="datetimeFigureOut">
               <a:rPr lang="en-US" smtClean="0"/>
-              <a:t>5/5/20</a:t>
+              <a:t>5/6/20</a:t>
             </a:fld>
             <a:endParaRPr lang="en-US"/>
           </a:p>
@@ -5338,7 +5341,7 @@
           <a:p>
             <a:fld id="{51673806-0BCD-1F42-BAA8-2011034B3C6A}" type="datetimeFigureOut">
               <a:rPr lang="en-US" smtClean="0"/>
-              <a:t>5/5/20</a:t>
+              <a:t>5/6/20</a:t>
             </a:fld>
             <a:endParaRPr lang="en-US"/>
           </a:p>
@@ -5844,7 +5847,7 @@
           <a:p>
             <a:fld id="{51673806-0BCD-1F42-BAA8-2011034B3C6A}" type="datetimeFigureOut">
               <a:rPr lang="en-US" smtClean="0"/>
-              <a:t>5/5/20</a:t>
+              <a:t>5/6/20</a:t>
             </a:fld>
             <a:endParaRPr lang="en-US"/>
           </a:p>
@@ -6101,7 +6104,7 @@
           <a:p>
             <a:fld id="{51673806-0BCD-1F42-BAA8-2011034B3C6A}" type="datetimeFigureOut">
               <a:rPr lang="en-US" smtClean="0"/>
-              <a:t>5/5/20</a:t>
+              <a:t>5/6/20</a:t>
             </a:fld>
             <a:endParaRPr lang="en-US"/>
           </a:p>
@@ -6259,7 +6262,7 @@
           <a:p>
             <a:fld id="{51673806-0BCD-1F42-BAA8-2011034B3C6A}" type="datetimeFigureOut">
               <a:rPr lang="en-US" smtClean="0"/>
-              <a:t>5/5/20</a:t>
+              <a:t>5/6/20</a:t>
             </a:fld>
             <a:endParaRPr lang="en-US"/>
           </a:p>
@@ -6649,7 +6652,7 @@
           <a:p>
             <a:fld id="{51673806-0BCD-1F42-BAA8-2011034B3C6A}" type="datetimeFigureOut">
               <a:rPr lang="en-US" smtClean="0"/>
-              <a:t>5/5/20</a:t>
+              <a:t>5/6/20</a:t>
             </a:fld>
             <a:endParaRPr lang="en-US"/>
           </a:p>
@@ -7058,7 +7061,7 @@
           <a:p>
             <a:fld id="{51673806-0BCD-1F42-BAA8-2011034B3C6A}" type="datetimeFigureOut">
               <a:rPr lang="en-US" smtClean="0"/>
-              <a:t>5/5/20</a:t>
+              <a:t>5/6/20</a:t>
             </a:fld>
             <a:endParaRPr lang="en-US"/>
           </a:p>
@@ -7306,7 +7309,7 @@
             <a:fld id="{51673806-0BCD-1F42-BAA8-2011034B3C6A}" type="datetimeFigureOut">
               <a:rPr lang="en-US" smtClean="0"/>
               <a:pPr/>
-              <a:t>5/5/20</a:t>
+              <a:t>5/6/20</a:t>
             </a:fld>
             <a:endParaRPr lang="en-US" dirty="0"/>
           </a:p>
@@ -7813,6 +7816,209 @@
 </p:sld>
 </file>
 
+<file path=ppt/slides/slide10.xml><?xml version="1.0" encoding="utf-8"?>
+<p:sld xmlns:a="http://schemas.openxmlformats.org/drawingml/2006/main" xmlns:r="http://schemas.openxmlformats.org/officeDocument/2006/relationships" xmlns:p="http://schemas.openxmlformats.org/presentationml/2006/main">
+  <p:cSld>
+    <p:spTree>
+      <p:nvGrpSpPr>
+        <p:cNvPr id="1" name=""/>
+        <p:cNvGrpSpPr/>
+        <p:nvPr/>
+      </p:nvGrpSpPr>
+      <p:grpSpPr>
+        <a:xfrm>
+          <a:off x="0" y="0"/>
+          <a:ext cx="0" cy="0"/>
+          <a:chOff x="0" y="0"/>
+          <a:chExt cx="0" cy="0"/>
+        </a:xfrm>
+      </p:grpSpPr>
+      <p:sp>
+        <p:nvSpPr>
+          <p:cNvPr id="2" name="Title 1"/>
+          <p:cNvSpPr>
+            <a:spLocks noGrp="1"/>
+          </p:cNvSpPr>
+          <p:nvPr>
+            <p:ph type="title"/>
+          </p:nvPr>
+        </p:nvSpPr>
+        <p:spPr/>
+        <p:txBody>
+          <a:bodyPr/>
+          <a:lstStyle/>
+          <a:p>
+            <a:r>
+              <a:rPr lang="en-US" dirty="0" smtClean="0"/>
+              <a:t>Goals </a:t>
+            </a:r>
+            <a:endParaRPr lang="en-US" dirty="0"/>
+          </a:p>
+        </p:txBody>
+      </p:sp>
+      <p:sp>
+        <p:nvSpPr>
+          <p:cNvPr id="3" name="Content Placeholder 2"/>
+          <p:cNvSpPr>
+            <a:spLocks noGrp="1"/>
+          </p:cNvSpPr>
+          <p:nvPr>
+            <p:ph idx="1"/>
+          </p:nvPr>
+        </p:nvSpPr>
+        <p:spPr>
+          <a:xfrm>
+            <a:off x="680321" y="2227690"/>
+            <a:ext cx="9613861" cy="4377827"/>
+          </a:xfrm>
+        </p:spPr>
+        <p:txBody>
+          <a:bodyPr>
+            <a:normAutofit/>
+          </a:bodyPr>
+          <a:lstStyle/>
+          <a:p>
+            <a:pPr marL="0" indent="0">
+              <a:buNone/>
+            </a:pPr>
+            <a:r>
+              <a:rPr lang="en-US" dirty="0" smtClean="0"/>
+              <a:t>What we’ll aim to cover: </a:t>
+            </a:r>
+          </a:p>
+          <a:p>
+            <a:pPr lvl="1"/>
+            <a:r>
+              <a:rPr lang="en-US" dirty="0" smtClean="0"/>
+              <a:t>Review of how to use a terminal </a:t>
+            </a:r>
+          </a:p>
+          <a:p>
+            <a:pPr lvl="1"/>
+            <a:r>
+              <a:rPr lang="en-US" dirty="0" smtClean="0"/>
+              <a:t>Review of the basics: control structures, data types, functions</a:t>
+            </a:r>
+            <a:r>
+              <a:rPr lang="en-US" smtClean="0"/>
+              <a:t>, import, </a:t>
+            </a:r>
+            <a:r>
+              <a:rPr lang="en-US" dirty="0" smtClean="0"/>
+              <a:t>etc. </a:t>
+            </a:r>
+          </a:p>
+          <a:p>
+            <a:pPr lvl="1"/>
+            <a:r>
+              <a:rPr lang="en-US" dirty="0" smtClean="0"/>
+              <a:t>How to read documentation </a:t>
+            </a:r>
+          </a:p>
+          <a:p>
+            <a:pPr lvl="1"/>
+            <a:r>
+              <a:rPr lang="en-US" dirty="0"/>
+              <a:t>How to import your own code, and how to set up </a:t>
+            </a:r>
+            <a:r>
+              <a:rPr lang="en-US" dirty="0" smtClean="0"/>
+              <a:t>a directory tree to </a:t>
+            </a:r>
+            <a:r>
+              <a:rPr lang="en-US" dirty="0"/>
+              <a:t>organize it </a:t>
+            </a:r>
+            <a:endParaRPr lang="en-US" dirty="0" smtClean="0"/>
+          </a:p>
+          <a:p>
+            <a:pPr lvl="1"/>
+            <a:r>
+              <a:rPr lang="en-US" dirty="0" smtClean="0"/>
+              <a:t>Classes: how to make new objects </a:t>
+            </a:r>
+          </a:p>
+          <a:p>
+            <a:pPr lvl="2"/>
+            <a:r>
+              <a:rPr lang="en-US" dirty="0" smtClean="0"/>
+              <a:t>Inheritance </a:t>
+            </a:r>
+          </a:p>
+          <a:p>
+            <a:pPr lvl="1"/>
+            <a:r>
+              <a:rPr lang="en-US" dirty="0" smtClean="0"/>
+              <a:t>Some basic software engineering principles (i.e. good habits) </a:t>
+            </a:r>
+          </a:p>
+          <a:p>
+            <a:pPr marL="0" indent="0">
+              <a:buNone/>
+            </a:pPr>
+            <a:endParaRPr lang="en-US" dirty="0" smtClean="0"/>
+          </a:p>
+          <a:p>
+            <a:pPr marL="0" indent="0">
+              <a:buNone/>
+            </a:pPr>
+            <a:r>
+              <a:rPr lang="en-US" dirty="0" smtClean="0"/>
+              <a:t>If we have time: </a:t>
+            </a:r>
+          </a:p>
+          <a:p>
+            <a:pPr lvl="1"/>
+            <a:r>
+              <a:rPr lang="en-US" i="1" dirty="0" err="1" smtClean="0"/>
+              <a:t>git</a:t>
+            </a:r>
+            <a:r>
+              <a:rPr lang="en-US" i="1" dirty="0" smtClean="0"/>
+              <a:t> </a:t>
+            </a:r>
+            <a:r>
+              <a:rPr lang="en-US" dirty="0" smtClean="0"/>
+              <a:t>for version control and general organization </a:t>
+            </a:r>
+          </a:p>
+          <a:p>
+            <a:pPr lvl="1"/>
+            <a:r>
+              <a:rPr lang="en-US" dirty="0"/>
+              <a:t>A simple </a:t>
+            </a:r>
+            <a:r>
+              <a:rPr lang="en-US" dirty="0" err="1"/>
+              <a:t>Makefile</a:t>
+            </a:r>
+            <a:r>
+              <a:rPr lang="en-US" dirty="0"/>
+              <a:t> </a:t>
+            </a:r>
+          </a:p>
+        </p:txBody>
+      </p:sp>
+    </p:spTree>
+    <p:extLst>
+      <p:ext uri="{BB962C8B-B14F-4D97-AF65-F5344CB8AC3E}">
+        <p14:creationId xmlns:p14="http://schemas.microsoft.com/office/powerpoint/2010/main" val="1230225928"/>
+      </p:ext>
+    </p:extLst>
+  </p:cSld>
+  <p:clrMapOvr>
+    <a:masterClrMapping/>
+  </p:clrMapOvr>
+  <p:timing>
+    <p:tnLst>
+      <p:par>
+        <p:cTn id="1" dur="indefinite" restart="never" nodeType="tmRoot"/>
+      </p:par>
+    </p:tnLst>
+  </p:timing>
+</p:sld>
+</file>
+
 <file path=ppt/slides/slide2.xml><?xml version="1.0" encoding="utf-8"?>
 <p:sld xmlns:a="http://schemas.openxmlformats.org/drawingml/2006/main" xmlns:r="http://schemas.openxmlformats.org/officeDocument/2006/relationships" xmlns:p="http://schemas.openxmlformats.org/presentationml/2006/main">
   <p:cSld>
@@ -8011,11 +8217,7 @@
             </a:pPr>
             <a:r>
               <a:rPr lang="en-US" dirty="0" smtClean="0"/>
-              <a:t>59,700 </a:t>
-            </a:r>
-            <a:r>
-              <a:rPr lang="en-US" dirty="0" smtClean="0"/>
-              <a:t>lines </a:t>
+              <a:t>59,700 lines </a:t>
             </a:r>
             <a:r>
               <a:rPr lang="en-US" dirty="0"/>
@@ -8023,11 +8225,11 @@
             </a:r>
             <a:r>
               <a:rPr lang="en-US" dirty="0" smtClean="0"/>
-              <a:t>C) as of </a:t>
-            </a:r>
-            <a:r>
-              <a:rPr lang="en-US" dirty="0" smtClean="0"/>
-              <a:t>May 5, </a:t>
+              <a:t>C) as of May </a:t>
+            </a:r>
+            <a:r>
+              <a:rPr lang="en-US" dirty="0" smtClean="0"/>
+              <a:t>6, </a:t>
             </a:r>
             <a:r>
               <a:rPr lang="en-US" dirty="0" smtClean="0"/>
@@ -8044,7 +8246,7 @@
               </a:spcBef>
               <a:buNone/>
             </a:pPr>
-            <a:endParaRPr lang="en-US" dirty="0"/>
+            <a:endParaRPr lang="en-US" dirty="0" smtClean="0"/>
           </a:p>
           <a:p>
             <a:pPr marL="0" indent="0">
@@ -8058,54 +8260,17 @@
             </a:pPr>
             <a:r>
               <a:rPr lang="en-US" dirty="0" smtClean="0"/>
-              <a:t>Born May 4, 1995 in Iowa City, IA, grew up in Lincoln, NE </a:t>
-            </a:r>
-          </a:p>
-          <a:p>
-            <a:pPr marL="0" indent="0">
-              <a:lnSpc>
-                <a:spcPct val="100000"/>
-              </a:lnSpc>
-              <a:spcBef>
-                <a:spcPts val="0"/>
-              </a:spcBef>
-              <a:buNone/>
-            </a:pPr>
-            <a:r>
-              <a:rPr lang="en-US" dirty="0" smtClean="0"/>
-              <a:t>BA Vanderbilt University 2017 (Nashville, TN); </a:t>
-            </a:r>
-            <a:r>
-              <a:rPr lang="en-US" dirty="0" err="1" smtClean="0"/>
-              <a:t>Freie</a:t>
-            </a:r>
-            <a:r>
-              <a:rPr lang="en-US" dirty="0" smtClean="0"/>
-              <a:t> </a:t>
-            </a:r>
-            <a:r>
-              <a:rPr lang="en-US" dirty="0" err="1" smtClean="0"/>
-              <a:t>Universität</a:t>
-            </a:r>
-            <a:r>
-              <a:rPr lang="en-US" dirty="0" smtClean="0"/>
-              <a:t> Berlin (summer 2016) </a:t>
-            </a:r>
-          </a:p>
-          <a:p>
-            <a:pPr marL="0" indent="0">
-              <a:lnSpc>
-                <a:spcPct val="100000"/>
-              </a:lnSpc>
-              <a:spcBef>
-                <a:spcPts val="0"/>
-              </a:spcBef>
-              <a:buNone/>
-            </a:pPr>
-            <a:r>
-              <a:rPr lang="en-US" dirty="0" smtClean="0"/>
-              <a:t>Other interests: (bass) guitar, video games, cooking, sports, traveling </a:t>
-            </a:r>
+              <a:t>We’ll do a mix of slides and exercises </a:t>
+            </a:r>
+            <a:r>
+              <a:rPr lang="mr-IN" dirty="0" smtClean="0"/>
+              <a:t>–</a:t>
+            </a:r>
+            <a:r>
+              <a:rPr lang="en-US" dirty="0" smtClean="0"/>
+              <a:t> I won’t be collecting and grading anything. This isn’t a course. What you get out of this will reflect what you put into it. </a:t>
+            </a:r>
+            <a:endParaRPr lang="en-US" dirty="0"/>
           </a:p>
         </p:txBody>
       </p:sp>
@@ -8210,8 +8375,21 @@
             </a:pPr>
             <a:r>
               <a:rPr lang="en-US" dirty="0" smtClean="0"/>
-              <a:t>Q1: 1A, 3B, 3C, 8D </a:t>
-            </a:r>
+              <a:t>Q1: 1A, 3B, </a:t>
+            </a:r>
+            <a:r>
+              <a:rPr lang="en-US" dirty="0" smtClean="0"/>
+              <a:t>4C</a:t>
+            </a:r>
+            <a:r>
+              <a:rPr lang="en-US" dirty="0" smtClean="0"/>
+              <a:t>, </a:t>
+            </a:r>
+            <a:r>
+              <a:rPr lang="en-US" dirty="0" smtClean="0"/>
+              <a:t>9D </a:t>
+            </a:r>
+            <a:endParaRPr lang="en-US" dirty="0" smtClean="0"/>
           </a:p>
           <a:p>
             <a:pPr marL="0" marR="0" lvl="0" indent="0" defTabSz="914400" eaLnBrk="1" fontAlgn="auto" latinLnBrk="0" hangingPunct="1">
@@ -8260,7 +8438,23 @@
             </a:pPr>
             <a:r>
               <a:rPr lang="en-US" dirty="0" smtClean="0"/>
-              <a:t>Q2: 7A, 4B, 3C, 1D </a:t>
+              <a:t>Q2: </a:t>
+            </a:r>
+            <a:r>
+              <a:rPr lang="en-US" dirty="0" smtClean="0"/>
+              <a:t>8A</a:t>
+            </a:r>
+            <a:r>
+              <a:rPr lang="en-US" dirty="0" smtClean="0"/>
+              <a:t>, </a:t>
+            </a:r>
+            <a:r>
+              <a:rPr lang="en-US" dirty="0" smtClean="0"/>
+              <a:t>5B</a:t>
+            </a:r>
+            <a:r>
+              <a:rPr lang="en-US" dirty="0" smtClean="0"/>
+              <a:t>, 3C, 1D </a:t>
             </a:r>
           </a:p>
           <a:p>
@@ -8355,7 +8549,15 @@
             </a:pPr>
             <a:r>
               <a:rPr lang="en-US" dirty="0" smtClean="0"/>
-              <a:t>Q3: 5A, 5B, 3C, 2D </a:t>
+              <a:t>Q3: </a:t>
+            </a:r>
+            <a:r>
+              <a:rPr lang="en-US" dirty="0" smtClean="0"/>
+              <a:t>7A</a:t>
+            </a:r>
+            <a:r>
+              <a:rPr lang="en-US" dirty="0" smtClean="0"/>
+              <a:t>, 5B, 3C, 2D </a:t>
             </a:r>
           </a:p>
           <a:p>
@@ -8405,8 +8607,21 @@
             </a:pPr>
             <a:r>
               <a:rPr lang="en-US" dirty="0" smtClean="0"/>
-              <a:t>Q4: 9A, 5B, 1C </a:t>
-            </a:r>
+              <a:t>Q4: 9A, </a:t>
+            </a:r>
+            <a:r>
+              <a:rPr lang="en-US" dirty="0" smtClean="0"/>
+              <a:t>6B</a:t>
+            </a:r>
+            <a:r>
+              <a:rPr lang="en-US" dirty="0" smtClean="0"/>
+              <a:t>, </a:t>
+            </a:r>
+            <a:r>
+              <a:rPr lang="en-US" dirty="0" smtClean="0"/>
+              <a:t>2C </a:t>
+            </a:r>
+            <a:endParaRPr lang="en-US" dirty="0" smtClean="0"/>
           </a:p>
           <a:p>
             <a:pPr marL="0" marR="0" lvl="0" indent="0" defTabSz="914400" eaLnBrk="1" fontAlgn="auto" latinLnBrk="0" hangingPunct="1">
@@ -8456,7 +8671,23 @@
             </a:pPr>
             <a:r>
               <a:rPr lang="en-US" dirty="0" smtClean="0"/>
-              <a:t>Q5: 6A, 7B, 2C </a:t>
+              <a:t>Q5: </a:t>
+            </a:r>
+            <a:r>
+              <a:rPr lang="en-US" dirty="0" smtClean="0"/>
+              <a:t>7A</a:t>
+            </a:r>
+            <a:r>
+              <a:rPr lang="en-US" dirty="0" smtClean="0"/>
+              <a:t>, </a:t>
+            </a:r>
+            <a:r>
+              <a:rPr lang="en-US" dirty="0" smtClean="0"/>
+              <a:t>8B</a:t>
+            </a:r>
+            <a:r>
+              <a:rPr lang="en-US" dirty="0" smtClean="0"/>
+              <a:t>, 2C </a:t>
             </a:r>
           </a:p>
           <a:p>
@@ -8514,7 +8745,15 @@
             </a:pPr>
             <a:r>
               <a:rPr lang="en-US" dirty="0" smtClean="0"/>
-              <a:t>Q6: 8A, 1B, 1D, 4E, 1F </a:t>
+              <a:t>Q6: </a:t>
+            </a:r>
+            <a:r>
+              <a:rPr lang="en-US" dirty="0" smtClean="0"/>
+              <a:t>10A</a:t>
+            </a:r>
+            <a:r>
+              <a:rPr lang="en-US" dirty="0" smtClean="0"/>
+              <a:t>, 1B, 1D, 4E, 1F </a:t>
             </a:r>
           </a:p>
           <a:p>
@@ -8564,7 +8803,23 @@
             </a:pPr>
             <a:r>
               <a:rPr lang="en-US" dirty="0" smtClean="0"/>
-              <a:t>Q7: 3A, 4C, 3D, 4E </a:t>
+              <a:t>Q7: 3A</a:t>
+            </a:r>
+            <a:r>
+              <a:rPr lang="en-US" dirty="0" smtClean="0"/>
+              <a:t>, 1B, </a:t>
+            </a:r>
+            <a:r>
+              <a:rPr lang="en-US" dirty="0"/>
+              <a:t>5</a:t>
+            </a:r>
+            <a:r>
+              <a:rPr lang="en-US" dirty="0" smtClean="0"/>
+              <a:t>C</a:t>
+            </a:r>
+            <a:r>
+              <a:rPr lang="en-US" dirty="0" smtClean="0"/>
+              <a:t>, 3D, 4E </a:t>
             </a:r>
           </a:p>
           <a:p>
@@ -8794,7 +9049,7 @@
           <a:p>
             <a:r>
               <a:rPr lang="en-US" dirty="0" smtClean="0"/>
-              <a:t>Goals </a:t>
+              <a:t>Tools: A Text Editor </a:t>
             </a:r>
             <a:endParaRPr lang="en-US" dirty="0"/>
           </a:p>
@@ -8812,14 +9067,12 @@
         </p:nvSpPr>
         <p:spPr>
           <a:xfrm>
-            <a:off x="680321" y="2227690"/>
-            <a:ext cx="9613861" cy="4377827"/>
-          </a:xfrm>
-        </p:spPr>
-        <p:txBody>
-          <a:bodyPr>
-            <a:normAutofit/>
-          </a:bodyPr>
+            <a:off x="680322" y="2336872"/>
+            <a:ext cx="4164633" cy="4077575"/>
+          </a:xfrm>
+        </p:spPr>
+        <p:txBody>
+          <a:bodyPr/>
           <a:lstStyle/>
           <a:p>
             <a:pPr marL="0" indent="0">
@@ -8827,127 +9080,127 @@
             </a:pPr>
             <a:r>
               <a:rPr lang="en-US" dirty="0" smtClean="0"/>
-              <a:t>What we’ll aim to cover: </a:t>
-            </a:r>
+              <a:t>Differs from an </a:t>
+            </a:r>
+            <a:r>
+              <a:rPr lang="en-US" i="1" dirty="0" smtClean="0"/>
+              <a:t>Integrated Development Environment </a:t>
+            </a:r>
+            <a:r>
+              <a:rPr lang="en-US" dirty="0" smtClean="0"/>
+              <a:t>(IDE) in that IDEs will </a:t>
+            </a:r>
+            <a:r>
+              <a:rPr lang="en-US" i="1" dirty="0" smtClean="0"/>
+              <a:t>run</a:t>
+            </a:r>
+            <a:r>
+              <a:rPr lang="en-US" dirty="0" smtClean="0"/>
+              <a:t> the code </a:t>
+            </a:r>
+            <a:r>
+              <a:rPr lang="mr-IN" dirty="0" smtClean="0"/>
+              <a:t>–</a:t>
+            </a:r>
+            <a:r>
+              <a:rPr lang="en-US" dirty="0" smtClean="0"/>
+              <a:t> all they do is open, create, edit, etc. plain text files </a:t>
+            </a:r>
+            <a:endParaRPr lang="en-US" dirty="0" smtClean="0"/>
           </a:p>
           <a:p>
             <a:pPr lvl="1"/>
             <a:r>
-              <a:rPr lang="en-US" dirty="0" smtClean="0"/>
-              <a:t>Review of how to use a terminal </a:t>
-            </a:r>
-          </a:p>
-          <a:p>
-            <a:pPr lvl="1"/>
-            <a:r>
-              <a:rPr lang="en-US" dirty="0" smtClean="0"/>
-              <a:t>Review </a:t>
-            </a:r>
-            <a:r>
-              <a:rPr lang="en-US" dirty="0" smtClean="0"/>
-              <a:t>of the basics: control structures, data types, functions, etc. </a:t>
-            </a:r>
-          </a:p>
-          <a:p>
-            <a:pPr lvl="1"/>
-            <a:r>
-              <a:rPr lang="en-US" dirty="0" smtClean="0"/>
-              <a:t>How to read documentation </a:t>
+              <a:rPr lang="en-US" dirty="0" err="1"/>
+              <a:t>p</a:t>
+            </a:r>
+            <a:r>
+              <a:rPr lang="en-US" dirty="0" err="1" smtClean="0"/>
+              <a:t>ycharm</a:t>
+            </a:r>
+            <a:r>
+              <a:rPr lang="en-US" dirty="0" smtClean="0"/>
+              <a:t>, </a:t>
+            </a:r>
+            <a:r>
+              <a:rPr lang="en-US" dirty="0" err="1" smtClean="0"/>
+              <a:t>spyder</a:t>
+            </a:r>
+            <a:r>
+              <a:rPr lang="en-US" dirty="0" smtClean="0"/>
+              <a:t> </a:t>
             </a:r>
             <a:endParaRPr lang="en-US" dirty="0" smtClean="0"/>
           </a:p>
           <a:p>
-            <a:pPr lvl="1"/>
-            <a:r>
-              <a:rPr lang="en-US" dirty="0"/>
-              <a:t>How to import your own code, and how to set up </a:t>
-            </a:r>
-            <a:r>
-              <a:rPr lang="en-US" dirty="0" smtClean="0"/>
-              <a:t>a directory tree to </a:t>
-            </a:r>
-            <a:r>
-              <a:rPr lang="en-US" dirty="0"/>
-              <a:t>organize it </a:t>
+            <a:pPr marL="0" indent="0">
+              <a:buNone/>
+            </a:pPr>
+            <a:endParaRPr lang="en-US" dirty="0"/>
+          </a:p>
+          <a:p>
+            <a:pPr marL="0" indent="0">
+              <a:buNone/>
+            </a:pPr>
+            <a:r>
+              <a:rPr lang="en-US" dirty="0" smtClean="0"/>
+              <a:t>I recommend Sublime Text </a:t>
+            </a:r>
+          </a:p>
+          <a:p>
+            <a:pPr marL="0" indent="0">
+              <a:buNone/>
+            </a:pPr>
+            <a:r>
+              <a:rPr lang="en-US" dirty="0">
+                <a:hlinkClick r:id="rId2"/>
+              </a:rPr>
+              <a:t>https://www.sublimetext.com</a:t>
+            </a:r>
+            <a:r>
+              <a:rPr lang="en-US" dirty="0" smtClean="0">
+                <a:hlinkClick r:id="rId2"/>
+              </a:rPr>
+              <a:t>/</a:t>
             </a:r>
             <a:endParaRPr lang="en-US" dirty="0" smtClean="0"/>
           </a:p>
-          <a:p>
-            <a:pPr lvl="1"/>
-            <a:r>
-              <a:rPr lang="en-US" dirty="0" smtClean="0"/>
-              <a:t>Classes: how to make new objects </a:t>
-            </a:r>
-          </a:p>
-          <a:p>
-            <a:pPr lvl="2"/>
-            <a:r>
-              <a:rPr lang="en-US" dirty="0" smtClean="0"/>
-              <a:t>Inheritance </a:t>
-            </a:r>
-          </a:p>
-          <a:p>
-            <a:pPr lvl="1"/>
-            <a:r>
-              <a:rPr lang="en-US" dirty="0" smtClean="0"/>
-              <a:t>Some </a:t>
-            </a:r>
-            <a:r>
-              <a:rPr lang="en-US" dirty="0" smtClean="0"/>
-              <a:t>basic software engineering principles (i.e. good habits) </a:t>
-            </a:r>
-          </a:p>
-          <a:p>
-            <a:pPr marL="0" indent="0">
-              <a:buNone/>
-            </a:pPr>
-            <a:endParaRPr lang="en-US" dirty="0" smtClean="0"/>
-          </a:p>
-          <a:p>
-            <a:pPr marL="0" indent="0">
-              <a:buNone/>
-            </a:pPr>
-            <a:r>
-              <a:rPr lang="en-US" dirty="0" smtClean="0"/>
-              <a:t>If we have time: </a:t>
-            </a:r>
-          </a:p>
-          <a:p>
-            <a:pPr lvl="1"/>
-            <a:r>
-              <a:rPr lang="en-US" i="1" dirty="0" err="1" smtClean="0"/>
-              <a:t>git</a:t>
-            </a:r>
-            <a:r>
-              <a:rPr lang="en-US" i="1" dirty="0" smtClean="0"/>
-              <a:t> </a:t>
-            </a:r>
-            <a:r>
-              <a:rPr lang="en-US" dirty="0" smtClean="0"/>
-              <a:t>for version control and general organization </a:t>
-            </a:r>
-          </a:p>
-          <a:p>
-            <a:pPr lvl="1"/>
-            <a:r>
-              <a:rPr lang="en-US" dirty="0"/>
-              <a:t>A simple </a:t>
-            </a:r>
-            <a:r>
-              <a:rPr lang="en-US" dirty="0" err="1"/>
-              <a:t>Makefile</a:t>
-            </a:r>
-            <a:r>
-              <a:rPr lang="en-US" dirty="0"/>
-              <a:t> </a:t>
-            </a:r>
-          </a:p>
-        </p:txBody>
-      </p:sp>
+        </p:txBody>
+      </p:sp>
+      <p:pic>
+        <p:nvPicPr>
+          <p:cNvPr id="5" name="Picture 4"/>
+          <p:cNvPicPr>
+            <a:picLocks noChangeAspect="1"/>
+          </p:cNvPicPr>
+          <p:nvPr/>
+        </p:nvPicPr>
+        <p:blipFill>
+          <a:blip r:embed="rId3">
+            <a:extLst>
+              <a:ext uri="{28A0092B-C50C-407E-A947-70E740481C1C}">
+                <a14:useLocalDpi xmlns:a14="http://schemas.microsoft.com/office/drawing/2010/main" val="0"/>
+              </a:ext>
+            </a:extLst>
+          </a:blip>
+          <a:stretch>
+            <a:fillRect/>
+          </a:stretch>
+        </p:blipFill>
+        <p:spPr>
+          <a:xfrm>
+            <a:off x="5099715" y="2310014"/>
+            <a:ext cx="6500882" cy="4063052"/>
+          </a:xfrm>
+          <a:prstGeom prst="rect">
+            <a:avLst/>
+          </a:prstGeom>
+        </p:spPr>
+      </p:pic>
     </p:spTree>
     <p:extLst>
       <p:ext uri="{BB962C8B-B14F-4D97-AF65-F5344CB8AC3E}">
-        <p14:creationId xmlns:p14="http://schemas.microsoft.com/office/powerpoint/2010/main" val="1230225928"/>
+        <p14:creationId xmlns:p14="http://schemas.microsoft.com/office/powerpoint/2010/main" val="371056704"/>
       </p:ext>
     </p:extLst>
   </p:cSld>
@@ -9017,7 +9270,7 @@
         <p:spPr>
           <a:xfrm>
             <a:off x="680322" y="2336873"/>
-            <a:ext cx="5133624" cy="3599316"/>
+            <a:ext cx="5133624" cy="4377826"/>
           </a:xfrm>
         </p:spPr>
         <p:txBody>
@@ -9093,7 +9346,39 @@
               <a:rPr lang="en-US" dirty="0" smtClean="0"/>
               <a:t>You should think of a terminal as just a different interface on a Finder window </a:t>
             </a:r>
+            <a:endParaRPr lang="en-US" dirty="0" smtClean="0"/>
+          </a:p>
+          <a:p>
+            <a:pPr marL="0" indent="0">
+              <a:buNone/>
+            </a:pPr>
             <a:endParaRPr lang="en-US" dirty="0"/>
+          </a:p>
+          <a:p>
+            <a:pPr marL="0" indent="0">
+              <a:buNone/>
+            </a:pPr>
+            <a:r>
+              <a:rPr lang="en-US" dirty="0" smtClean="0"/>
+              <a:t>Tip: you can run python line-by-line in a terminal (</a:t>
+            </a:r>
+            <a:r>
+              <a:rPr lang="en-US" i="1" dirty="0" smtClean="0"/>
+              <a:t>python </a:t>
+            </a:r>
+            <a:r>
+              <a:rPr lang="en-US" dirty="0" smtClean="0"/>
+              <a:t>or </a:t>
+            </a:r>
+            <a:r>
+              <a:rPr lang="en-US" i="1" dirty="0" err="1" smtClean="0"/>
+              <a:t>ipython</a:t>
+            </a:r>
+            <a:r>
+              <a:rPr lang="en-US" dirty="0" smtClean="0"/>
+              <a:t>) </a:t>
+            </a:r>
+            <a:endParaRPr lang="en-US" i="1" dirty="0"/>
           </a:p>
         </p:txBody>
       </p:sp>
@@ -9137,6 +9422,13 @@
   <p:clrMapOvr>
     <a:masterClrMapping/>
   </p:clrMapOvr>
+  <p:timing>
+    <p:tnLst>
+      <p:par>
+        <p:cTn id="1" dur="indefinite" restart="never" nodeType="tmRoot"/>
+      </p:par>
+    </p:tnLst>
+  </p:timing>
 </p:sld>
 </file>
 
@@ -9174,7 +9466,7 @@
           <a:p>
             <a:r>
               <a:rPr lang="en-US" dirty="0" smtClean="0"/>
-              <a:t>Tools: A Text Editor </a:t>
+              <a:t>Tools: Cloud Computing </a:t>
             </a:r>
             <a:endParaRPr lang="en-US" dirty="0"/>
           </a:p>
@@ -9192,78 +9484,169 @@
         </p:nvSpPr>
         <p:spPr>
           <a:xfrm>
-            <a:off x="680322" y="2336873"/>
-            <a:ext cx="4164633" cy="3599316"/>
-          </a:xfrm>
-        </p:spPr>
-        <p:txBody>
-          <a:bodyPr/>
+            <a:off x="680321" y="2336873"/>
+            <a:ext cx="10592730" cy="4405121"/>
+          </a:xfrm>
+        </p:spPr>
+        <p:txBody>
+          <a:bodyPr>
+            <a:normAutofit/>
+          </a:bodyPr>
           <a:lstStyle/>
           <a:p>
-            <a:pPr marL="0" indent="0">
+            <a:pPr marL="0" lvl="0" indent="0">
+              <a:lnSpc>
+                <a:spcPct val="100000"/>
+              </a:lnSpc>
+              <a:spcBef>
+                <a:spcPts val="0"/>
+              </a:spcBef>
               <a:buNone/>
             </a:pPr>
             <a:r>
               <a:rPr lang="en-US" dirty="0" smtClean="0"/>
-              <a:t>Differs from an </a:t>
-            </a:r>
-            <a:r>
-              <a:rPr lang="en-US" i="1" dirty="0" smtClean="0"/>
-              <a:t>Integrated Development Environment </a:t>
-            </a:r>
-            <a:r>
-              <a:rPr lang="en-US" dirty="0" smtClean="0"/>
-              <a:t>(IDE) in that IDEs will </a:t>
-            </a:r>
-            <a:r>
-              <a:rPr lang="en-US" i="1" dirty="0" smtClean="0"/>
-              <a:t>run</a:t>
-            </a:r>
-            <a:r>
-              <a:rPr lang="en-US" dirty="0" smtClean="0"/>
-              <a:t> the code </a:t>
-            </a:r>
-            <a:r>
-              <a:rPr lang="mr-IN" dirty="0" smtClean="0"/>
-              <a:t>–</a:t>
-            </a:r>
-            <a:r>
-              <a:rPr lang="en-US" dirty="0" smtClean="0"/>
-              <a:t> all they do is open, create, edit, etc. plain text files </a:t>
-            </a:r>
-          </a:p>
-          <a:p>
-            <a:pPr marL="0" indent="0">
+              <a:t>Allows you to run python on a remote server </a:t>
+            </a:r>
+          </a:p>
+          <a:p>
+            <a:pPr marL="0" lvl="0" indent="0">
+              <a:lnSpc>
+                <a:spcPct val="100000"/>
+              </a:lnSpc>
+              <a:spcBef>
+                <a:spcPts val="0"/>
+              </a:spcBef>
               <a:buNone/>
             </a:pPr>
             <a:endParaRPr lang="en-US" dirty="0"/>
           </a:p>
           <a:p>
+            <a:pPr marL="0" lvl="0" indent="0">
+              <a:lnSpc>
+                <a:spcPct val="100000"/>
+              </a:lnSpc>
+              <a:spcBef>
+                <a:spcPts val="0"/>
+              </a:spcBef>
+              <a:buNone/>
+            </a:pPr>
+            <a:r>
+              <a:rPr lang="en-US" dirty="0" err="1" smtClean="0"/>
+              <a:t>SciServer</a:t>
+            </a:r>
+            <a:r>
+              <a:rPr lang="en-US" dirty="0" smtClean="0"/>
+              <a:t> is a popular platform across many STEM fields: </a:t>
+            </a:r>
+          </a:p>
+          <a:p>
             <a:pPr marL="0" indent="0">
-              <a:buNone/>
-            </a:pPr>
-            <a:r>
-              <a:rPr lang="en-US" dirty="0" smtClean="0"/>
-              <a:t>I recommend Sublime Text </a:t>
-            </a:r>
-          </a:p>
-          <a:p>
-            <a:pPr marL="0" indent="0">
+              <a:lnSpc>
+                <a:spcPct val="100000"/>
+              </a:lnSpc>
+              <a:spcBef>
+                <a:spcPts val="0"/>
+              </a:spcBef>
               <a:buNone/>
             </a:pPr>
             <a:r>
               <a:rPr lang="en-US" dirty="0">
                 <a:hlinkClick r:id="rId2"/>
               </a:rPr>
-              <a:t>https://www.sublimetext.com</a:t>
-            </a:r>
-            <a:r>
-              <a:rPr lang="en-US" smtClean="0">
-                <a:hlinkClick r:id="rId2"/>
-              </a:rPr>
-              <a:t>/</a:t>
-            </a:r>
-            <a:endParaRPr lang="en-US" smtClean="0"/>
+              <a:t>https://www.sciserver.org/</a:t>
+            </a:r>
+            <a:r>
+              <a:rPr lang="en-US" dirty="0"/>
+              <a:t> </a:t>
+            </a:r>
+          </a:p>
+          <a:p>
+            <a:pPr marL="0" lvl="0" indent="0">
+              <a:lnSpc>
+                <a:spcPct val="100000"/>
+              </a:lnSpc>
+              <a:spcBef>
+                <a:spcPts val="0"/>
+              </a:spcBef>
+              <a:buNone/>
+            </a:pPr>
+            <a:endParaRPr lang="en-US" dirty="0" smtClean="0"/>
+          </a:p>
+          <a:p>
+            <a:pPr marL="0" lvl="0" indent="0">
+              <a:lnSpc>
+                <a:spcPct val="100000"/>
+              </a:lnSpc>
+              <a:spcBef>
+                <a:spcPts val="0"/>
+              </a:spcBef>
+              <a:buNone/>
+            </a:pPr>
+            <a:endParaRPr lang="en-US" i="1" dirty="0" smtClean="0"/>
+          </a:p>
+          <a:p>
+            <a:pPr marL="0" lvl="0" indent="0">
+              <a:lnSpc>
+                <a:spcPct val="100000"/>
+              </a:lnSpc>
+              <a:spcBef>
+                <a:spcPts val="0"/>
+              </a:spcBef>
+              <a:buNone/>
+            </a:pPr>
+            <a:endParaRPr lang="en-US" i="1" dirty="0"/>
+          </a:p>
+          <a:p>
+            <a:pPr marL="0" lvl="0" indent="0">
+              <a:lnSpc>
+                <a:spcPct val="100000"/>
+              </a:lnSpc>
+              <a:spcBef>
+                <a:spcPts val="0"/>
+              </a:spcBef>
+              <a:buNone/>
+            </a:pPr>
+            <a:endParaRPr lang="en-US" i="1" dirty="0" smtClean="0"/>
+          </a:p>
+          <a:p>
+            <a:pPr marL="0" lvl="0" indent="0">
+              <a:lnSpc>
+                <a:spcPct val="100000"/>
+              </a:lnSpc>
+              <a:spcBef>
+                <a:spcPts val="0"/>
+              </a:spcBef>
+              <a:buNone/>
+            </a:pPr>
+            <a:endParaRPr lang="en-US" i="1" dirty="0"/>
+          </a:p>
+          <a:p>
+            <a:pPr marL="0" lvl="0" indent="0">
+              <a:lnSpc>
+                <a:spcPct val="100000"/>
+              </a:lnSpc>
+              <a:spcBef>
+                <a:spcPts val="0"/>
+              </a:spcBef>
+              <a:buNone/>
+            </a:pPr>
+            <a:endParaRPr lang="en-US" i="1" dirty="0" smtClean="0"/>
+          </a:p>
+          <a:p>
+            <a:pPr marL="0" lvl="0" indent="0">
+              <a:lnSpc>
+                <a:spcPct val="100000"/>
+              </a:lnSpc>
+              <a:spcBef>
+                <a:spcPts val="0"/>
+              </a:spcBef>
+              <a:buNone/>
+            </a:pPr>
+            <a:r>
+              <a:rPr lang="en-US" i="1" dirty="0" smtClean="0"/>
+              <a:t>In the long run you should choose the tools that you’re most comfortable with </a:t>
+            </a:r>
+            <a:endParaRPr lang="en-US" i="1" dirty="0"/>
           </a:p>
         </p:txBody>
       </p:sp>
@@ -9289,8 +9672,8 @@
         </p:blipFill>
         <p:spPr>
           <a:xfrm>
-            <a:off x="5154305" y="2336873"/>
-            <a:ext cx="6746054" cy="4216284"/>
+            <a:off x="2810406" y="3950017"/>
+            <a:ext cx="6333594" cy="1973550"/>
           </a:xfrm>
           <a:prstGeom prst="rect">
             <a:avLst/>
@@ -9300,7 +9683,506 @@
     </p:spTree>
     <p:extLst>
       <p:ext uri="{BB962C8B-B14F-4D97-AF65-F5344CB8AC3E}">
-        <p14:creationId xmlns:p14="http://schemas.microsoft.com/office/powerpoint/2010/main" val="371056704"/>
+        <p14:creationId xmlns:p14="http://schemas.microsoft.com/office/powerpoint/2010/main" val="1702059004"/>
+      </p:ext>
+    </p:extLst>
+  </p:cSld>
+  <p:clrMapOvr>
+    <a:masterClrMapping/>
+  </p:clrMapOvr>
+  <p:timing>
+    <p:tnLst>
+      <p:par>
+        <p:cTn id="1" dur="indefinite" restart="never" nodeType="tmRoot"/>
+      </p:par>
+    </p:tnLst>
+  </p:timing>
+</p:sld>
+</file>
+
+<file path=ppt/slides/slide8.xml><?xml version="1.0" encoding="utf-8"?>
+<p:sld xmlns:a="http://schemas.openxmlformats.org/drawingml/2006/main" xmlns:r="http://schemas.openxmlformats.org/officeDocument/2006/relationships" xmlns:p="http://schemas.openxmlformats.org/presentationml/2006/main">
+  <p:cSld>
+    <p:spTree>
+      <p:nvGrpSpPr>
+        <p:cNvPr id="1" name=""/>
+        <p:cNvGrpSpPr/>
+        <p:nvPr/>
+      </p:nvGrpSpPr>
+      <p:grpSpPr>
+        <a:xfrm>
+          <a:off x="0" y="0"/>
+          <a:ext cx="0" cy="0"/>
+          <a:chOff x="0" y="0"/>
+          <a:chExt cx="0" cy="0"/>
+        </a:xfrm>
+      </p:grpSpPr>
+      <p:sp>
+        <p:nvSpPr>
+          <p:cNvPr id="2" name="Title 1"/>
+          <p:cNvSpPr>
+            <a:spLocks noGrp="1"/>
+          </p:cNvSpPr>
+          <p:nvPr>
+            <p:ph type="title"/>
+          </p:nvPr>
+        </p:nvSpPr>
+        <p:spPr/>
+        <p:txBody>
+          <a:bodyPr/>
+          <a:lstStyle/>
+          <a:p>
+            <a:r>
+              <a:rPr lang="en-US" dirty="0" smtClean="0"/>
+              <a:t>If You Haven’t Already </a:t>
+            </a:r>
+            <a:endParaRPr lang="en-US" dirty="0"/>
+          </a:p>
+        </p:txBody>
+      </p:sp>
+      <p:sp>
+        <p:nvSpPr>
+          <p:cNvPr id="3" name="Content Placeholder 2"/>
+          <p:cNvSpPr>
+            <a:spLocks noGrp="1"/>
+          </p:cNvSpPr>
+          <p:nvPr>
+            <p:ph idx="1"/>
+          </p:nvPr>
+        </p:nvSpPr>
+        <p:spPr>
+          <a:xfrm>
+            <a:off x="680322" y="2336872"/>
+            <a:ext cx="6131296" cy="4050675"/>
+          </a:xfrm>
+        </p:spPr>
+        <p:txBody>
+          <a:bodyPr/>
+          <a:lstStyle/>
+          <a:p>
+            <a:pPr marL="0" lvl="0" indent="0">
+              <a:lnSpc>
+                <a:spcPct val="100000"/>
+              </a:lnSpc>
+              <a:spcBef>
+                <a:spcPts val="0"/>
+              </a:spcBef>
+              <a:buNone/>
+            </a:pPr>
+            <a:r>
+              <a:rPr lang="en-US" dirty="0">
+                <a:hlinkClick r:id="rId2"/>
+              </a:rPr>
+              <a:t>https://</a:t>
+            </a:r>
+            <a:r>
+              <a:rPr lang="en-US" dirty="0" smtClean="0">
+                <a:hlinkClick r:id="rId2"/>
+              </a:rPr>
+              <a:t>www.anaconda.com/products/individual</a:t>
+            </a:r>
+            <a:endParaRPr lang="en-US" dirty="0" smtClean="0"/>
+          </a:p>
+          <a:p>
+            <a:pPr lvl="1">
+              <a:lnSpc>
+                <a:spcPct val="100000"/>
+              </a:lnSpc>
+              <a:spcBef>
+                <a:spcPts val="0"/>
+              </a:spcBef>
+            </a:pPr>
+            <a:r>
+              <a:rPr lang="en-US" dirty="0" smtClean="0"/>
+              <a:t>This will install Python, Anaconda, and </a:t>
+            </a:r>
+            <a:r>
+              <a:rPr lang="en-US" dirty="0" err="1" smtClean="0"/>
+              <a:t>Jupyter</a:t>
+            </a:r>
+            <a:r>
+              <a:rPr lang="en-US" dirty="0" smtClean="0"/>
+              <a:t> Notebooks </a:t>
+            </a:r>
+          </a:p>
+          <a:p>
+            <a:pPr marL="0" indent="0">
+              <a:lnSpc>
+                <a:spcPct val="100000"/>
+              </a:lnSpc>
+              <a:spcBef>
+                <a:spcPts val="0"/>
+              </a:spcBef>
+              <a:buNone/>
+            </a:pPr>
+            <a:endParaRPr lang="en-US" dirty="0"/>
+          </a:p>
+          <a:p>
+            <a:pPr marL="0" indent="0">
+              <a:lnSpc>
+                <a:spcPct val="100000"/>
+              </a:lnSpc>
+              <a:spcBef>
+                <a:spcPts val="0"/>
+              </a:spcBef>
+              <a:buNone/>
+            </a:pPr>
+            <a:endParaRPr lang="en-US" dirty="0" smtClean="0"/>
+          </a:p>
+          <a:p>
+            <a:pPr marL="0" indent="0">
+              <a:lnSpc>
+                <a:spcPct val="100000"/>
+              </a:lnSpc>
+              <a:spcBef>
+                <a:spcPts val="0"/>
+              </a:spcBef>
+              <a:buNone/>
+            </a:pPr>
+            <a:r>
+              <a:rPr lang="en-US" dirty="0" smtClean="0"/>
+              <a:t>Latest version of python: 3.8.2 </a:t>
+            </a:r>
+          </a:p>
+          <a:p>
+            <a:pPr lvl="1">
+              <a:lnSpc>
+                <a:spcPct val="100000"/>
+              </a:lnSpc>
+              <a:spcBef>
+                <a:spcPts val="0"/>
+              </a:spcBef>
+            </a:pPr>
+            <a:r>
+              <a:rPr lang="en-US" dirty="0" smtClean="0"/>
+              <a:t>Most libraries now require &gt;= 3.5 </a:t>
+            </a:r>
+            <a:endParaRPr lang="en-US" dirty="0"/>
+          </a:p>
+          <a:p>
+            <a:pPr marL="0" indent="0">
+              <a:lnSpc>
+                <a:spcPct val="100000"/>
+              </a:lnSpc>
+              <a:spcBef>
+                <a:spcPts val="0"/>
+              </a:spcBef>
+              <a:buNone/>
+            </a:pPr>
+            <a:endParaRPr lang="en-US" dirty="0" smtClean="0"/>
+          </a:p>
+          <a:p>
+            <a:pPr marL="0" indent="0">
+              <a:lnSpc>
+                <a:spcPct val="100000"/>
+              </a:lnSpc>
+              <a:spcBef>
+                <a:spcPts val="0"/>
+              </a:spcBef>
+              <a:buNone/>
+            </a:pPr>
+            <a:endParaRPr lang="en-US" dirty="0"/>
+          </a:p>
+          <a:p>
+            <a:pPr marL="0" indent="0">
+              <a:lnSpc>
+                <a:spcPct val="100000"/>
+              </a:lnSpc>
+              <a:spcBef>
+                <a:spcPts val="0"/>
+              </a:spcBef>
+              <a:buNone/>
+            </a:pPr>
+            <a:r>
+              <a:rPr lang="en-US" dirty="0" smtClean="0"/>
+              <a:t>Python 2.7 is </a:t>
+            </a:r>
+            <a:r>
+              <a:rPr lang="en-US" i="1" dirty="0" smtClean="0"/>
+              <a:t>deprecated</a:t>
+            </a:r>
+            <a:r>
+              <a:rPr lang="en-US" dirty="0" smtClean="0"/>
+              <a:t> </a:t>
+            </a:r>
+          </a:p>
+        </p:txBody>
+      </p:sp>
+      <p:pic>
+        <p:nvPicPr>
+          <p:cNvPr id="4" name="Picture 3"/>
+          <p:cNvPicPr>
+            <a:picLocks noChangeAspect="1"/>
+          </p:cNvPicPr>
+          <p:nvPr/>
+        </p:nvPicPr>
+        <p:blipFill>
+          <a:blip r:embed="rId3">
+            <a:extLst>
+              <a:ext uri="{28A0092B-C50C-407E-A947-70E740481C1C}">
+                <a14:useLocalDpi xmlns:a14="http://schemas.microsoft.com/office/drawing/2010/main" val="0"/>
+              </a:ext>
+            </a:extLst>
+          </a:blip>
+          <a:stretch>
+            <a:fillRect/>
+          </a:stretch>
+        </p:blipFill>
+        <p:spPr>
+          <a:xfrm>
+            <a:off x="6514000" y="3053107"/>
+            <a:ext cx="5335104" cy="3334440"/>
+          </a:xfrm>
+          <a:prstGeom prst="rect">
+            <a:avLst/>
+          </a:prstGeom>
+        </p:spPr>
+      </p:pic>
+    </p:spTree>
+    <p:extLst>
+      <p:ext uri="{BB962C8B-B14F-4D97-AF65-F5344CB8AC3E}">
+        <p14:creationId xmlns:p14="http://schemas.microsoft.com/office/powerpoint/2010/main" val="1273897062"/>
+      </p:ext>
+    </p:extLst>
+  </p:cSld>
+  <p:clrMapOvr>
+    <a:masterClrMapping/>
+  </p:clrMapOvr>
+</p:sld>
+</file>
+
+<file path=ppt/slides/slide9.xml><?xml version="1.0" encoding="utf-8"?>
+<p:sld xmlns:a="http://schemas.openxmlformats.org/drawingml/2006/main" xmlns:r="http://schemas.openxmlformats.org/officeDocument/2006/relationships" xmlns:p="http://schemas.openxmlformats.org/presentationml/2006/main">
+  <p:cSld>
+    <p:spTree>
+      <p:nvGrpSpPr>
+        <p:cNvPr id="1" name=""/>
+        <p:cNvGrpSpPr/>
+        <p:nvPr/>
+      </p:nvGrpSpPr>
+      <p:grpSpPr>
+        <a:xfrm>
+          <a:off x="0" y="0"/>
+          <a:ext cx="0" cy="0"/>
+          <a:chOff x="0" y="0"/>
+          <a:chExt cx="0" cy="0"/>
+        </a:xfrm>
+      </p:grpSpPr>
+      <p:sp>
+        <p:nvSpPr>
+          <p:cNvPr id="2" name="Title 1"/>
+          <p:cNvSpPr>
+            <a:spLocks noGrp="1"/>
+          </p:cNvSpPr>
+          <p:nvPr>
+            <p:ph type="title"/>
+          </p:nvPr>
+        </p:nvSpPr>
+        <p:spPr/>
+        <p:txBody>
+          <a:bodyPr/>
+          <a:lstStyle/>
+          <a:p>
+            <a:r>
+              <a:rPr lang="en-US" dirty="0" smtClean="0"/>
+              <a:t>Other Resources</a:t>
+            </a:r>
+            <a:endParaRPr lang="en-US" dirty="0"/>
+          </a:p>
+        </p:txBody>
+      </p:sp>
+      <p:sp>
+        <p:nvSpPr>
+          <p:cNvPr id="3" name="Content Placeholder 2"/>
+          <p:cNvSpPr>
+            <a:spLocks noGrp="1"/>
+          </p:cNvSpPr>
+          <p:nvPr>
+            <p:ph idx="1"/>
+          </p:nvPr>
+        </p:nvSpPr>
+        <p:spPr>
+          <a:xfrm>
+            <a:off x="680321" y="2336872"/>
+            <a:ext cx="10968340" cy="4077179"/>
+          </a:xfrm>
+        </p:spPr>
+        <p:txBody>
+          <a:bodyPr/>
+          <a:lstStyle/>
+          <a:p>
+            <a:pPr marL="0" lvl="0" indent="0">
+              <a:lnSpc>
+                <a:spcPct val="100000"/>
+              </a:lnSpc>
+              <a:spcBef>
+                <a:spcPts val="0"/>
+              </a:spcBef>
+              <a:buNone/>
+            </a:pPr>
+            <a:r>
+              <a:rPr lang="en-US" dirty="0" smtClean="0"/>
+              <a:t>Python Foundation’s Beginner’s Guide: </a:t>
+            </a:r>
+            <a:r>
+              <a:rPr lang="en-US" dirty="0">
+                <a:hlinkClick r:id="rId2"/>
+              </a:rPr>
+              <a:t>https://www.python.org/about/gettingstarted</a:t>
+            </a:r>
+            <a:r>
+              <a:rPr lang="en-US" dirty="0" smtClean="0">
+                <a:hlinkClick r:id="rId2"/>
+              </a:rPr>
+              <a:t>/</a:t>
+            </a:r>
+            <a:endParaRPr lang="en-US" dirty="0" smtClean="0"/>
+          </a:p>
+          <a:p>
+            <a:pPr marL="0" lvl="0" indent="0">
+              <a:lnSpc>
+                <a:spcPct val="100000"/>
+              </a:lnSpc>
+              <a:spcBef>
+                <a:spcPts val="0"/>
+              </a:spcBef>
+              <a:buNone/>
+            </a:pPr>
+            <a:endParaRPr lang="en-US" dirty="0" smtClean="0"/>
+          </a:p>
+          <a:p>
+            <a:pPr marL="0" lvl="0" indent="0">
+              <a:lnSpc>
+                <a:spcPct val="100000"/>
+              </a:lnSpc>
+              <a:spcBef>
+                <a:spcPts val="0"/>
+              </a:spcBef>
+              <a:buNone/>
+            </a:pPr>
+            <a:endParaRPr lang="en-US" dirty="0" smtClean="0"/>
+          </a:p>
+          <a:p>
+            <a:pPr marL="0" lvl="0" indent="0">
+              <a:lnSpc>
+                <a:spcPct val="100000"/>
+              </a:lnSpc>
+              <a:spcBef>
+                <a:spcPts val="0"/>
+              </a:spcBef>
+              <a:buNone/>
+            </a:pPr>
+            <a:endParaRPr lang="en-US" dirty="0"/>
+          </a:p>
+          <a:p>
+            <a:pPr marL="0" lvl="0" indent="0">
+              <a:lnSpc>
+                <a:spcPct val="100000"/>
+              </a:lnSpc>
+              <a:spcBef>
+                <a:spcPts val="0"/>
+              </a:spcBef>
+              <a:buNone/>
+            </a:pPr>
+            <a:r>
+              <a:rPr lang="en-US" dirty="0">
+                <a:hlinkClick r:id="rId3"/>
+              </a:rPr>
+              <a:t>https://www.learnpython.org</a:t>
+            </a:r>
+            <a:r>
+              <a:rPr lang="en-US" dirty="0" smtClean="0">
+                <a:hlinkClick r:id="rId3"/>
+              </a:rPr>
+              <a:t>/</a:t>
+            </a:r>
+            <a:r>
+              <a:rPr lang="en-US" dirty="0" smtClean="0"/>
+              <a:t> - There is also an iOS app for this </a:t>
+            </a:r>
+          </a:p>
+          <a:p>
+            <a:pPr marL="0" lvl="0" indent="0">
+              <a:lnSpc>
+                <a:spcPct val="100000"/>
+              </a:lnSpc>
+              <a:spcBef>
+                <a:spcPts val="0"/>
+              </a:spcBef>
+              <a:buNone/>
+            </a:pPr>
+            <a:endParaRPr lang="en-US" dirty="0" smtClean="0"/>
+          </a:p>
+          <a:p>
+            <a:pPr marL="0" lvl="0" indent="0">
+              <a:lnSpc>
+                <a:spcPct val="100000"/>
+              </a:lnSpc>
+              <a:spcBef>
+                <a:spcPts val="0"/>
+              </a:spcBef>
+              <a:buNone/>
+            </a:pPr>
+            <a:endParaRPr lang="en-US" dirty="0" smtClean="0"/>
+          </a:p>
+          <a:p>
+            <a:pPr marL="0" lvl="0" indent="0">
+              <a:lnSpc>
+                <a:spcPct val="100000"/>
+              </a:lnSpc>
+              <a:spcBef>
+                <a:spcPts val="0"/>
+              </a:spcBef>
+              <a:buNone/>
+            </a:pPr>
+            <a:endParaRPr lang="en-US" dirty="0"/>
+          </a:p>
+          <a:p>
+            <a:pPr marL="0" lvl="0" indent="0">
+              <a:lnSpc>
+                <a:spcPct val="100000"/>
+              </a:lnSpc>
+              <a:spcBef>
+                <a:spcPts val="0"/>
+              </a:spcBef>
+              <a:buNone/>
+            </a:pPr>
+            <a:r>
+              <a:rPr lang="en-US" dirty="0" smtClean="0"/>
+              <a:t>Code Academy: </a:t>
+            </a:r>
+            <a:r>
+              <a:rPr lang="en-US" dirty="0">
+                <a:hlinkClick r:id="rId4"/>
+              </a:rPr>
+              <a:t>https://</a:t>
+            </a:r>
+            <a:r>
+              <a:rPr lang="en-US" dirty="0" smtClean="0">
+                <a:hlinkClick r:id="rId4"/>
+              </a:rPr>
+              <a:t>www.codecademy.com/learn/learn-python-3</a:t>
+            </a:r>
+            <a:endParaRPr lang="en-US" dirty="0" smtClean="0"/>
+          </a:p>
+          <a:p>
+            <a:pPr marL="0" lvl="0" indent="0">
+              <a:lnSpc>
+                <a:spcPct val="100000"/>
+              </a:lnSpc>
+              <a:spcBef>
+                <a:spcPts val="0"/>
+              </a:spcBef>
+              <a:buNone/>
+            </a:pPr>
+            <a:endParaRPr lang="en-US" dirty="0" smtClean="0"/>
+          </a:p>
+        </p:txBody>
+      </p:sp>
+    </p:spTree>
+    <p:extLst>
+      <p:ext uri="{BB962C8B-B14F-4D97-AF65-F5344CB8AC3E}">
+        <p14:creationId xmlns:p14="http://schemas.microsoft.com/office/powerpoint/2010/main" val="72484133"/>
       </p:ext>
     </p:extLst>
   </p:cSld>

--- a/slides/intro.pptx
+++ b/slides/intro.pptx
@@ -399,7 +399,7 @@
           <a:p>
             <a:fld id="{51673806-0BCD-1F42-BAA8-2011034B3C6A}" type="datetimeFigureOut">
               <a:rPr lang="en-US" smtClean="0"/>
-              <a:t>5/6/20</a:t>
+              <a:t>5/8/20</a:t>
             </a:fld>
             <a:endParaRPr lang="en-US"/>
           </a:p>
@@ -813,7 +813,7 @@
           <a:p>
             <a:fld id="{51673806-0BCD-1F42-BAA8-2011034B3C6A}" type="datetimeFigureOut">
               <a:rPr lang="en-US" smtClean="0"/>
-              <a:t>5/6/20</a:t>
+              <a:t>5/8/20</a:t>
             </a:fld>
             <a:endParaRPr lang="en-US"/>
           </a:p>
@@ -1144,7 +1144,7 @@
           <a:p>
             <a:fld id="{51673806-0BCD-1F42-BAA8-2011034B3C6A}" type="datetimeFigureOut">
               <a:rPr lang="en-US" smtClean="0"/>
-              <a:t>5/6/20</a:t>
+              <a:t>5/8/20</a:t>
             </a:fld>
             <a:endParaRPr lang="en-US"/>
           </a:p>
@@ -1544,7 +1544,7 @@
           <a:p>
             <a:fld id="{51673806-0BCD-1F42-BAA8-2011034B3C6A}" type="datetimeFigureOut">
               <a:rPr lang="en-US" smtClean="0"/>
-              <a:t>5/6/20</a:t>
+              <a:t>5/8/20</a:t>
             </a:fld>
             <a:endParaRPr lang="en-US"/>
           </a:p>
@@ -2107,7 +2107,7 @@
           <a:p>
             <a:fld id="{51673806-0BCD-1F42-BAA8-2011034B3C6A}" type="datetimeFigureOut">
               <a:rPr lang="en-US" smtClean="0"/>
-              <a:t>5/6/20</a:t>
+              <a:t>5/8/20</a:t>
             </a:fld>
             <a:endParaRPr lang="en-US"/>
           </a:p>
@@ -2783,7 +2783,7 @@
           <a:p>
             <a:fld id="{51673806-0BCD-1F42-BAA8-2011034B3C6A}" type="datetimeFigureOut">
               <a:rPr lang="en-US" smtClean="0"/>
-              <a:t>5/6/20</a:t>
+              <a:t>5/8/20</a:t>
             </a:fld>
             <a:endParaRPr lang="en-US"/>
           </a:p>
@@ -3691,7 +3691,7 @@
           <a:p>
             <a:fld id="{51673806-0BCD-1F42-BAA8-2011034B3C6A}" type="datetimeFigureOut">
               <a:rPr lang="en-US" smtClean="0"/>
-              <a:t>5/6/20</a:t>
+              <a:t>5/8/20</a:t>
             </a:fld>
             <a:endParaRPr lang="en-US"/>
           </a:p>
@@ -3999,7 +3999,7 @@
           <a:p>
             <a:fld id="{51673806-0BCD-1F42-BAA8-2011034B3C6A}" type="datetimeFigureOut">
               <a:rPr lang="en-US" smtClean="0"/>
-              <a:t>5/6/20</a:t>
+              <a:t>5/8/20</a:t>
             </a:fld>
             <a:endParaRPr lang="en-US"/>
           </a:p>
@@ -4258,7 +4258,7 @@
           <a:p>
             <a:fld id="{51673806-0BCD-1F42-BAA8-2011034B3C6A}" type="datetimeFigureOut">
               <a:rPr lang="en-US" smtClean="0"/>
-              <a:t>5/6/20</a:t>
+              <a:t>5/8/20</a:t>
             </a:fld>
             <a:endParaRPr lang="en-US"/>
           </a:p>
@@ -4581,7 +4581,7 @@
           <a:p>
             <a:fld id="{51673806-0BCD-1F42-BAA8-2011034B3C6A}" type="datetimeFigureOut">
               <a:rPr lang="en-US" smtClean="0"/>
-              <a:t>5/6/20</a:t>
+              <a:t>5/8/20</a:t>
             </a:fld>
             <a:endParaRPr lang="en-US"/>
           </a:p>
@@ -4965,7 +4965,7 @@
           <a:p>
             <a:fld id="{51673806-0BCD-1F42-BAA8-2011034B3C6A}" type="datetimeFigureOut">
               <a:rPr lang="en-US" smtClean="0"/>
-              <a:t>5/6/20</a:t>
+              <a:t>5/8/20</a:t>
             </a:fld>
             <a:endParaRPr lang="en-US"/>
           </a:p>
@@ -5341,7 +5341,7 @@
           <a:p>
             <a:fld id="{51673806-0BCD-1F42-BAA8-2011034B3C6A}" type="datetimeFigureOut">
               <a:rPr lang="en-US" smtClean="0"/>
-              <a:t>5/6/20</a:t>
+              <a:t>5/8/20</a:t>
             </a:fld>
             <a:endParaRPr lang="en-US"/>
           </a:p>
@@ -5847,7 +5847,7 @@
           <a:p>
             <a:fld id="{51673806-0BCD-1F42-BAA8-2011034B3C6A}" type="datetimeFigureOut">
               <a:rPr lang="en-US" smtClean="0"/>
-              <a:t>5/6/20</a:t>
+              <a:t>5/8/20</a:t>
             </a:fld>
             <a:endParaRPr lang="en-US"/>
           </a:p>
@@ -6104,7 +6104,7 @@
           <a:p>
             <a:fld id="{51673806-0BCD-1F42-BAA8-2011034B3C6A}" type="datetimeFigureOut">
               <a:rPr lang="en-US" smtClean="0"/>
-              <a:t>5/6/20</a:t>
+              <a:t>5/8/20</a:t>
             </a:fld>
             <a:endParaRPr lang="en-US"/>
           </a:p>
@@ -6262,7 +6262,7 @@
           <a:p>
             <a:fld id="{51673806-0BCD-1F42-BAA8-2011034B3C6A}" type="datetimeFigureOut">
               <a:rPr lang="en-US" smtClean="0"/>
-              <a:t>5/6/20</a:t>
+              <a:t>5/8/20</a:t>
             </a:fld>
             <a:endParaRPr lang="en-US"/>
           </a:p>
@@ -6652,7 +6652,7 @@
           <a:p>
             <a:fld id="{51673806-0BCD-1F42-BAA8-2011034B3C6A}" type="datetimeFigureOut">
               <a:rPr lang="en-US" smtClean="0"/>
-              <a:t>5/6/20</a:t>
+              <a:t>5/8/20</a:t>
             </a:fld>
             <a:endParaRPr lang="en-US"/>
           </a:p>
@@ -7061,7 +7061,7 @@
           <a:p>
             <a:fld id="{51673806-0BCD-1F42-BAA8-2011034B3C6A}" type="datetimeFigureOut">
               <a:rPr lang="en-US" smtClean="0"/>
-              <a:t>5/6/20</a:t>
+              <a:t>5/8/20</a:t>
             </a:fld>
             <a:endParaRPr lang="en-US"/>
           </a:p>
@@ -7309,7 +7309,7 @@
             <a:fld id="{51673806-0BCD-1F42-BAA8-2011034B3C6A}" type="datetimeFigureOut">
               <a:rPr lang="en-US" smtClean="0"/>
               <a:pPr/>
-              <a:t>5/6/20</a:t>
+              <a:t>5/8/20</a:t>
             </a:fld>
             <a:endParaRPr lang="en-US" dirty="0"/>
           </a:p>
@@ -7897,15 +7897,7 @@
             <a:pPr lvl="1"/>
             <a:r>
               <a:rPr lang="en-US" dirty="0" smtClean="0"/>
-              <a:t>Review of the basics: control structures, data types, functions</a:t>
-            </a:r>
-            <a:r>
-              <a:rPr lang="en-US" smtClean="0"/>
-              <a:t>, import, </a:t>
-            </a:r>
-            <a:r>
-              <a:rPr lang="en-US" dirty="0" smtClean="0"/>
-              <a:t>etc. </a:t>
+              <a:t>Review of the basics: control structures, data types, functions, import, etc. </a:t>
             </a:r>
           </a:p>
           <a:p>
@@ -7941,9 +7933,10 @@
           <a:p>
             <a:pPr lvl="2"/>
             <a:r>
-              <a:rPr lang="en-US" dirty="0" smtClean="0"/>
-              <a:t>Inheritance </a:t>
-            </a:r>
+              <a:rPr lang="en-US" smtClean="0"/>
+              <a:t>Inheritance and Composition </a:t>
+            </a:r>
+            <a:endParaRPr lang="en-US" dirty="0" smtClean="0"/>
           </a:p>
           <a:p>
             <a:pPr lvl="1"/>
@@ -8225,15 +8218,7 @@
             </a:r>
             <a:r>
               <a:rPr lang="en-US" dirty="0" smtClean="0"/>
-              <a:t>C) as of May </a:t>
-            </a:r>
-            <a:r>
-              <a:rPr lang="en-US" dirty="0" smtClean="0"/>
-              <a:t>6, </a:t>
-            </a:r>
-            <a:r>
-              <a:rPr lang="en-US" dirty="0" smtClean="0"/>
-              <a:t>2020 supporting Python &gt;= 3.5 (and 2.7 in initial release) </a:t>
+              <a:t>C) as of May 6, 2020 supporting Python &gt;= 3.5 (and 2.7 in initial release) </a:t>
             </a:r>
           </a:p>
           <a:p>
@@ -8379,17 +8364,12 @@
             </a:r>
             <a:r>
               <a:rPr lang="en-US" dirty="0" smtClean="0"/>
-              <a:t>4C</a:t>
-            </a:r>
-            <a:r>
-              <a:rPr lang="en-US" dirty="0" smtClean="0"/>
-              <a:t>, </a:t>
-            </a:r>
-            <a:r>
-              <a:rPr lang="en-US" dirty="0" smtClean="0"/>
-              <a:t>9D </a:t>
-            </a:r>
-            <a:endParaRPr lang="en-US" dirty="0" smtClean="0"/>
+              <a:t>6C</a:t>
+            </a:r>
+            <a:r>
+              <a:rPr lang="en-US" dirty="0" smtClean="0"/>
+              <a:t>, 9D </a:t>
+            </a:r>
           </a:p>
           <a:p>
             <a:pPr marL="0" marR="0" lvl="0" indent="0" defTabSz="914400" eaLnBrk="1" fontAlgn="auto" latinLnBrk="0" hangingPunct="1">
@@ -8438,23 +8418,15 @@
             </a:pPr>
             <a:r>
               <a:rPr lang="en-US" dirty="0" smtClean="0"/>
-              <a:t>Q2: </a:t>
-            </a:r>
-            <a:r>
-              <a:rPr lang="en-US" dirty="0" smtClean="0"/>
-              <a:t>8A</a:t>
-            </a:r>
-            <a:r>
-              <a:rPr lang="en-US" dirty="0" smtClean="0"/>
-              <a:t>, </a:t>
-            </a:r>
-            <a:r>
-              <a:rPr lang="en-US" dirty="0" smtClean="0"/>
-              <a:t>5B</a:t>
-            </a:r>
-            <a:r>
-              <a:rPr lang="en-US" dirty="0" smtClean="0"/>
-              <a:t>, 3C, 1D </a:t>
+              <a:t>Q2: 8A, 5B, </a:t>
+            </a:r>
+            <a:r>
+              <a:rPr lang="en-US" dirty="0" smtClean="0"/>
+              <a:t>5C</a:t>
+            </a:r>
+            <a:r>
+              <a:rPr lang="en-US" dirty="0" smtClean="0"/>
+              <a:t>, 1D </a:t>
             </a:r>
           </a:p>
           <a:p>
@@ -8553,11 +8525,19 @@
             </a:r>
             <a:r>
               <a:rPr lang="en-US" dirty="0" smtClean="0"/>
-              <a:t>7A</a:t>
-            </a:r>
-            <a:r>
-              <a:rPr lang="en-US" dirty="0" smtClean="0"/>
-              <a:t>, 5B, 3C, 2D </a:t>
+              <a:t>8A</a:t>
+            </a:r>
+            <a:r>
+              <a:rPr lang="en-US" dirty="0" smtClean="0"/>
+              <a:t>, </a:t>
+            </a:r>
+            <a:r>
+              <a:rPr lang="en-US" dirty="0" smtClean="0"/>
+              <a:t>6B</a:t>
+            </a:r>
+            <a:r>
+              <a:rPr lang="en-US" dirty="0" smtClean="0"/>
+              <a:t>, 3C, 2D </a:t>
             </a:r>
           </a:p>
           <a:p>
@@ -8611,17 +8591,12 @@
             </a:r>
             <a:r>
               <a:rPr lang="en-US" dirty="0" smtClean="0"/>
-              <a:t>6B</a:t>
-            </a:r>
-            <a:r>
-              <a:rPr lang="en-US" dirty="0" smtClean="0"/>
-              <a:t>, </a:t>
-            </a:r>
-            <a:r>
-              <a:rPr lang="en-US" dirty="0" smtClean="0"/>
-              <a:t>2C </a:t>
-            </a:r>
-            <a:endParaRPr lang="en-US" dirty="0" smtClean="0"/>
+              <a:t>8B</a:t>
+            </a:r>
+            <a:r>
+              <a:rPr lang="en-US" dirty="0" smtClean="0"/>
+              <a:t>, 2C </a:t>
+            </a:r>
           </a:p>
           <a:p>
             <a:pPr marL="0" marR="0" lvl="0" indent="0" defTabSz="914400" eaLnBrk="1" fontAlgn="auto" latinLnBrk="0" hangingPunct="1">
@@ -8675,7 +8650,7 @@
             </a:r>
             <a:r>
               <a:rPr lang="en-US" dirty="0" smtClean="0"/>
-              <a:t>7A</a:t>
+              <a:t>8A</a:t>
             </a:r>
             <a:r>
               <a:rPr lang="en-US" dirty="0" smtClean="0"/>
@@ -8683,12 +8658,9 @@
             </a:r>
             <a:r>
               <a:rPr lang="en-US" dirty="0" smtClean="0"/>
-              <a:t>8B</a:t>
-            </a:r>
-            <a:r>
-              <a:rPr lang="en-US" dirty="0" smtClean="0"/>
-              <a:t>, 2C </a:t>
-            </a:r>
+              <a:t>8B, 3C </a:t>
+            </a:r>
+            <a:endParaRPr lang="en-US" dirty="0" smtClean="0"/>
           </a:p>
           <a:p>
             <a:pPr marL="0" marR="0" lvl="0" indent="0" defTabSz="914400" eaLnBrk="1" fontAlgn="auto" latinLnBrk="0" hangingPunct="1">
@@ -8749,11 +8721,19 @@
             </a:r>
             <a:r>
               <a:rPr lang="en-US" dirty="0" smtClean="0"/>
-              <a:t>10A</a:t>
-            </a:r>
-            <a:r>
-              <a:rPr lang="en-US" dirty="0" smtClean="0"/>
-              <a:t>, 1B, 1D, 4E, 1F </a:t>
+              <a:t>11A</a:t>
+            </a:r>
+            <a:r>
+              <a:rPr lang="en-US" dirty="0" smtClean="0"/>
+              <a:t>, </a:t>
+            </a:r>
+            <a:r>
+              <a:rPr lang="en-US" dirty="0" smtClean="0"/>
+              <a:t>2B</a:t>
+            </a:r>
+            <a:r>
+              <a:rPr lang="en-US" dirty="0" smtClean="0"/>
+              <a:t>, 1D, 4E, 1F </a:t>
             </a:r>
           </a:p>
           <a:p>
@@ -8803,7 +8783,11 @@
             </a:pPr>
             <a:r>
               <a:rPr lang="en-US" dirty="0" smtClean="0"/>
-              <a:t>Q7: 3A</a:t>
+              <a:t>Q7: </a:t>
+            </a:r>
+            <a:r>
+              <a:rPr lang="en-US" dirty="0" smtClean="0"/>
+              <a:t>4A</a:t>
             </a:r>
             <a:r>
               <a:rPr lang="en-US" dirty="0" smtClean="0"/>
@@ -8811,7 +8795,7 @@
             </a:r>
             <a:r>
               <a:rPr lang="en-US" dirty="0"/>
-              <a:t>5</a:t>
+              <a:t>6</a:t>
             </a:r>
             <a:r>
               <a:rPr lang="en-US" dirty="0" smtClean="0"/>
@@ -9106,7 +9090,6 @@
               <a:rPr lang="en-US" dirty="0" smtClean="0"/>
               <a:t> all they do is open, create, edit, etc. plain text files </a:t>
             </a:r>
-            <a:endParaRPr lang="en-US" dirty="0" smtClean="0"/>
           </a:p>
           <a:p>
             <a:pPr lvl="1"/>
@@ -9130,7 +9113,6 @@
               <a:rPr lang="en-US" dirty="0" smtClean="0"/>
               <a:t> </a:t>
             </a:r>
-            <a:endParaRPr lang="en-US" dirty="0" smtClean="0"/>
           </a:p>
           <a:p>
             <a:pPr marL="0" indent="0">
@@ -9346,7 +9328,6 @@
               <a:rPr lang="en-US" dirty="0" smtClean="0"/>
               <a:t>You should think of a terminal as just a different interface on a Finder window </a:t>
             </a:r>
-            <a:endParaRPr lang="en-US" dirty="0" smtClean="0"/>
           </a:p>
           <a:p>
             <a:pPr marL="0" indent="0">

--- a/slides/intro.pptx
+++ b/slides/intro.pptx
@@ -4,6 +4,9 @@
   <p:sldMasterIdLst>
     <p:sldMasterId id="2147484294" r:id="rId1"/>
   </p:sldMasterIdLst>
+  <p:notesMasterIdLst>
+    <p:notesMasterId r:id="rId13"/>
+  </p:notesMasterIdLst>
   <p:sldIdLst>
     <p:sldId id="256" r:id="rId2"/>
     <p:sldId id="258" r:id="rId3"/>
@@ -11,10 +14,11 @@
     <p:sldId id="260" r:id="rId5"/>
     <p:sldId id="262" r:id="rId6"/>
     <p:sldId id="261" r:id="rId7"/>
-    <p:sldId id="263" r:id="rId8"/>
-    <p:sldId id="264" r:id="rId9"/>
-    <p:sldId id="265" r:id="rId10"/>
-    <p:sldId id="257" r:id="rId11"/>
+    <p:sldId id="266" r:id="rId8"/>
+    <p:sldId id="263" r:id="rId9"/>
+    <p:sldId id="264" r:id="rId10"/>
+    <p:sldId id="265" r:id="rId11"/>
+    <p:sldId id="257" r:id="rId12"/>
   </p:sldIdLst>
   <p:sldSz cx="12192000" cy="6858000"/>
   <p:notesSz cx="6858000" cy="9144000"/>
@@ -121,6 +125,356 @@
 </p:presentation>
 </file>
 
+<file path=ppt/notesMasters/notesMaster1.xml><?xml version="1.0" encoding="utf-8"?>
+<p:notesMaster xmlns:a="http://schemas.openxmlformats.org/drawingml/2006/main" xmlns:r="http://schemas.openxmlformats.org/officeDocument/2006/relationships" xmlns:p="http://schemas.openxmlformats.org/presentationml/2006/main">
+  <p:cSld>
+    <p:bg>
+      <p:bgRef idx="1001">
+        <a:schemeClr val="bg1"/>
+      </p:bgRef>
+    </p:bg>
+    <p:spTree>
+      <p:nvGrpSpPr>
+        <p:cNvPr id="1" name=""/>
+        <p:cNvGrpSpPr/>
+        <p:nvPr/>
+      </p:nvGrpSpPr>
+      <p:grpSpPr>
+        <a:xfrm>
+          <a:off x="0" y="0"/>
+          <a:ext cx="0" cy="0"/>
+          <a:chOff x="0" y="0"/>
+          <a:chExt cx="0" cy="0"/>
+        </a:xfrm>
+      </p:grpSpPr>
+      <p:sp>
+        <p:nvSpPr>
+          <p:cNvPr id="2" name="Header Placeholder 1"/>
+          <p:cNvSpPr>
+            <a:spLocks noGrp="1"/>
+          </p:cNvSpPr>
+          <p:nvPr>
+            <p:ph type="hdr" sz="quarter"/>
+          </p:nvPr>
+        </p:nvSpPr>
+        <p:spPr>
+          <a:xfrm>
+            <a:off x="0" y="0"/>
+            <a:ext cx="2971800" cy="458788"/>
+          </a:xfrm>
+          <a:prstGeom prst="rect">
+            <a:avLst/>
+          </a:prstGeom>
+        </p:spPr>
+        <p:txBody>
+          <a:bodyPr vert="horz" lIns="91440" tIns="45720" rIns="91440" bIns="45720" rtlCol="0"/>
+          <a:lstStyle>
+            <a:lvl1pPr algn="l">
+              <a:defRPr sz="1200"/>
+            </a:lvl1pPr>
+          </a:lstStyle>
+          <a:p>
+            <a:endParaRPr lang="en-US"/>
+          </a:p>
+        </p:txBody>
+      </p:sp>
+      <p:sp>
+        <p:nvSpPr>
+          <p:cNvPr id="3" name="Date Placeholder 2"/>
+          <p:cNvSpPr>
+            <a:spLocks noGrp="1"/>
+          </p:cNvSpPr>
+          <p:nvPr>
+            <p:ph type="dt" idx="1"/>
+          </p:nvPr>
+        </p:nvSpPr>
+        <p:spPr>
+          <a:xfrm>
+            <a:off x="3884613" y="0"/>
+            <a:ext cx="2971800" cy="458788"/>
+          </a:xfrm>
+          <a:prstGeom prst="rect">
+            <a:avLst/>
+          </a:prstGeom>
+        </p:spPr>
+        <p:txBody>
+          <a:bodyPr vert="horz" lIns="91440" tIns="45720" rIns="91440" bIns="45720" rtlCol="0"/>
+          <a:lstStyle>
+            <a:lvl1pPr algn="r">
+              <a:defRPr sz="1200"/>
+            </a:lvl1pPr>
+          </a:lstStyle>
+          <a:p>
+            <a:fld id="{D49A0B7E-B595-B14C-B05F-40313997F4EC}" type="datetimeFigureOut">
+              <a:rPr lang="en-US" smtClean="0"/>
+              <a:t>5/11/20</a:t>
+            </a:fld>
+            <a:endParaRPr lang="en-US"/>
+          </a:p>
+        </p:txBody>
+      </p:sp>
+      <p:sp>
+        <p:nvSpPr>
+          <p:cNvPr id="4" name="Slide Image Placeholder 3"/>
+          <p:cNvSpPr>
+            <a:spLocks noGrp="1" noRot="1" noChangeAspect="1"/>
+          </p:cNvSpPr>
+          <p:nvPr>
+            <p:ph type="sldImg" idx="2"/>
+          </p:nvPr>
+        </p:nvSpPr>
+        <p:spPr>
+          <a:xfrm>
+            <a:off x="685800" y="1143000"/>
+            <a:ext cx="5486400" cy="3086100"/>
+          </a:xfrm>
+          <a:prstGeom prst="rect">
+            <a:avLst/>
+          </a:prstGeom>
+          <a:noFill/>
+          <a:ln w="12700">
+            <a:solidFill>
+              <a:prstClr val="black"/>
+            </a:solidFill>
+          </a:ln>
+        </p:spPr>
+        <p:txBody>
+          <a:bodyPr vert="horz" lIns="91440" tIns="45720" rIns="91440" bIns="45720" rtlCol="0" anchor="ctr"/>
+          <a:lstStyle/>
+          <a:p>
+            <a:endParaRPr lang="en-US"/>
+          </a:p>
+        </p:txBody>
+      </p:sp>
+      <p:sp>
+        <p:nvSpPr>
+          <p:cNvPr id="5" name="Notes Placeholder 4"/>
+          <p:cNvSpPr>
+            <a:spLocks noGrp="1"/>
+          </p:cNvSpPr>
+          <p:nvPr>
+            <p:ph type="body" sz="quarter" idx="3"/>
+          </p:nvPr>
+        </p:nvSpPr>
+        <p:spPr>
+          <a:xfrm>
+            <a:off x="685800" y="4400550"/>
+            <a:ext cx="5486400" cy="3600450"/>
+          </a:xfrm>
+          <a:prstGeom prst="rect">
+            <a:avLst/>
+          </a:prstGeom>
+        </p:spPr>
+        <p:txBody>
+          <a:bodyPr vert="horz" lIns="91440" tIns="45720" rIns="91440" bIns="45720" rtlCol="0"/>
+          <a:lstStyle/>
+          <a:p>
+            <a:pPr lvl="0"/>
+            <a:r>
+              <a:rPr lang="en-US" smtClean="0"/>
+              <a:t>Click to edit Master text styles</a:t>
+            </a:r>
+          </a:p>
+          <a:p>
+            <a:pPr lvl="1"/>
+            <a:r>
+              <a:rPr lang="en-US" smtClean="0"/>
+              <a:t>Second level</a:t>
+            </a:r>
+          </a:p>
+          <a:p>
+            <a:pPr lvl="2"/>
+            <a:r>
+              <a:rPr lang="en-US" smtClean="0"/>
+              <a:t>Third level</a:t>
+            </a:r>
+          </a:p>
+          <a:p>
+            <a:pPr lvl="3"/>
+            <a:r>
+              <a:rPr lang="en-US" smtClean="0"/>
+              <a:t>Fourth level</a:t>
+            </a:r>
+          </a:p>
+          <a:p>
+            <a:pPr lvl="4"/>
+            <a:r>
+              <a:rPr lang="en-US" smtClean="0"/>
+              <a:t>Fifth level</a:t>
+            </a:r>
+            <a:endParaRPr lang="en-US"/>
+          </a:p>
+        </p:txBody>
+      </p:sp>
+      <p:sp>
+        <p:nvSpPr>
+          <p:cNvPr id="6" name="Footer Placeholder 5"/>
+          <p:cNvSpPr>
+            <a:spLocks noGrp="1"/>
+          </p:cNvSpPr>
+          <p:nvPr>
+            <p:ph type="ftr" sz="quarter" idx="4"/>
+          </p:nvPr>
+        </p:nvSpPr>
+        <p:spPr>
+          <a:xfrm>
+            <a:off x="0" y="8685213"/>
+            <a:ext cx="2971800" cy="458787"/>
+          </a:xfrm>
+          <a:prstGeom prst="rect">
+            <a:avLst/>
+          </a:prstGeom>
+        </p:spPr>
+        <p:txBody>
+          <a:bodyPr vert="horz" lIns="91440" tIns="45720" rIns="91440" bIns="45720" rtlCol="0" anchor="b"/>
+          <a:lstStyle>
+            <a:lvl1pPr algn="l">
+              <a:defRPr sz="1200"/>
+            </a:lvl1pPr>
+          </a:lstStyle>
+          <a:p>
+            <a:endParaRPr lang="en-US"/>
+          </a:p>
+        </p:txBody>
+      </p:sp>
+      <p:sp>
+        <p:nvSpPr>
+          <p:cNvPr id="7" name="Slide Number Placeholder 6"/>
+          <p:cNvSpPr>
+            <a:spLocks noGrp="1"/>
+          </p:cNvSpPr>
+          <p:nvPr>
+            <p:ph type="sldNum" sz="quarter" idx="5"/>
+          </p:nvPr>
+        </p:nvSpPr>
+        <p:spPr>
+          <a:xfrm>
+            <a:off x="3884613" y="8685213"/>
+            <a:ext cx="2971800" cy="458787"/>
+          </a:xfrm>
+          <a:prstGeom prst="rect">
+            <a:avLst/>
+          </a:prstGeom>
+        </p:spPr>
+        <p:txBody>
+          <a:bodyPr vert="horz" lIns="91440" tIns="45720" rIns="91440" bIns="45720" rtlCol="0" anchor="b"/>
+          <a:lstStyle>
+            <a:lvl1pPr algn="r">
+              <a:defRPr sz="1200"/>
+            </a:lvl1pPr>
+          </a:lstStyle>
+          <a:p>
+            <a:fld id="{A57A27FD-C524-254A-A05F-2F794142324C}" type="slidenum">
+              <a:rPr lang="en-US" smtClean="0"/>
+              <a:t>‹#›</a:t>
+            </a:fld>
+            <a:endParaRPr lang="en-US"/>
+          </a:p>
+        </p:txBody>
+      </p:sp>
+    </p:spTree>
+    <p:extLst>
+      <p:ext uri="{BB962C8B-B14F-4D97-AF65-F5344CB8AC3E}">
+        <p14:creationId xmlns:p14="http://schemas.microsoft.com/office/powerpoint/2010/main" val="975208524"/>
+      </p:ext>
+    </p:extLst>
+  </p:cSld>
+  <p:clrMap bg1="lt1" tx1="dk1" bg2="lt2" tx2="dk2" accent1="accent1" accent2="accent2" accent3="accent3" accent4="accent4" accent5="accent5" accent6="accent6" hlink="hlink" folHlink="folHlink"/>
+  <p:notesStyle>
+    <a:lvl1pPr marL="0" algn="l" defTabSz="914400" rtl="0" eaLnBrk="1" latinLnBrk="0" hangingPunct="1">
+      <a:defRPr sz="1200" kern="1200">
+        <a:solidFill>
+          <a:schemeClr val="tx1"/>
+        </a:solidFill>
+        <a:latin typeface="+mn-lt"/>
+        <a:ea typeface="+mn-ea"/>
+        <a:cs typeface="+mn-cs"/>
+      </a:defRPr>
+    </a:lvl1pPr>
+    <a:lvl2pPr marL="457200" algn="l" defTabSz="914400" rtl="0" eaLnBrk="1" latinLnBrk="0" hangingPunct="1">
+      <a:defRPr sz="1200" kern="1200">
+        <a:solidFill>
+          <a:schemeClr val="tx1"/>
+        </a:solidFill>
+        <a:latin typeface="+mn-lt"/>
+        <a:ea typeface="+mn-ea"/>
+        <a:cs typeface="+mn-cs"/>
+      </a:defRPr>
+    </a:lvl2pPr>
+    <a:lvl3pPr marL="914400" algn="l" defTabSz="914400" rtl="0" eaLnBrk="1" latinLnBrk="0" hangingPunct="1">
+      <a:defRPr sz="1200" kern="1200">
+        <a:solidFill>
+          <a:schemeClr val="tx1"/>
+        </a:solidFill>
+        <a:latin typeface="+mn-lt"/>
+        <a:ea typeface="+mn-ea"/>
+        <a:cs typeface="+mn-cs"/>
+      </a:defRPr>
+    </a:lvl3pPr>
+    <a:lvl4pPr marL="1371600" algn="l" defTabSz="914400" rtl="0" eaLnBrk="1" latinLnBrk="0" hangingPunct="1">
+      <a:defRPr sz="1200" kern="1200">
+        <a:solidFill>
+          <a:schemeClr val="tx1"/>
+        </a:solidFill>
+        <a:latin typeface="+mn-lt"/>
+        <a:ea typeface="+mn-ea"/>
+        <a:cs typeface="+mn-cs"/>
+      </a:defRPr>
+    </a:lvl4pPr>
+    <a:lvl5pPr marL="1828800" algn="l" defTabSz="914400" rtl="0" eaLnBrk="1" latinLnBrk="0" hangingPunct="1">
+      <a:defRPr sz="1200" kern="1200">
+        <a:solidFill>
+          <a:schemeClr val="tx1"/>
+        </a:solidFill>
+        <a:latin typeface="+mn-lt"/>
+        <a:ea typeface="+mn-ea"/>
+        <a:cs typeface="+mn-cs"/>
+      </a:defRPr>
+    </a:lvl5pPr>
+    <a:lvl6pPr marL="2286000" algn="l" defTabSz="914400" rtl="0" eaLnBrk="1" latinLnBrk="0" hangingPunct="1">
+      <a:defRPr sz="1200" kern="1200">
+        <a:solidFill>
+          <a:schemeClr val="tx1"/>
+        </a:solidFill>
+        <a:latin typeface="+mn-lt"/>
+        <a:ea typeface="+mn-ea"/>
+        <a:cs typeface="+mn-cs"/>
+      </a:defRPr>
+    </a:lvl6pPr>
+    <a:lvl7pPr marL="2743200" algn="l" defTabSz="914400" rtl="0" eaLnBrk="1" latinLnBrk="0" hangingPunct="1">
+      <a:defRPr sz="1200" kern="1200">
+        <a:solidFill>
+          <a:schemeClr val="tx1"/>
+        </a:solidFill>
+        <a:latin typeface="+mn-lt"/>
+        <a:ea typeface="+mn-ea"/>
+        <a:cs typeface="+mn-cs"/>
+      </a:defRPr>
+    </a:lvl7pPr>
+    <a:lvl8pPr marL="3200400" algn="l" defTabSz="914400" rtl="0" eaLnBrk="1" latinLnBrk="0" hangingPunct="1">
+      <a:defRPr sz="1200" kern="1200">
+        <a:solidFill>
+          <a:schemeClr val="tx1"/>
+        </a:solidFill>
+        <a:latin typeface="+mn-lt"/>
+        <a:ea typeface="+mn-ea"/>
+        <a:cs typeface="+mn-cs"/>
+      </a:defRPr>
+    </a:lvl8pPr>
+    <a:lvl9pPr marL="3657600" algn="l" defTabSz="914400" rtl="0" eaLnBrk="1" latinLnBrk="0" hangingPunct="1">
+      <a:defRPr sz="1200" kern="1200">
+        <a:solidFill>
+          <a:schemeClr val="tx1"/>
+        </a:solidFill>
+        <a:latin typeface="+mn-lt"/>
+        <a:ea typeface="+mn-ea"/>
+        <a:cs typeface="+mn-cs"/>
+      </a:defRPr>
+    </a:lvl9pPr>
+  </p:notesStyle>
+</p:notesMaster>
+</file>
+
 <file path=ppt/slideLayouts/slideLayout1.xml><?xml version="1.0" encoding="utf-8"?>
 <p:sldLayout xmlns:a="http://schemas.openxmlformats.org/drawingml/2006/main" xmlns:r="http://schemas.openxmlformats.org/officeDocument/2006/relationships" xmlns:p="http://schemas.openxmlformats.org/presentationml/2006/main" type="title" preserve="1">
   <p:cSld name="Title Slide">
@@ -399,7 +753,7 @@
           <a:p>
             <a:fld id="{51673806-0BCD-1F42-BAA8-2011034B3C6A}" type="datetimeFigureOut">
               <a:rPr lang="en-US" smtClean="0"/>
-              <a:t>5/8/20</a:t>
+              <a:t>5/11/20</a:t>
             </a:fld>
             <a:endParaRPr lang="en-US"/>
           </a:p>
@@ -813,7 +1167,7 @@
           <a:p>
             <a:fld id="{51673806-0BCD-1F42-BAA8-2011034B3C6A}" type="datetimeFigureOut">
               <a:rPr lang="en-US" smtClean="0"/>
-              <a:t>5/8/20</a:t>
+              <a:t>5/11/20</a:t>
             </a:fld>
             <a:endParaRPr lang="en-US"/>
           </a:p>
@@ -1144,7 +1498,7 @@
           <a:p>
             <a:fld id="{51673806-0BCD-1F42-BAA8-2011034B3C6A}" type="datetimeFigureOut">
               <a:rPr lang="en-US" smtClean="0"/>
-              <a:t>5/8/20</a:t>
+              <a:t>5/11/20</a:t>
             </a:fld>
             <a:endParaRPr lang="en-US"/>
           </a:p>
@@ -1544,7 +1898,7 @@
           <a:p>
             <a:fld id="{51673806-0BCD-1F42-BAA8-2011034B3C6A}" type="datetimeFigureOut">
               <a:rPr lang="en-US" smtClean="0"/>
-              <a:t>5/8/20</a:t>
+              <a:t>5/11/20</a:t>
             </a:fld>
             <a:endParaRPr lang="en-US"/>
           </a:p>
@@ -2107,7 +2461,7 @@
           <a:p>
             <a:fld id="{51673806-0BCD-1F42-BAA8-2011034B3C6A}" type="datetimeFigureOut">
               <a:rPr lang="en-US" smtClean="0"/>
-              <a:t>5/8/20</a:t>
+              <a:t>5/11/20</a:t>
             </a:fld>
             <a:endParaRPr lang="en-US"/>
           </a:p>
@@ -2783,7 +3137,7 @@
           <a:p>
             <a:fld id="{51673806-0BCD-1F42-BAA8-2011034B3C6A}" type="datetimeFigureOut">
               <a:rPr lang="en-US" smtClean="0"/>
-              <a:t>5/8/20</a:t>
+              <a:t>5/11/20</a:t>
             </a:fld>
             <a:endParaRPr lang="en-US"/>
           </a:p>
@@ -3691,7 +4045,7 @@
           <a:p>
             <a:fld id="{51673806-0BCD-1F42-BAA8-2011034B3C6A}" type="datetimeFigureOut">
               <a:rPr lang="en-US" smtClean="0"/>
-              <a:t>5/8/20</a:t>
+              <a:t>5/11/20</a:t>
             </a:fld>
             <a:endParaRPr lang="en-US"/>
           </a:p>
@@ -3999,7 +4353,7 @@
           <a:p>
             <a:fld id="{51673806-0BCD-1F42-BAA8-2011034B3C6A}" type="datetimeFigureOut">
               <a:rPr lang="en-US" smtClean="0"/>
-              <a:t>5/8/20</a:t>
+              <a:t>5/11/20</a:t>
             </a:fld>
             <a:endParaRPr lang="en-US"/>
           </a:p>
@@ -4258,7 +4612,7 @@
           <a:p>
             <a:fld id="{51673806-0BCD-1F42-BAA8-2011034B3C6A}" type="datetimeFigureOut">
               <a:rPr lang="en-US" smtClean="0"/>
-              <a:t>5/8/20</a:t>
+              <a:t>5/11/20</a:t>
             </a:fld>
             <a:endParaRPr lang="en-US"/>
           </a:p>
@@ -4581,7 +4935,7 @@
           <a:p>
             <a:fld id="{51673806-0BCD-1F42-BAA8-2011034B3C6A}" type="datetimeFigureOut">
               <a:rPr lang="en-US" smtClean="0"/>
-              <a:t>5/8/20</a:t>
+              <a:t>5/11/20</a:t>
             </a:fld>
             <a:endParaRPr lang="en-US"/>
           </a:p>
@@ -4965,7 +5319,7 @@
           <a:p>
             <a:fld id="{51673806-0BCD-1F42-BAA8-2011034B3C6A}" type="datetimeFigureOut">
               <a:rPr lang="en-US" smtClean="0"/>
-              <a:t>5/8/20</a:t>
+              <a:t>5/11/20</a:t>
             </a:fld>
             <a:endParaRPr lang="en-US"/>
           </a:p>
@@ -5341,7 +5695,7 @@
           <a:p>
             <a:fld id="{51673806-0BCD-1F42-BAA8-2011034B3C6A}" type="datetimeFigureOut">
               <a:rPr lang="en-US" smtClean="0"/>
-              <a:t>5/8/20</a:t>
+              <a:t>5/11/20</a:t>
             </a:fld>
             <a:endParaRPr lang="en-US"/>
           </a:p>
@@ -5847,7 +6201,7 @@
           <a:p>
             <a:fld id="{51673806-0BCD-1F42-BAA8-2011034B3C6A}" type="datetimeFigureOut">
               <a:rPr lang="en-US" smtClean="0"/>
-              <a:t>5/8/20</a:t>
+              <a:t>5/11/20</a:t>
             </a:fld>
             <a:endParaRPr lang="en-US"/>
           </a:p>
@@ -6104,7 +6458,7 @@
           <a:p>
             <a:fld id="{51673806-0BCD-1F42-BAA8-2011034B3C6A}" type="datetimeFigureOut">
               <a:rPr lang="en-US" smtClean="0"/>
-              <a:t>5/8/20</a:t>
+              <a:t>5/11/20</a:t>
             </a:fld>
             <a:endParaRPr lang="en-US"/>
           </a:p>
@@ -6262,7 +6616,7 @@
           <a:p>
             <a:fld id="{51673806-0BCD-1F42-BAA8-2011034B3C6A}" type="datetimeFigureOut">
               <a:rPr lang="en-US" smtClean="0"/>
-              <a:t>5/8/20</a:t>
+              <a:t>5/11/20</a:t>
             </a:fld>
             <a:endParaRPr lang="en-US"/>
           </a:p>
@@ -6652,7 +7006,7 @@
           <a:p>
             <a:fld id="{51673806-0BCD-1F42-BAA8-2011034B3C6A}" type="datetimeFigureOut">
               <a:rPr lang="en-US" smtClean="0"/>
-              <a:t>5/8/20</a:t>
+              <a:t>5/11/20</a:t>
             </a:fld>
             <a:endParaRPr lang="en-US"/>
           </a:p>
@@ -7061,7 +7415,7 @@
           <a:p>
             <a:fld id="{51673806-0BCD-1F42-BAA8-2011034B3C6A}" type="datetimeFigureOut">
               <a:rPr lang="en-US" smtClean="0"/>
-              <a:t>5/8/20</a:t>
+              <a:t>5/11/20</a:t>
             </a:fld>
             <a:endParaRPr lang="en-US"/>
           </a:p>
@@ -7309,7 +7663,7 @@
             <a:fld id="{51673806-0BCD-1F42-BAA8-2011034B3C6A}" type="datetimeFigureOut">
               <a:rPr lang="en-US" smtClean="0"/>
               <a:pPr/>
-              <a:t>5/8/20</a:t>
+              <a:t>5/11/20</a:t>
             </a:fld>
             <a:endParaRPr lang="en-US" dirty="0"/>
           </a:p>
@@ -7850,6 +8204,247 @@
           <a:p>
             <a:r>
               <a:rPr lang="en-US" dirty="0" smtClean="0"/>
+              <a:t>Other Resources</a:t>
+            </a:r>
+            <a:endParaRPr lang="en-US" dirty="0"/>
+          </a:p>
+        </p:txBody>
+      </p:sp>
+      <p:sp>
+        <p:nvSpPr>
+          <p:cNvPr id="3" name="Content Placeholder 2"/>
+          <p:cNvSpPr>
+            <a:spLocks noGrp="1"/>
+          </p:cNvSpPr>
+          <p:nvPr>
+            <p:ph idx="1"/>
+          </p:nvPr>
+        </p:nvSpPr>
+        <p:spPr>
+          <a:xfrm>
+            <a:off x="680321" y="2336872"/>
+            <a:ext cx="10968340" cy="4077179"/>
+          </a:xfrm>
+        </p:spPr>
+        <p:txBody>
+          <a:bodyPr/>
+          <a:lstStyle/>
+          <a:p>
+            <a:pPr marL="0" lvl="0" indent="0">
+              <a:lnSpc>
+                <a:spcPct val="100000"/>
+              </a:lnSpc>
+              <a:spcBef>
+                <a:spcPts val="0"/>
+              </a:spcBef>
+              <a:buNone/>
+            </a:pPr>
+            <a:r>
+              <a:rPr lang="en-US" dirty="0" smtClean="0"/>
+              <a:t>Python Foundation’s Beginner’s Guide: </a:t>
+            </a:r>
+            <a:r>
+              <a:rPr lang="en-US" dirty="0">
+                <a:hlinkClick r:id="rId2"/>
+              </a:rPr>
+              <a:t>https://www.python.org/about/gettingstarted</a:t>
+            </a:r>
+            <a:r>
+              <a:rPr lang="en-US" dirty="0" smtClean="0">
+                <a:hlinkClick r:id="rId2"/>
+              </a:rPr>
+              <a:t>/</a:t>
+            </a:r>
+            <a:endParaRPr lang="en-US" dirty="0" smtClean="0"/>
+          </a:p>
+          <a:p>
+            <a:pPr marL="0" lvl="0" indent="0">
+              <a:lnSpc>
+                <a:spcPct val="100000"/>
+              </a:lnSpc>
+              <a:spcBef>
+                <a:spcPts val="0"/>
+              </a:spcBef>
+              <a:buNone/>
+            </a:pPr>
+            <a:endParaRPr lang="en-US" dirty="0" smtClean="0"/>
+          </a:p>
+          <a:p>
+            <a:pPr marL="0" lvl="0" indent="0">
+              <a:lnSpc>
+                <a:spcPct val="100000"/>
+              </a:lnSpc>
+              <a:spcBef>
+                <a:spcPts val="0"/>
+              </a:spcBef>
+              <a:buNone/>
+            </a:pPr>
+            <a:endParaRPr lang="en-US" dirty="0" smtClean="0"/>
+          </a:p>
+          <a:p>
+            <a:pPr marL="0" lvl="0" indent="0">
+              <a:lnSpc>
+                <a:spcPct val="100000"/>
+              </a:lnSpc>
+              <a:spcBef>
+                <a:spcPts val="0"/>
+              </a:spcBef>
+              <a:buNone/>
+            </a:pPr>
+            <a:endParaRPr lang="en-US" dirty="0"/>
+          </a:p>
+          <a:p>
+            <a:pPr marL="0" lvl="0" indent="0">
+              <a:lnSpc>
+                <a:spcPct val="100000"/>
+              </a:lnSpc>
+              <a:spcBef>
+                <a:spcPts val="0"/>
+              </a:spcBef>
+              <a:buNone/>
+            </a:pPr>
+            <a:r>
+              <a:rPr lang="en-US" dirty="0">
+                <a:hlinkClick r:id="rId3"/>
+              </a:rPr>
+              <a:t>https://www.learnpython.org</a:t>
+            </a:r>
+            <a:r>
+              <a:rPr lang="en-US" dirty="0" smtClean="0">
+                <a:hlinkClick r:id="rId3"/>
+              </a:rPr>
+              <a:t>/</a:t>
+            </a:r>
+            <a:r>
+              <a:rPr lang="en-US" dirty="0" smtClean="0"/>
+              <a:t> - There is also an iOS app for this </a:t>
+            </a:r>
+          </a:p>
+          <a:p>
+            <a:pPr marL="0" lvl="0" indent="0">
+              <a:lnSpc>
+                <a:spcPct val="100000"/>
+              </a:lnSpc>
+              <a:spcBef>
+                <a:spcPts val="0"/>
+              </a:spcBef>
+              <a:buNone/>
+            </a:pPr>
+            <a:endParaRPr lang="en-US" dirty="0" smtClean="0"/>
+          </a:p>
+          <a:p>
+            <a:pPr marL="0" lvl="0" indent="0">
+              <a:lnSpc>
+                <a:spcPct val="100000"/>
+              </a:lnSpc>
+              <a:spcBef>
+                <a:spcPts val="0"/>
+              </a:spcBef>
+              <a:buNone/>
+            </a:pPr>
+            <a:endParaRPr lang="en-US" dirty="0" smtClean="0"/>
+          </a:p>
+          <a:p>
+            <a:pPr marL="0" lvl="0" indent="0">
+              <a:lnSpc>
+                <a:spcPct val="100000"/>
+              </a:lnSpc>
+              <a:spcBef>
+                <a:spcPts val="0"/>
+              </a:spcBef>
+              <a:buNone/>
+            </a:pPr>
+            <a:endParaRPr lang="en-US" dirty="0"/>
+          </a:p>
+          <a:p>
+            <a:pPr marL="0" lvl="0" indent="0">
+              <a:lnSpc>
+                <a:spcPct val="100000"/>
+              </a:lnSpc>
+              <a:spcBef>
+                <a:spcPts val="0"/>
+              </a:spcBef>
+              <a:buNone/>
+            </a:pPr>
+            <a:r>
+              <a:rPr lang="en-US" dirty="0" smtClean="0"/>
+              <a:t>Code Academy: </a:t>
+            </a:r>
+            <a:r>
+              <a:rPr lang="en-US" dirty="0">
+                <a:hlinkClick r:id="rId4"/>
+              </a:rPr>
+              <a:t>https://</a:t>
+            </a:r>
+            <a:r>
+              <a:rPr lang="en-US" dirty="0" smtClean="0">
+                <a:hlinkClick r:id="rId4"/>
+              </a:rPr>
+              <a:t>www.codecademy.com/learn/learn-python-3</a:t>
+            </a:r>
+            <a:endParaRPr lang="en-US" dirty="0" smtClean="0"/>
+          </a:p>
+          <a:p>
+            <a:pPr marL="0" lvl="0" indent="0">
+              <a:lnSpc>
+                <a:spcPct val="100000"/>
+              </a:lnSpc>
+              <a:spcBef>
+                <a:spcPts val="0"/>
+              </a:spcBef>
+              <a:buNone/>
+            </a:pPr>
+            <a:endParaRPr lang="en-US" dirty="0" smtClean="0"/>
+          </a:p>
+        </p:txBody>
+      </p:sp>
+    </p:spTree>
+    <p:extLst>
+      <p:ext uri="{BB962C8B-B14F-4D97-AF65-F5344CB8AC3E}">
+        <p14:creationId xmlns:p14="http://schemas.microsoft.com/office/powerpoint/2010/main" val="72484133"/>
+      </p:ext>
+    </p:extLst>
+  </p:cSld>
+  <p:clrMapOvr>
+    <a:masterClrMapping/>
+  </p:clrMapOvr>
+</p:sld>
+</file>
+
+<file path=ppt/slides/slide11.xml><?xml version="1.0" encoding="utf-8"?>
+<p:sld xmlns:a="http://schemas.openxmlformats.org/drawingml/2006/main" xmlns:r="http://schemas.openxmlformats.org/officeDocument/2006/relationships" xmlns:p="http://schemas.openxmlformats.org/presentationml/2006/main">
+  <p:cSld>
+    <p:spTree>
+      <p:nvGrpSpPr>
+        <p:cNvPr id="1" name=""/>
+        <p:cNvGrpSpPr/>
+        <p:nvPr/>
+      </p:nvGrpSpPr>
+      <p:grpSpPr>
+        <a:xfrm>
+          <a:off x="0" y="0"/>
+          <a:ext cx="0" cy="0"/>
+          <a:chOff x="0" y="0"/>
+          <a:chExt cx="0" cy="0"/>
+        </a:xfrm>
+      </p:grpSpPr>
+      <p:sp>
+        <p:nvSpPr>
+          <p:cNvPr id="2" name="Title 1"/>
+          <p:cNvSpPr>
+            <a:spLocks noGrp="1"/>
+          </p:cNvSpPr>
+          <p:nvPr>
+            <p:ph type="title"/>
+          </p:nvPr>
+        </p:nvSpPr>
+        <p:spPr/>
+        <p:txBody>
+          <a:bodyPr/>
+          <a:lstStyle/>
+          <a:p>
+            <a:r>
+              <a:rPr lang="en-US" dirty="0" smtClean="0"/>
               <a:t>Goals </a:t>
             </a:r>
             <a:endParaRPr lang="en-US" dirty="0"/>
@@ -8133,8 +8728,21 @@
             </a:pPr>
             <a:r>
               <a:rPr lang="en-US" dirty="0" smtClean="0"/>
-              <a:t>Theoretical galactic archaeology (David Weinberg, Jennifer Johnson) </a:t>
-            </a:r>
+              <a:t>Theoretical galactic archaeology (David Weinberg, Jennifer </a:t>
+            </a:r>
+            <a:r>
+              <a:rPr lang="en-US" dirty="0" smtClean="0"/>
+              <a:t>Johnson, </a:t>
+            </a:r>
+            <a:r>
+              <a:rPr lang="en-US" dirty="0" err="1" smtClean="0"/>
+              <a:t>Fiorenzo</a:t>
+            </a:r>
+            <a:r>
+              <a:rPr lang="en-US" dirty="0" smtClean="0"/>
+              <a:t> Vincenzo) </a:t>
+            </a:r>
+            <a:endParaRPr lang="en-US" dirty="0" smtClean="0"/>
           </a:p>
           <a:p>
             <a:pPr lvl="1">
@@ -8360,15 +8968,7 @@
             </a:pPr>
             <a:r>
               <a:rPr lang="en-US" dirty="0" smtClean="0"/>
-              <a:t>Q1: 1A, 3B, </a:t>
-            </a:r>
-            <a:r>
-              <a:rPr lang="en-US" dirty="0" smtClean="0"/>
-              <a:t>6C</a:t>
-            </a:r>
-            <a:r>
-              <a:rPr lang="en-US" dirty="0" smtClean="0"/>
-              <a:t>, 9D </a:t>
+              <a:t>Q1: 1A, 3B, 6C, 9D </a:t>
             </a:r>
           </a:p>
           <a:p>
@@ -8418,15 +9018,7 @@
             </a:pPr>
             <a:r>
               <a:rPr lang="en-US" dirty="0" smtClean="0"/>
-              <a:t>Q2: 8A, 5B, </a:t>
-            </a:r>
-            <a:r>
-              <a:rPr lang="en-US" dirty="0" smtClean="0"/>
-              <a:t>5C</a:t>
-            </a:r>
-            <a:r>
-              <a:rPr lang="en-US" dirty="0" smtClean="0"/>
-              <a:t>, 1D </a:t>
+              <a:t>Q2: 8A, 5B, 5C, 1D </a:t>
             </a:r>
           </a:p>
           <a:p>
@@ -8489,7 +9081,7 @@
             </a:r>
             <a:r>
               <a:rPr lang="en-US" dirty="0" smtClean="0"/>
-              <a:t>, and </a:t>
+              <a:t>, </a:t>
             </a:r>
             <a:r>
               <a:rPr lang="en-US" i="1" dirty="0" err="1" smtClean="0"/>
@@ -8497,7 +9089,11 @@
             </a:r>
             <a:r>
               <a:rPr lang="en-US" i="1" dirty="0" smtClean="0"/>
-              <a:t> </a:t>
+              <a:t>, </a:t>
+            </a:r>
+            <a:r>
+              <a:rPr lang="en-US" dirty="0" smtClean="0"/>
+              <a:t>etc. </a:t>
             </a:r>
             <a:endParaRPr lang="en-US" dirty="0" smtClean="0"/>
           </a:p>
@@ -8521,23 +9117,7 @@
             </a:pPr>
             <a:r>
               <a:rPr lang="en-US" dirty="0" smtClean="0"/>
-              <a:t>Q3: </a:t>
-            </a:r>
-            <a:r>
-              <a:rPr lang="en-US" dirty="0" smtClean="0"/>
-              <a:t>8A</a:t>
-            </a:r>
-            <a:r>
-              <a:rPr lang="en-US" dirty="0" smtClean="0"/>
-              <a:t>, </a:t>
-            </a:r>
-            <a:r>
-              <a:rPr lang="en-US" dirty="0" smtClean="0"/>
-              <a:t>6B</a:t>
-            </a:r>
-            <a:r>
-              <a:rPr lang="en-US" dirty="0" smtClean="0"/>
-              <a:t>, 3C, 2D </a:t>
+              <a:t>Q3: 8A, 6B, 3C, 2D </a:t>
             </a:r>
           </a:p>
           <a:p>
@@ -8587,15 +9167,7 @@
             </a:pPr>
             <a:r>
               <a:rPr lang="en-US" dirty="0" smtClean="0"/>
-              <a:t>Q4: 9A, </a:t>
-            </a:r>
-            <a:r>
-              <a:rPr lang="en-US" dirty="0" smtClean="0"/>
-              <a:t>8B</a:t>
-            </a:r>
-            <a:r>
-              <a:rPr lang="en-US" dirty="0" smtClean="0"/>
-              <a:t>, 2C </a:t>
+              <a:t>Q4: 9A, 8B, 2C </a:t>
             </a:r>
           </a:p>
           <a:p>
@@ -8646,21 +9218,8 @@
             </a:pPr>
             <a:r>
               <a:rPr lang="en-US" dirty="0" smtClean="0"/>
-              <a:t>Q5: </a:t>
-            </a:r>
-            <a:r>
-              <a:rPr lang="en-US" dirty="0" smtClean="0"/>
-              <a:t>8A</a:t>
-            </a:r>
-            <a:r>
-              <a:rPr lang="en-US" dirty="0" smtClean="0"/>
-              <a:t>, </a:t>
-            </a:r>
-            <a:r>
-              <a:rPr lang="en-US" dirty="0" smtClean="0"/>
-              <a:t>8B, 3C </a:t>
-            </a:r>
-            <a:endParaRPr lang="en-US" dirty="0" smtClean="0"/>
+              <a:t>Q5: 8A, 8B, 3C </a:t>
+            </a:r>
           </a:p>
           <a:p>
             <a:pPr marL="0" marR="0" lvl="0" indent="0" defTabSz="914400" eaLnBrk="1" fontAlgn="auto" latinLnBrk="0" hangingPunct="1">
@@ -8717,23 +9276,7 @@
             </a:pPr>
             <a:r>
               <a:rPr lang="en-US" dirty="0" smtClean="0"/>
-              <a:t>Q6: </a:t>
-            </a:r>
-            <a:r>
-              <a:rPr lang="en-US" dirty="0" smtClean="0"/>
-              <a:t>11A</a:t>
-            </a:r>
-            <a:r>
-              <a:rPr lang="en-US" dirty="0" smtClean="0"/>
-              <a:t>, </a:t>
-            </a:r>
-            <a:r>
-              <a:rPr lang="en-US" dirty="0" smtClean="0"/>
-              <a:t>2B</a:t>
-            </a:r>
-            <a:r>
-              <a:rPr lang="en-US" dirty="0" smtClean="0"/>
-              <a:t>, 1D, 4E, 1F </a:t>
+              <a:t>Q6: 11A, 2B, 1D, 4E, 1F </a:t>
             </a:r>
           </a:p>
           <a:p>
@@ -8783,15 +9326,7 @@
             </a:pPr>
             <a:r>
               <a:rPr lang="en-US" dirty="0" smtClean="0"/>
-              <a:t>Q7: </a:t>
-            </a:r>
-            <a:r>
-              <a:rPr lang="en-US" dirty="0" smtClean="0"/>
-              <a:t>4A</a:t>
-            </a:r>
-            <a:r>
-              <a:rPr lang="en-US" dirty="0" smtClean="0"/>
-              <a:t>, 1B, </a:t>
+              <a:t>Q7: 4A, 1B, </a:t>
             </a:r>
             <a:r>
               <a:rPr lang="en-US" dirty="0"/>
@@ -8799,11 +9334,7 @@
             </a:r>
             <a:r>
               <a:rPr lang="en-US" dirty="0" smtClean="0"/>
-              <a:t>C</a:t>
-            </a:r>
-            <a:r>
-              <a:rPr lang="en-US" dirty="0" smtClean="0"/>
-              <a:t>, 3D, 4E </a:t>
+              <a:t>C, 3D, 4E </a:t>
             </a:r>
           </a:p>
           <a:p>
@@ -9447,7 +9978,7 @@
           <a:p>
             <a:r>
               <a:rPr lang="en-US" dirty="0" smtClean="0"/>
-              <a:t>Tools: Cloud Computing </a:t>
+              <a:t>Tools: A Terminal </a:t>
             </a:r>
             <a:endParaRPr lang="en-US" dirty="0"/>
           </a:p>
@@ -9465,169 +9996,54 @@
         </p:nvSpPr>
         <p:spPr>
           <a:xfrm>
-            <a:off x="680321" y="2336873"/>
-            <a:ext cx="10592730" cy="4405121"/>
-          </a:xfrm>
-        </p:spPr>
-        <p:txBody>
-          <a:bodyPr>
-            <a:normAutofit/>
-          </a:bodyPr>
+            <a:off x="680322" y="2336873"/>
+            <a:ext cx="5133624" cy="4377826"/>
+          </a:xfrm>
+        </p:spPr>
+        <p:txBody>
+          <a:bodyPr/>
           <a:lstStyle/>
           <a:p>
-            <a:pPr marL="0" lvl="0" indent="0">
-              <a:lnSpc>
-                <a:spcPct val="100000"/>
-              </a:lnSpc>
-              <a:spcBef>
-                <a:spcPts val="0"/>
-              </a:spcBef>
+            <a:pPr marL="0" indent="0">
               <a:buNone/>
             </a:pPr>
+            <a:endParaRPr lang="en-US" i="1" dirty="0"/>
+          </a:p>
+          <a:p>
+            <a:pPr marL="0" indent="0">
+              <a:buNone/>
+            </a:pPr>
             <a:r>
               <a:rPr lang="en-US" dirty="0" smtClean="0"/>
-              <a:t>Allows you to run python on a remote server </a:t>
-            </a:r>
-          </a:p>
-          <a:p>
-            <a:pPr marL="0" lvl="0" indent="0">
-              <a:lnSpc>
-                <a:spcPct val="100000"/>
-              </a:lnSpc>
-              <a:spcBef>
-                <a:spcPts val="0"/>
-              </a:spcBef>
+              <a:t>If you’re running Windows, your terminal will be different than some of the notes and exercises here, unless you take some extra steps at the beginning to set up </a:t>
+            </a:r>
+            <a:r>
+              <a:rPr lang="en-US" smtClean="0"/>
+              <a:t>a bash interpreter. </a:t>
+            </a:r>
+            <a:endParaRPr lang="en-US" dirty="0" smtClean="0"/>
+          </a:p>
+          <a:p>
+            <a:pPr marL="0" indent="0">
+              <a:buNone/>
+            </a:pPr>
+            <a:endParaRPr lang="en-US" dirty="0" smtClean="0"/>
+          </a:p>
+          <a:p>
+            <a:pPr marL="0" indent="0">
               <a:buNone/>
             </a:pPr>
             <a:endParaRPr lang="en-US" dirty="0"/>
           </a:p>
           <a:p>
-            <a:pPr marL="0" lvl="0" indent="0">
-              <a:lnSpc>
-                <a:spcPct val="100000"/>
-              </a:lnSpc>
-              <a:spcBef>
-                <a:spcPts val="0"/>
-              </a:spcBef>
+            <a:pPr marL="0" indent="0">
               <a:buNone/>
             </a:pPr>
             <a:r>
-              <a:rPr lang="en-US" dirty="0" err="1" smtClean="0"/>
-              <a:t>SciServer</a:t>
-            </a:r>
-            <a:r>
               <a:rPr lang="en-US" dirty="0" smtClean="0"/>
-              <a:t> is a popular platform across many STEM fields: </a:t>
-            </a:r>
-          </a:p>
-          <a:p>
-            <a:pPr marL="0" indent="0">
-              <a:lnSpc>
-                <a:spcPct val="100000"/>
-              </a:lnSpc>
-              <a:spcBef>
-                <a:spcPts val="0"/>
-              </a:spcBef>
-              <a:buNone/>
-            </a:pPr>
-            <a:r>
-              <a:rPr lang="en-US" dirty="0">
-                <a:hlinkClick r:id="rId2"/>
-              </a:rPr>
-              <a:t>https://www.sciserver.org/</a:t>
-            </a:r>
-            <a:r>
-              <a:rPr lang="en-US" dirty="0"/>
-              <a:t> </a:t>
-            </a:r>
-          </a:p>
-          <a:p>
-            <a:pPr marL="0" lvl="0" indent="0">
-              <a:lnSpc>
-                <a:spcPct val="100000"/>
-              </a:lnSpc>
-              <a:spcBef>
-                <a:spcPts val="0"/>
-              </a:spcBef>
-              <a:buNone/>
-            </a:pPr>
-            <a:endParaRPr lang="en-US" dirty="0" smtClean="0"/>
-          </a:p>
-          <a:p>
-            <a:pPr marL="0" lvl="0" indent="0">
-              <a:lnSpc>
-                <a:spcPct val="100000"/>
-              </a:lnSpc>
-              <a:spcBef>
-                <a:spcPts val="0"/>
-              </a:spcBef>
-              <a:buNone/>
-            </a:pPr>
-            <a:endParaRPr lang="en-US" i="1" dirty="0" smtClean="0"/>
-          </a:p>
-          <a:p>
-            <a:pPr marL="0" lvl="0" indent="0">
-              <a:lnSpc>
-                <a:spcPct val="100000"/>
-              </a:lnSpc>
-              <a:spcBef>
-                <a:spcPts val="0"/>
-              </a:spcBef>
-              <a:buNone/>
-            </a:pPr>
-            <a:endParaRPr lang="en-US" i="1" dirty="0"/>
-          </a:p>
-          <a:p>
-            <a:pPr marL="0" lvl="0" indent="0">
-              <a:lnSpc>
-                <a:spcPct val="100000"/>
-              </a:lnSpc>
-              <a:spcBef>
-                <a:spcPts val="0"/>
-              </a:spcBef>
-              <a:buNone/>
-            </a:pPr>
-            <a:endParaRPr lang="en-US" i="1" dirty="0" smtClean="0"/>
-          </a:p>
-          <a:p>
-            <a:pPr marL="0" lvl="0" indent="0">
-              <a:lnSpc>
-                <a:spcPct val="100000"/>
-              </a:lnSpc>
-              <a:spcBef>
-                <a:spcPts val="0"/>
-              </a:spcBef>
-              <a:buNone/>
-            </a:pPr>
-            <a:endParaRPr lang="en-US" i="1" dirty="0"/>
-          </a:p>
-          <a:p>
-            <a:pPr marL="0" lvl="0" indent="0">
-              <a:lnSpc>
-                <a:spcPct val="100000"/>
-              </a:lnSpc>
-              <a:spcBef>
-                <a:spcPts val="0"/>
-              </a:spcBef>
-              <a:buNone/>
-            </a:pPr>
-            <a:endParaRPr lang="en-US" i="1" dirty="0" smtClean="0"/>
-          </a:p>
-          <a:p>
-            <a:pPr marL="0" lvl="0" indent="0">
-              <a:lnSpc>
-                <a:spcPct val="100000"/>
-              </a:lnSpc>
-              <a:spcBef>
-                <a:spcPts val="0"/>
-              </a:spcBef>
-              <a:buNone/>
-            </a:pPr>
-            <a:r>
-              <a:rPr lang="en-US" i="1" dirty="0" smtClean="0"/>
-              <a:t>In the long run you should choose the tools that you’re most comfortable with </a:t>
-            </a:r>
-            <a:endParaRPr lang="en-US" i="1" dirty="0"/>
+              <a:t>Talk to me if you need help with this! </a:t>
+            </a:r>
+            <a:endParaRPr lang="en-US" dirty="0"/>
           </a:p>
         </p:txBody>
       </p:sp>
@@ -9640,7 +10056,7 @@
           <p:nvPr/>
         </p:nvPicPr>
         <p:blipFill>
-          <a:blip r:embed="rId3">
+          <a:blip r:embed="rId2">
             <a:extLst>
               <a:ext uri="{28A0092B-C50C-407E-A947-70E740481C1C}">
                 <a14:useLocalDpi xmlns:a14="http://schemas.microsoft.com/office/drawing/2010/main" val="0"/>
@@ -9653,8 +10069,8 @@
         </p:blipFill>
         <p:spPr>
           <a:xfrm>
-            <a:off x="2810406" y="3950017"/>
-            <a:ext cx="6333594" cy="1973550"/>
+            <a:off x="5990778" y="2336873"/>
+            <a:ext cx="5845755" cy="3921953"/>
           </a:xfrm>
           <a:prstGeom prst="rect">
             <a:avLst/>
@@ -9664,7 +10080,7 @@
     </p:spTree>
     <p:extLst>
       <p:ext uri="{BB962C8B-B14F-4D97-AF65-F5344CB8AC3E}">
-        <p14:creationId xmlns:p14="http://schemas.microsoft.com/office/powerpoint/2010/main" val="1702059004"/>
+        <p14:creationId xmlns:p14="http://schemas.microsoft.com/office/powerpoint/2010/main" val="734468964"/>
       </p:ext>
     </p:extLst>
   </p:cSld>
@@ -9715,7 +10131,7 @@
           <a:p>
             <a:r>
               <a:rPr lang="en-US" dirty="0" smtClean="0"/>
-              <a:t>If You Haven’t Already </a:t>
+              <a:t>Tools: Cloud Computing </a:t>
             </a:r>
             <a:endParaRPr lang="en-US" dirty="0"/>
           </a:p>
@@ -9733,12 +10149,14 @@
         </p:nvSpPr>
         <p:spPr>
           <a:xfrm>
-            <a:off x="680322" y="2336872"/>
-            <a:ext cx="6131296" cy="4050675"/>
-          </a:xfrm>
-        </p:spPr>
-        <p:txBody>
-          <a:bodyPr/>
+            <a:off x="680321" y="2336873"/>
+            <a:ext cx="10592730" cy="4405121"/>
+          </a:xfrm>
+        </p:spPr>
+        <p:txBody>
+          <a:bodyPr>
+            <a:normAutofit/>
+          </a:bodyPr>
           <a:lstStyle/>
           <a:p>
             <a:pPr marL="0" lvl="0" indent="0">
@@ -9751,39 +10169,39 @@
               <a:buNone/>
             </a:pPr>
             <a:r>
-              <a:rPr lang="en-US" dirty="0">
-                <a:hlinkClick r:id="rId2"/>
-              </a:rPr>
-              <a:t>https://</a:t>
-            </a:r>
-            <a:r>
-              <a:rPr lang="en-US" dirty="0" smtClean="0">
-                <a:hlinkClick r:id="rId2"/>
-              </a:rPr>
-              <a:t>www.anaconda.com/products/individual</a:t>
-            </a:r>
-            <a:endParaRPr lang="en-US" dirty="0" smtClean="0"/>
-          </a:p>
-          <a:p>
-            <a:pPr lvl="1">
+              <a:rPr lang="en-US" dirty="0" smtClean="0"/>
+              <a:t>Allows you to run python on a remote server </a:t>
+            </a:r>
+          </a:p>
+          <a:p>
+            <a:pPr marL="0" lvl="0" indent="0">
               <a:lnSpc>
                 <a:spcPct val="100000"/>
               </a:lnSpc>
               <a:spcBef>
                 <a:spcPts val="0"/>
               </a:spcBef>
+              <a:buNone/>
             </a:pPr>
+            <a:endParaRPr lang="en-US" dirty="0"/>
+          </a:p>
+          <a:p>
+            <a:pPr marL="0" lvl="0" indent="0">
+              <a:lnSpc>
+                <a:spcPct val="100000"/>
+              </a:lnSpc>
+              <a:spcBef>
+                <a:spcPts val="0"/>
+              </a:spcBef>
+              <a:buNone/>
+            </a:pPr>
+            <a:r>
+              <a:rPr lang="en-US" dirty="0" err="1" smtClean="0"/>
+              <a:t>SciServer</a:t>
+            </a:r>
             <a:r>
               <a:rPr lang="en-US" dirty="0" smtClean="0"/>
-              <a:t>This will install Python, Anaconda, and </a:t>
-            </a:r>
-            <a:r>
-              <a:rPr lang="en-US" dirty="0" err="1" smtClean="0"/>
-              <a:t>Jupyter</a:t>
-            </a:r>
-            <a:r>
-              <a:rPr lang="en-US" dirty="0" smtClean="0"/>
-              <a:t> Notebooks </a:t>
+              <a:t> is a popular platform across many STEM fields: </a:t>
             </a:r>
           </a:p>
           <a:p>
@@ -9796,10 +10214,19 @@
               </a:spcBef>
               <a:buNone/>
             </a:pPr>
-            <a:endParaRPr lang="en-US" dirty="0"/>
-          </a:p>
-          <a:p>
-            <a:pPr marL="0" indent="0">
+            <a:r>
+              <a:rPr lang="en-US" dirty="0">
+                <a:hlinkClick r:id="rId2"/>
+              </a:rPr>
+              <a:t>https://www.sciserver.org/</a:t>
+            </a:r>
+            <a:r>
+              <a:rPr lang="en-US" dirty="0"/>
+              <a:t> </a:t>
+            </a:r>
+          </a:p>
+          <a:p>
+            <a:pPr marL="0" lvl="0" indent="0">
               <a:lnSpc>
                 <a:spcPct val="100000"/>
               </a:lnSpc>
@@ -9811,7 +10238,7 @@
             <a:endParaRPr lang="en-US" dirty="0" smtClean="0"/>
           </a:p>
           <a:p>
-            <a:pPr marL="0" indent="0">
+            <a:pPr marL="0" lvl="0" indent="0">
               <a:lnSpc>
                 <a:spcPct val="100000"/>
               </a:lnSpc>
@@ -9820,28 +10247,22 @@
               </a:spcBef>
               <a:buNone/>
             </a:pPr>
-            <a:r>
-              <a:rPr lang="en-US" dirty="0" smtClean="0"/>
-              <a:t>Latest version of python: 3.8.2 </a:t>
-            </a:r>
-          </a:p>
-          <a:p>
-            <a:pPr lvl="1">
+            <a:endParaRPr lang="en-US" i="1" dirty="0" smtClean="0"/>
+          </a:p>
+          <a:p>
+            <a:pPr marL="0" lvl="0" indent="0">
               <a:lnSpc>
                 <a:spcPct val="100000"/>
               </a:lnSpc>
               <a:spcBef>
                 <a:spcPts val="0"/>
               </a:spcBef>
+              <a:buNone/>
             </a:pPr>
-            <a:r>
-              <a:rPr lang="en-US" dirty="0" smtClean="0"/>
-              <a:t>Most libraries now require &gt;= 3.5 </a:t>
-            </a:r>
-            <a:endParaRPr lang="en-US" dirty="0"/>
-          </a:p>
-          <a:p>
-            <a:pPr marL="0" indent="0">
+            <a:endParaRPr lang="en-US" i="1" dirty="0"/>
+          </a:p>
+          <a:p>
+            <a:pPr marL="0" lvl="0" indent="0">
               <a:lnSpc>
                 <a:spcPct val="100000"/>
               </a:lnSpc>
@@ -9850,10 +10271,10 @@
               </a:spcBef>
               <a:buNone/>
             </a:pPr>
-            <a:endParaRPr lang="en-US" dirty="0" smtClean="0"/>
-          </a:p>
-          <a:p>
-            <a:pPr marL="0" indent="0">
+            <a:endParaRPr lang="en-US" i="1" dirty="0" smtClean="0"/>
+          </a:p>
+          <a:p>
+            <a:pPr marL="0" lvl="0" indent="0">
               <a:lnSpc>
                 <a:spcPct val="100000"/>
               </a:lnSpc>
@@ -9862,10 +10283,10 @@
               </a:spcBef>
               <a:buNone/>
             </a:pPr>
-            <a:endParaRPr lang="en-US" dirty="0"/>
-          </a:p>
-          <a:p>
-            <a:pPr marL="0" indent="0">
+            <a:endParaRPr lang="en-US" i="1" dirty="0"/>
+          </a:p>
+          <a:p>
+            <a:pPr marL="0" lvl="0" indent="0">
               <a:lnSpc>
                 <a:spcPct val="100000"/>
               </a:lnSpc>
@@ -9874,18 +10295,23 @@
               </a:spcBef>
               <a:buNone/>
             </a:pPr>
-            <a:r>
-              <a:rPr lang="en-US" dirty="0" smtClean="0"/>
-              <a:t>Python 2.7 is </a:t>
-            </a:r>
+            <a:endParaRPr lang="en-US" i="1" dirty="0" smtClean="0"/>
+          </a:p>
+          <a:p>
+            <a:pPr marL="0" lvl="0" indent="0">
+              <a:lnSpc>
+                <a:spcPct val="100000"/>
+              </a:lnSpc>
+              <a:spcBef>
+                <a:spcPts val="0"/>
+              </a:spcBef>
+              <a:buNone/>
+            </a:pPr>
             <a:r>
               <a:rPr lang="en-US" i="1" dirty="0" smtClean="0"/>
-              <a:t>deprecated</a:t>
-            </a:r>
-            <a:r>
-              <a:rPr lang="en-US" dirty="0" smtClean="0"/>
-              <a:t> </a:t>
-            </a:r>
+              <a:t>In the long run you should choose the tools that you’re most comfortable with </a:t>
+            </a:r>
+            <a:endParaRPr lang="en-US" i="1" dirty="0"/>
           </a:p>
         </p:txBody>
       </p:sp>
@@ -9911,8 +10337,8 @@
         </p:blipFill>
         <p:spPr>
           <a:xfrm>
-            <a:off x="6514000" y="3053107"/>
-            <a:ext cx="5335104" cy="3334440"/>
+            <a:off x="2810406" y="3950017"/>
+            <a:ext cx="6333594" cy="1973550"/>
           </a:xfrm>
           <a:prstGeom prst="rect">
             <a:avLst/>
@@ -9922,13 +10348,20 @@
     </p:spTree>
     <p:extLst>
       <p:ext uri="{BB962C8B-B14F-4D97-AF65-F5344CB8AC3E}">
-        <p14:creationId xmlns:p14="http://schemas.microsoft.com/office/powerpoint/2010/main" val="1273897062"/>
+        <p14:creationId xmlns:p14="http://schemas.microsoft.com/office/powerpoint/2010/main" val="1702059004"/>
       </p:ext>
     </p:extLst>
   </p:cSld>
   <p:clrMapOvr>
     <a:masterClrMapping/>
   </p:clrMapOvr>
+  <p:timing>
+    <p:tnLst>
+      <p:par>
+        <p:cTn id="1" dur="indefinite" restart="never" nodeType="tmRoot"/>
+      </p:par>
+    </p:tnLst>
+  </p:timing>
 </p:sld>
 </file>
 
@@ -9966,7 +10399,7 @@
           <a:p>
             <a:r>
               <a:rPr lang="en-US" dirty="0" smtClean="0"/>
-              <a:t>Other Resources</a:t>
+              <a:t>If You Haven’t Already </a:t>
             </a:r>
             <a:endParaRPr lang="en-US" dirty="0"/>
           </a:p>
@@ -9984,8 +10417,8 @@
         </p:nvSpPr>
         <p:spPr>
           <a:xfrm>
-            <a:off x="680321" y="2336872"/>
-            <a:ext cx="10968340" cy="4077179"/>
+            <a:off x="680322" y="2336872"/>
+            <a:ext cx="6131296" cy="4050675"/>
           </a:xfrm>
         </p:spPr>
         <p:txBody>
@@ -10002,37 +10435,43 @@
               <a:buNone/>
             </a:pPr>
             <a:r>
-              <a:rPr lang="en-US" dirty="0" smtClean="0"/>
-              <a:t>Python Foundation’s Beginner’s Guide: </a:t>
-            </a:r>
-            <a:r>
               <a:rPr lang="en-US" dirty="0">
                 <a:hlinkClick r:id="rId2"/>
               </a:rPr>
-              <a:t>https://www.python.org/about/gettingstarted</a:t>
+              <a:t>https://</a:t>
             </a:r>
             <a:r>
               <a:rPr lang="en-US" dirty="0" smtClean="0">
                 <a:hlinkClick r:id="rId2"/>
               </a:rPr>
-              <a:t>/</a:t>
+              <a:t>www.anaconda.com/products/individual</a:t>
             </a:r>
             <a:endParaRPr lang="en-US" dirty="0" smtClean="0"/>
           </a:p>
           <a:p>
-            <a:pPr marL="0" lvl="0" indent="0">
+            <a:pPr lvl="1">
               <a:lnSpc>
                 <a:spcPct val="100000"/>
               </a:lnSpc>
               <a:spcBef>
                 <a:spcPts val="0"/>
               </a:spcBef>
-              <a:buNone/>
             </a:pPr>
-            <a:endParaRPr lang="en-US" dirty="0" smtClean="0"/>
-          </a:p>
-          <a:p>
-            <a:pPr marL="0" lvl="0" indent="0">
+            <a:r>
+              <a:rPr lang="en-US" dirty="0" smtClean="0"/>
+              <a:t>This will install Python, Anaconda, and </a:t>
+            </a:r>
+            <a:r>
+              <a:rPr lang="en-US" dirty="0" err="1" smtClean="0"/>
+              <a:t>Jupyter</a:t>
+            </a:r>
+            <a:r>
+              <a:rPr lang="en-US" dirty="0" smtClean="0"/>
+              <a:t> Notebooks </a:t>
+            </a:r>
+          </a:p>
+          <a:p>
+            <a:pPr marL="0" indent="0">
               <a:lnSpc>
                 <a:spcPct val="100000"/>
               </a:lnSpc>
@@ -10041,10 +10480,10 @@
               </a:spcBef>
               <a:buNone/>
             </a:pPr>
-            <a:endParaRPr lang="en-US" dirty="0" smtClean="0"/>
-          </a:p>
-          <a:p>
-            <a:pPr marL="0" lvl="0" indent="0">
+            <a:endParaRPr lang="en-US" dirty="0"/>
+          </a:p>
+          <a:p>
+            <a:pPr marL="0" indent="0">
               <a:lnSpc>
                 <a:spcPct val="100000"/>
               </a:lnSpc>
@@ -10053,10 +10492,10 @@
               </a:spcBef>
               <a:buNone/>
             </a:pPr>
-            <a:endParaRPr lang="en-US" dirty="0"/>
-          </a:p>
-          <a:p>
-            <a:pPr marL="0" lvl="0" indent="0">
+            <a:endParaRPr lang="en-US" dirty="0" smtClean="0"/>
+          </a:p>
+          <a:p>
+            <a:pPr marL="0" indent="0">
               <a:lnSpc>
                 <a:spcPct val="100000"/>
               </a:lnSpc>
@@ -10066,36 +10505,27 @@
               <a:buNone/>
             </a:pPr>
             <a:r>
-              <a:rPr lang="en-US" dirty="0">
-                <a:hlinkClick r:id="rId3"/>
-              </a:rPr>
-              <a:t>https://www.learnpython.org</a:t>
-            </a:r>
-            <a:r>
-              <a:rPr lang="en-US" dirty="0" smtClean="0">
-                <a:hlinkClick r:id="rId3"/>
-              </a:rPr>
-              <a:t>/</a:t>
-            </a:r>
-            <a:r>
               <a:rPr lang="en-US" dirty="0" smtClean="0"/>
-              <a:t> - There is also an iOS app for this </a:t>
-            </a:r>
-          </a:p>
-          <a:p>
-            <a:pPr marL="0" lvl="0" indent="0">
+              <a:t>Latest version of python: 3.8.2 </a:t>
+            </a:r>
+          </a:p>
+          <a:p>
+            <a:pPr lvl="1">
               <a:lnSpc>
                 <a:spcPct val="100000"/>
               </a:lnSpc>
               <a:spcBef>
                 <a:spcPts val="0"/>
               </a:spcBef>
-              <a:buNone/>
             </a:pPr>
-            <a:endParaRPr lang="en-US" dirty="0" smtClean="0"/>
-          </a:p>
-          <a:p>
-            <a:pPr marL="0" lvl="0" indent="0">
+            <a:r>
+              <a:rPr lang="en-US" dirty="0" smtClean="0"/>
+              <a:t>Most libraries now require &gt;= 3.5 </a:t>
+            </a:r>
+            <a:endParaRPr lang="en-US" dirty="0"/>
+          </a:p>
+          <a:p>
+            <a:pPr marL="0" indent="0">
               <a:lnSpc>
                 <a:spcPct val="100000"/>
               </a:lnSpc>
@@ -10107,7 +10537,7 @@
             <a:endParaRPr lang="en-US" dirty="0" smtClean="0"/>
           </a:p>
           <a:p>
-            <a:pPr marL="0" lvl="0" indent="0">
+            <a:pPr marL="0" indent="0">
               <a:lnSpc>
                 <a:spcPct val="100000"/>
               </a:lnSpc>
@@ -10119,7 +10549,7 @@
             <a:endParaRPr lang="en-US" dirty="0"/>
           </a:p>
           <a:p>
-            <a:pPr marL="0" lvl="0" indent="0">
+            <a:pPr marL="0" indent="0">
               <a:lnSpc>
                 <a:spcPct val="100000"/>
               </a:lnSpc>
@@ -10130,40 +10560,53 @@
             </a:pPr>
             <a:r>
               <a:rPr lang="en-US" dirty="0" smtClean="0"/>
-              <a:t>Code Academy: </a:t>
-            </a:r>
-            <a:r>
-              <a:rPr lang="en-US" dirty="0">
-                <a:hlinkClick r:id="rId4"/>
-              </a:rPr>
-              <a:t>https://</a:t>
-            </a:r>
-            <a:r>
-              <a:rPr lang="en-US" dirty="0" smtClean="0">
-                <a:hlinkClick r:id="rId4"/>
-              </a:rPr>
-              <a:t>www.codecademy.com/learn/learn-python-3</a:t>
-            </a:r>
-            <a:endParaRPr lang="en-US" dirty="0" smtClean="0"/>
-          </a:p>
-          <a:p>
-            <a:pPr marL="0" lvl="0" indent="0">
-              <a:lnSpc>
-                <a:spcPct val="100000"/>
-              </a:lnSpc>
-              <a:spcBef>
-                <a:spcPts val="0"/>
-              </a:spcBef>
-              <a:buNone/>
-            </a:pPr>
-            <a:endParaRPr lang="en-US" dirty="0" smtClean="0"/>
-          </a:p>
-        </p:txBody>
-      </p:sp>
+              <a:t>Python 2.7 is </a:t>
+            </a:r>
+            <a:r>
+              <a:rPr lang="en-US" i="1" dirty="0" smtClean="0"/>
+              <a:t>deprecated</a:t>
+            </a:r>
+            <a:r>
+              <a:rPr lang="en-US" dirty="0" smtClean="0"/>
+              <a:t> </a:t>
+            </a:r>
+          </a:p>
+        </p:txBody>
+      </p:sp>
+      <p:pic>
+        <p:nvPicPr>
+          <p:cNvPr id="4" name="Picture 3"/>
+          <p:cNvPicPr>
+            <a:picLocks noChangeAspect="1"/>
+          </p:cNvPicPr>
+          <p:nvPr/>
+        </p:nvPicPr>
+        <p:blipFill>
+          <a:blip r:embed="rId3">
+            <a:extLst>
+              <a:ext uri="{28A0092B-C50C-407E-A947-70E740481C1C}">
+                <a14:useLocalDpi xmlns:a14="http://schemas.microsoft.com/office/drawing/2010/main" val="0"/>
+              </a:ext>
+            </a:extLst>
+          </a:blip>
+          <a:stretch>
+            <a:fillRect/>
+          </a:stretch>
+        </p:blipFill>
+        <p:spPr>
+          <a:xfrm>
+            <a:off x="6514000" y="3053107"/>
+            <a:ext cx="5335104" cy="3334440"/>
+          </a:xfrm>
+          <a:prstGeom prst="rect">
+            <a:avLst/>
+          </a:prstGeom>
+        </p:spPr>
+      </p:pic>
     </p:spTree>
     <p:extLst>
       <p:ext uri="{BB962C8B-B14F-4D97-AF65-F5344CB8AC3E}">
-        <p14:creationId xmlns:p14="http://schemas.microsoft.com/office/powerpoint/2010/main" val="72484133"/>
+        <p14:creationId xmlns:p14="http://schemas.microsoft.com/office/powerpoint/2010/main" val="1273897062"/>
       </p:ext>
     </p:extLst>
   </p:cSld>
@@ -10425,4 +10868,265 @@
     </a:ext>
   </a:extLst>
 </a:theme>
+</file>
+
+<file path=ppt/theme/theme2.xml><?xml version="1.0" encoding="utf-8"?>
+<a:theme xmlns:a="http://schemas.openxmlformats.org/drawingml/2006/main" name="Office Theme">
+  <a:themeElements>
+    <a:clrScheme name="Office">
+      <a:dk1>
+        <a:sysClr val="windowText" lastClr="000000"/>
+      </a:dk1>
+      <a:lt1>
+        <a:sysClr val="window" lastClr="FFFFFF"/>
+      </a:lt1>
+      <a:dk2>
+        <a:srgbClr val="44546A"/>
+      </a:dk2>
+      <a:lt2>
+        <a:srgbClr val="E7E6E6"/>
+      </a:lt2>
+      <a:accent1>
+        <a:srgbClr val="4472C4"/>
+      </a:accent1>
+      <a:accent2>
+        <a:srgbClr val="ED7D31"/>
+      </a:accent2>
+      <a:accent3>
+        <a:srgbClr val="A5A5A5"/>
+      </a:accent3>
+      <a:accent4>
+        <a:srgbClr val="FFC000"/>
+      </a:accent4>
+      <a:accent5>
+        <a:srgbClr val="5B9BD5"/>
+      </a:accent5>
+      <a:accent6>
+        <a:srgbClr val="70AD47"/>
+      </a:accent6>
+      <a:hlink>
+        <a:srgbClr val="0563C1"/>
+      </a:hlink>
+      <a:folHlink>
+        <a:srgbClr val="954F72"/>
+      </a:folHlink>
+    </a:clrScheme>
+    <a:fontScheme name="Office">
+      <a:majorFont>
+        <a:latin typeface="Calibri Light" panose="020F0302020204030204"/>
+        <a:ea typeface=""/>
+        <a:cs typeface=""/>
+        <a:font script="Jpan" typeface="Yu Gothic Light"/>
+        <a:font script="Hang" typeface="맑은 고딕"/>
+        <a:font script="Hans" typeface="DengXian Light"/>
+        <a:font script="Hant" typeface="新細明體"/>
+        <a:font script="Arab" typeface="Times New Roman"/>
+        <a:font script="Hebr" typeface="Times New Roman"/>
+        <a:font script="Thai" typeface="Angsana New"/>
+        <a:font script="Ethi" typeface="Nyala"/>
+        <a:font script="Beng" typeface="Vrinda"/>
+        <a:font script="Gujr" typeface="Shruti"/>
+        <a:font script="Khmr" typeface="MoolBoran"/>
+        <a:font script="Knda" typeface="Tunga"/>
+        <a:font script="Guru" typeface="Raavi"/>
+        <a:font script="Cans" typeface="Euphemia"/>
+        <a:font script="Cher" typeface="Plantagenet Cherokee"/>
+        <a:font script="Yiii" typeface="Microsoft Yi Baiti"/>
+        <a:font script="Tibt" typeface="Microsoft Himalaya"/>
+        <a:font script="Thaa" typeface="MV Boli"/>
+        <a:font script="Deva" typeface="Mangal"/>
+        <a:font script="Telu" typeface="Gautami"/>
+        <a:font script="Taml" typeface="Latha"/>
+        <a:font script="Syrc" typeface="Estrangelo Edessa"/>
+        <a:font script="Orya" typeface="Kalinga"/>
+        <a:font script="Mlym" typeface="Kartika"/>
+        <a:font script="Laoo" typeface="DokChampa"/>
+        <a:font script="Sinh" typeface="Iskoola Pota"/>
+        <a:font script="Mong" typeface="Mongolian Baiti"/>
+        <a:font script="Viet" typeface="Times New Roman"/>
+        <a:font script="Uigh" typeface="Microsoft Uighur"/>
+        <a:font script="Geor" typeface="Sylfaen"/>
+      </a:majorFont>
+      <a:minorFont>
+        <a:latin typeface="Calibri" panose="020F0502020204030204"/>
+        <a:ea typeface=""/>
+        <a:cs typeface=""/>
+        <a:font script="Jpan" typeface="Yu Gothic"/>
+        <a:font script="Hang" typeface="맑은 고딕"/>
+        <a:font script="Hans" typeface="DengXian"/>
+        <a:font script="Hant" typeface="新細明體"/>
+        <a:font script="Arab" typeface="Arial"/>
+        <a:font script="Hebr" typeface="Arial"/>
+        <a:font script="Thai" typeface="Cordia New"/>
+        <a:font script="Ethi" typeface="Nyala"/>
+        <a:font script="Beng" typeface="Vrinda"/>
+        <a:font script="Gujr" typeface="Shruti"/>
+        <a:font script="Khmr" typeface="DaunPenh"/>
+        <a:font script="Knda" typeface="Tunga"/>
+        <a:font script="Guru" typeface="Raavi"/>
+        <a:font script="Cans" typeface="Euphemia"/>
+        <a:font script="Cher" typeface="Plantagenet Cherokee"/>
+        <a:font script="Yiii" typeface="Microsoft Yi Baiti"/>
+        <a:font script="Tibt" typeface="Microsoft Himalaya"/>
+        <a:font script="Thaa" typeface="MV Boli"/>
+        <a:font script="Deva" typeface="Mangal"/>
+        <a:font script="Telu" typeface="Gautami"/>
+        <a:font script="Taml" typeface="Latha"/>
+        <a:font script="Syrc" typeface="Estrangelo Edessa"/>
+        <a:font script="Orya" typeface="Kalinga"/>
+        <a:font script="Mlym" typeface="Kartika"/>
+        <a:font script="Laoo" typeface="DokChampa"/>
+        <a:font script="Sinh" typeface="Iskoola Pota"/>
+        <a:font script="Mong" typeface="Mongolian Baiti"/>
+        <a:font script="Viet" typeface="Arial"/>
+        <a:font script="Uigh" typeface="Microsoft Uighur"/>
+        <a:font script="Geor" typeface="Sylfaen"/>
+      </a:minorFont>
+    </a:fontScheme>
+    <a:fmtScheme name="Office">
+      <a:fillStyleLst>
+        <a:solidFill>
+          <a:schemeClr val="phClr"/>
+        </a:solidFill>
+        <a:gradFill rotWithShape="1">
+          <a:gsLst>
+            <a:gs pos="0">
+              <a:schemeClr val="phClr">
+                <a:lumMod val="110000"/>
+                <a:satMod val="105000"/>
+                <a:tint val="67000"/>
+              </a:schemeClr>
+            </a:gs>
+            <a:gs pos="50000">
+              <a:schemeClr val="phClr">
+                <a:lumMod val="105000"/>
+                <a:satMod val="103000"/>
+                <a:tint val="73000"/>
+              </a:schemeClr>
+            </a:gs>
+            <a:gs pos="100000">
+              <a:schemeClr val="phClr">
+                <a:lumMod val="105000"/>
+                <a:satMod val="109000"/>
+                <a:tint val="81000"/>
+              </a:schemeClr>
+            </a:gs>
+          </a:gsLst>
+          <a:lin ang="5400000" scaled="0"/>
+        </a:gradFill>
+        <a:gradFill rotWithShape="1">
+          <a:gsLst>
+            <a:gs pos="0">
+              <a:schemeClr val="phClr">
+                <a:satMod val="103000"/>
+                <a:lumMod val="102000"/>
+                <a:tint val="94000"/>
+              </a:schemeClr>
+            </a:gs>
+            <a:gs pos="50000">
+              <a:schemeClr val="phClr">
+                <a:satMod val="110000"/>
+                <a:lumMod val="100000"/>
+                <a:shade val="100000"/>
+              </a:schemeClr>
+            </a:gs>
+            <a:gs pos="100000">
+              <a:schemeClr val="phClr">
+                <a:lumMod val="99000"/>
+                <a:satMod val="120000"/>
+                <a:shade val="78000"/>
+              </a:schemeClr>
+            </a:gs>
+          </a:gsLst>
+          <a:lin ang="5400000" scaled="0"/>
+        </a:gradFill>
+      </a:fillStyleLst>
+      <a:lnStyleLst>
+        <a:ln w="6350" cap="flat" cmpd="sng" algn="ctr">
+          <a:solidFill>
+            <a:schemeClr val="phClr"/>
+          </a:solidFill>
+          <a:prstDash val="solid"/>
+          <a:miter lim="800000"/>
+        </a:ln>
+        <a:ln w="12700" cap="flat" cmpd="sng" algn="ctr">
+          <a:solidFill>
+            <a:schemeClr val="phClr"/>
+          </a:solidFill>
+          <a:prstDash val="solid"/>
+          <a:miter lim="800000"/>
+        </a:ln>
+        <a:ln w="19050" cap="flat" cmpd="sng" algn="ctr">
+          <a:solidFill>
+            <a:schemeClr val="phClr"/>
+          </a:solidFill>
+          <a:prstDash val="solid"/>
+          <a:miter lim="800000"/>
+        </a:ln>
+      </a:lnStyleLst>
+      <a:effectStyleLst>
+        <a:effectStyle>
+          <a:effectLst/>
+        </a:effectStyle>
+        <a:effectStyle>
+          <a:effectLst/>
+        </a:effectStyle>
+        <a:effectStyle>
+          <a:effectLst>
+            <a:outerShdw blurRad="57150" dist="19050" dir="5400000" algn="ctr" rotWithShape="0">
+              <a:srgbClr val="000000">
+                <a:alpha val="63000"/>
+              </a:srgbClr>
+            </a:outerShdw>
+          </a:effectLst>
+        </a:effectStyle>
+      </a:effectStyleLst>
+      <a:bgFillStyleLst>
+        <a:solidFill>
+          <a:schemeClr val="phClr"/>
+        </a:solidFill>
+        <a:solidFill>
+          <a:schemeClr val="phClr">
+            <a:tint val="95000"/>
+            <a:satMod val="170000"/>
+          </a:schemeClr>
+        </a:solidFill>
+        <a:gradFill rotWithShape="1">
+          <a:gsLst>
+            <a:gs pos="0">
+              <a:schemeClr val="phClr">
+                <a:tint val="93000"/>
+                <a:satMod val="150000"/>
+                <a:shade val="98000"/>
+                <a:lumMod val="102000"/>
+              </a:schemeClr>
+            </a:gs>
+            <a:gs pos="50000">
+              <a:schemeClr val="phClr">
+                <a:tint val="98000"/>
+                <a:satMod val="130000"/>
+                <a:shade val="90000"/>
+                <a:lumMod val="103000"/>
+              </a:schemeClr>
+            </a:gs>
+            <a:gs pos="100000">
+              <a:schemeClr val="phClr">
+                <a:shade val="63000"/>
+                <a:satMod val="120000"/>
+              </a:schemeClr>
+            </a:gs>
+          </a:gsLst>
+          <a:lin ang="5400000" scaled="0"/>
+        </a:gradFill>
+      </a:bgFillStyleLst>
+    </a:fmtScheme>
+  </a:themeElements>
+  <a:objectDefaults/>
+  <a:extraClrSchemeLst/>
+  <a:extLst>
+    <a:ext uri="{05A4C25C-085E-4340-85A3-A5531E510DB2}">
+      <thm15:themeFamily xmlns:thm15="http://schemas.microsoft.com/office/thememl/2012/main" name="Office Theme" id="{62F939B6-93AF-4DB8-9C6B-D6C7DFDC589F}" vid="{4A3C46E8-61CC-4603-A589-7422A47A8E4A}"/>
+    </a:ext>
+  </a:extLst>
+</a:theme>
 </file>
--- a/slides/intro.pptx
+++ b/slides/intro.pptx
@@ -207,7 +207,7 @@
           <a:p>
             <a:fld id="{D49A0B7E-B595-B14C-B05F-40313997F4EC}" type="datetimeFigureOut">
               <a:rPr lang="en-US" smtClean="0"/>
-              <a:t>5/11/20</a:t>
+              <a:t>4/30/21</a:t>
             </a:fld>
             <a:endParaRPr lang="en-US"/>
           </a:p>
@@ -753,7 +753,7 @@
           <a:p>
             <a:fld id="{51673806-0BCD-1F42-BAA8-2011034B3C6A}" type="datetimeFigureOut">
               <a:rPr lang="en-US" smtClean="0"/>
-              <a:t>5/11/20</a:t>
+              <a:t>4/30/21</a:t>
             </a:fld>
             <a:endParaRPr lang="en-US"/>
           </a:p>
@@ -1167,7 +1167,7 @@
           <a:p>
             <a:fld id="{51673806-0BCD-1F42-BAA8-2011034B3C6A}" type="datetimeFigureOut">
               <a:rPr lang="en-US" smtClean="0"/>
-              <a:t>5/11/20</a:t>
+              <a:t>4/30/21</a:t>
             </a:fld>
             <a:endParaRPr lang="en-US"/>
           </a:p>
@@ -1498,7 +1498,7 @@
           <a:p>
             <a:fld id="{51673806-0BCD-1F42-BAA8-2011034B3C6A}" type="datetimeFigureOut">
               <a:rPr lang="en-US" smtClean="0"/>
-              <a:t>5/11/20</a:t>
+              <a:t>4/30/21</a:t>
             </a:fld>
             <a:endParaRPr lang="en-US"/>
           </a:p>
@@ -1898,7 +1898,7 @@
           <a:p>
             <a:fld id="{51673806-0BCD-1F42-BAA8-2011034B3C6A}" type="datetimeFigureOut">
               <a:rPr lang="en-US" smtClean="0"/>
-              <a:t>5/11/20</a:t>
+              <a:t>4/30/21</a:t>
             </a:fld>
             <a:endParaRPr lang="en-US"/>
           </a:p>
@@ -2461,7 +2461,7 @@
           <a:p>
             <a:fld id="{51673806-0BCD-1F42-BAA8-2011034B3C6A}" type="datetimeFigureOut">
               <a:rPr lang="en-US" smtClean="0"/>
-              <a:t>5/11/20</a:t>
+              <a:t>4/30/21</a:t>
             </a:fld>
             <a:endParaRPr lang="en-US"/>
           </a:p>
@@ -3137,7 +3137,7 @@
           <a:p>
             <a:fld id="{51673806-0BCD-1F42-BAA8-2011034B3C6A}" type="datetimeFigureOut">
               <a:rPr lang="en-US" smtClean="0"/>
-              <a:t>5/11/20</a:t>
+              <a:t>4/30/21</a:t>
             </a:fld>
             <a:endParaRPr lang="en-US"/>
           </a:p>
@@ -4045,7 +4045,7 @@
           <a:p>
             <a:fld id="{51673806-0BCD-1F42-BAA8-2011034B3C6A}" type="datetimeFigureOut">
               <a:rPr lang="en-US" smtClean="0"/>
-              <a:t>5/11/20</a:t>
+              <a:t>4/30/21</a:t>
             </a:fld>
             <a:endParaRPr lang="en-US"/>
           </a:p>
@@ -4353,7 +4353,7 @@
           <a:p>
             <a:fld id="{51673806-0BCD-1F42-BAA8-2011034B3C6A}" type="datetimeFigureOut">
               <a:rPr lang="en-US" smtClean="0"/>
-              <a:t>5/11/20</a:t>
+              <a:t>4/30/21</a:t>
             </a:fld>
             <a:endParaRPr lang="en-US"/>
           </a:p>
@@ -4612,7 +4612,7 @@
           <a:p>
             <a:fld id="{51673806-0BCD-1F42-BAA8-2011034B3C6A}" type="datetimeFigureOut">
               <a:rPr lang="en-US" smtClean="0"/>
-              <a:t>5/11/20</a:t>
+              <a:t>4/30/21</a:t>
             </a:fld>
             <a:endParaRPr lang="en-US"/>
           </a:p>
@@ -4935,7 +4935,7 @@
           <a:p>
             <a:fld id="{51673806-0BCD-1F42-BAA8-2011034B3C6A}" type="datetimeFigureOut">
               <a:rPr lang="en-US" smtClean="0"/>
-              <a:t>5/11/20</a:t>
+              <a:t>4/30/21</a:t>
             </a:fld>
             <a:endParaRPr lang="en-US"/>
           </a:p>
@@ -5319,7 +5319,7 @@
           <a:p>
             <a:fld id="{51673806-0BCD-1F42-BAA8-2011034B3C6A}" type="datetimeFigureOut">
               <a:rPr lang="en-US" smtClean="0"/>
-              <a:t>5/11/20</a:t>
+              <a:t>4/30/21</a:t>
             </a:fld>
             <a:endParaRPr lang="en-US"/>
           </a:p>
@@ -5695,7 +5695,7 @@
           <a:p>
             <a:fld id="{51673806-0BCD-1F42-BAA8-2011034B3C6A}" type="datetimeFigureOut">
               <a:rPr lang="en-US" smtClean="0"/>
-              <a:t>5/11/20</a:t>
+              <a:t>4/30/21</a:t>
             </a:fld>
             <a:endParaRPr lang="en-US"/>
           </a:p>
@@ -6201,7 +6201,7 @@
           <a:p>
             <a:fld id="{51673806-0BCD-1F42-BAA8-2011034B3C6A}" type="datetimeFigureOut">
               <a:rPr lang="en-US" smtClean="0"/>
-              <a:t>5/11/20</a:t>
+              <a:t>4/30/21</a:t>
             </a:fld>
             <a:endParaRPr lang="en-US"/>
           </a:p>
@@ -6458,7 +6458,7 @@
           <a:p>
             <a:fld id="{51673806-0BCD-1F42-BAA8-2011034B3C6A}" type="datetimeFigureOut">
               <a:rPr lang="en-US" smtClean="0"/>
-              <a:t>5/11/20</a:t>
+              <a:t>4/30/21</a:t>
             </a:fld>
             <a:endParaRPr lang="en-US"/>
           </a:p>
@@ -6616,7 +6616,7 @@
           <a:p>
             <a:fld id="{51673806-0BCD-1F42-BAA8-2011034B3C6A}" type="datetimeFigureOut">
               <a:rPr lang="en-US" smtClean="0"/>
-              <a:t>5/11/20</a:t>
+              <a:t>4/30/21</a:t>
             </a:fld>
             <a:endParaRPr lang="en-US"/>
           </a:p>
@@ -7006,7 +7006,7 @@
           <a:p>
             <a:fld id="{51673806-0BCD-1F42-BAA8-2011034B3C6A}" type="datetimeFigureOut">
               <a:rPr lang="en-US" smtClean="0"/>
-              <a:t>5/11/20</a:t>
+              <a:t>4/30/21</a:t>
             </a:fld>
             <a:endParaRPr lang="en-US"/>
           </a:p>
@@ -7415,7 +7415,7 @@
           <a:p>
             <a:fld id="{51673806-0BCD-1F42-BAA8-2011034B3C6A}" type="datetimeFigureOut">
               <a:rPr lang="en-US" smtClean="0"/>
-              <a:t>5/11/20</a:t>
+              <a:t>4/30/21</a:t>
             </a:fld>
             <a:endParaRPr lang="en-US"/>
           </a:p>
@@ -7663,7 +7663,7 @@
             <a:fld id="{51673806-0BCD-1F42-BAA8-2011034B3C6A}" type="datetimeFigureOut">
               <a:rPr lang="en-US" smtClean="0"/>
               <a:pPr/>
-              <a:t>5/11/20</a:t>
+              <a:t>4/30/21</a:t>
             </a:fld>
             <a:endParaRPr lang="en-US" dirty="0"/>
           </a:p>
@@ -8127,8 +8127,16 @@
           <a:lstStyle/>
           <a:p>
             <a:r>
+              <a:rPr lang="en-US"/>
+              <a:t>SURP </a:t>
+            </a:r>
+            <a:r>
+              <a:rPr lang="en-US" smtClean="0"/>
+              <a:t>2021 </a:t>
+            </a:r>
+            <a:r>
               <a:rPr lang="en-US" dirty="0"/>
-              <a:t>SURP 2020 Python Bootcamp</a:t>
+              <a:t>Python Bootcamp</a:t>
             </a:r>
           </a:p>
           <a:p>
@@ -8528,10 +8536,9 @@
           <a:p>
             <a:pPr lvl="2"/>
             <a:r>
-              <a:rPr lang="en-US" smtClean="0"/>
+              <a:rPr lang="en-US" dirty="0" smtClean="0"/>
               <a:t>Inheritance and Composition </a:t>
             </a:r>
-            <a:endParaRPr lang="en-US" dirty="0" smtClean="0"/>
           </a:p>
           <a:p>
             <a:pPr lvl="1"/>
@@ -8545,45 +8552,6 @@
               <a:buNone/>
             </a:pPr>
             <a:endParaRPr lang="en-US" dirty="0" smtClean="0"/>
-          </a:p>
-          <a:p>
-            <a:pPr marL="0" indent="0">
-              <a:buNone/>
-            </a:pPr>
-            <a:r>
-              <a:rPr lang="en-US" dirty="0" smtClean="0"/>
-              <a:t>If we have time: </a:t>
-            </a:r>
-          </a:p>
-          <a:p>
-            <a:pPr lvl="1"/>
-            <a:r>
-              <a:rPr lang="en-US" i="1" dirty="0" err="1" smtClean="0"/>
-              <a:t>git</a:t>
-            </a:r>
-            <a:r>
-              <a:rPr lang="en-US" i="1" dirty="0" smtClean="0"/>
-              <a:t> </a:t>
-            </a:r>
-            <a:r>
-              <a:rPr lang="en-US" dirty="0" smtClean="0"/>
-              <a:t>for version control and general organization </a:t>
-            </a:r>
-          </a:p>
-          <a:p>
-            <a:pPr lvl="1"/>
-            <a:r>
-              <a:rPr lang="en-US" dirty="0"/>
-              <a:t>A simple </a:t>
-            </a:r>
-            <a:r>
-              <a:rPr lang="en-US" dirty="0" err="1"/>
-              <a:t>Makefile</a:t>
-            </a:r>
-            <a:r>
-              <a:rPr lang="en-US" dirty="0"/>
-              <a:t> </a:t>
-            </a:r>
           </a:p>
         </p:txBody>
       </p:sp>
@@ -8686,7 +8654,7 @@
             </a:pPr>
             <a:r>
               <a:rPr lang="en-US" dirty="0" smtClean="0"/>
-              <a:t>Third/Fourth year PhD student in the Astronomy Department</a:t>
+              <a:t>Fourth/Fifth year PhD student in the Astronomy Department</a:t>
             </a:r>
             <a:r>
               <a:rPr lang="en-US" dirty="0"/>
@@ -8728,11 +8696,7 @@
             </a:pPr>
             <a:r>
               <a:rPr lang="en-US" dirty="0" smtClean="0"/>
-              <a:t>Theoretical galactic archaeology (David Weinberg, Jennifer </a:t>
-            </a:r>
-            <a:r>
-              <a:rPr lang="en-US" dirty="0" smtClean="0"/>
-              <a:t>Johnson, </a:t>
+              <a:t>Galactic chemical evolution (David Weinberg, Jennifer Johnson, </a:t>
             </a:r>
             <a:r>
               <a:rPr lang="en-US" dirty="0" err="1" smtClean="0"/>
@@ -8742,7 +8706,6 @@
               <a:rPr lang="en-US" dirty="0" smtClean="0"/>
               <a:t> Vincenzo) </a:t>
             </a:r>
-            <a:endParaRPr lang="en-US" dirty="0" smtClean="0"/>
           </a:p>
           <a:p>
             <a:pPr lvl="1">
@@ -8755,7 +8718,7 @@
             </a:pPr>
             <a:r>
               <a:rPr lang="en-US" dirty="0" smtClean="0"/>
-              <a:t>Dark matter halo angular momenta and spatial clustering (</a:t>
+              <a:t>Dark matter halos and their environments (</a:t>
             </a:r>
             <a:r>
               <a:rPr lang="en-US" dirty="0" err="1" smtClean="0"/>
@@ -8794,13 +8757,13 @@
             </a:pPr>
             <a:r>
               <a:rPr lang="en-US" dirty="0" smtClean="0"/>
-              <a:t>Versatile Integrator for Chemical Evolution (VICE; </a:t>
+              <a:t>Versatile Integrator for Chemical Evolution (VICE: </a:t>
             </a:r>
             <a:r>
               <a:rPr lang="en-US" dirty="0" smtClean="0">
                 <a:hlinkClick r:id="rId2"/>
               </a:rPr>
-              <a:t>https://github.com/giganano/VICE.git</a:t>
+              <a:t>https://pypi.org/project/vice</a:t>
             </a:r>
             <a:r>
               <a:rPr lang="en-US" dirty="0" smtClean="0"/>
@@ -8818,15 +8781,7 @@
             </a:pPr>
             <a:r>
               <a:rPr lang="en-US" dirty="0" smtClean="0"/>
-              <a:t>59,700 lines </a:t>
-            </a:r>
-            <a:r>
-              <a:rPr lang="en-US" dirty="0"/>
-              <a:t>(Python &amp; </a:t>
-            </a:r>
-            <a:r>
-              <a:rPr lang="en-US" dirty="0" smtClean="0"/>
-              <a:t>C) as of May 6, 2020 supporting Python &gt;= 3.5 (and 2.7 in initial release) </a:t>
+              <a:t>~76,100 lines (Python &amp; C) in latest release (1.2.0) supporting Python &gt;= 3.6. </a:t>
             </a:r>
           </a:p>
           <a:p>
@@ -9095,7 +9050,6 @@
               <a:rPr lang="en-US" dirty="0" smtClean="0"/>
               <a:t>etc. </a:t>
             </a:r>
-            <a:endParaRPr lang="en-US" dirty="0" smtClean="0"/>
           </a:p>
           <a:p>
             <a:pPr marL="0" marR="0" lvl="0" indent="0" defTabSz="914400" eaLnBrk="1" fontAlgn="auto" latinLnBrk="0" hangingPunct="1">
@@ -9432,7 +9386,7 @@
         <p:spPr>
           <a:xfrm>
             <a:off x="680321" y="2336873"/>
-            <a:ext cx="11015810" cy="4350530"/>
+            <a:ext cx="10770151" cy="4350530"/>
           </a:xfrm>
         </p:spPr>
         <p:txBody>
@@ -9504,7 +9458,7 @@
             </a:pPr>
             <a:r>
               <a:rPr lang="en-US" dirty="0" smtClean="0"/>
-              <a:t>Note: the new material is either impossible or quite difficult when coding in a notebook. I advise all of you to use this </a:t>
+              <a:t>Some of the material is either impossible or quite difficult when coding in a notebook. I advise all of you to use this </a:t>
             </a:r>
             <a:r>
               <a:rPr lang="en-US" dirty="0" err="1" smtClean="0"/>
@@ -9787,7 +9741,9 @@
           </a:xfrm>
         </p:spPr>
         <p:txBody>
-          <a:bodyPr/>
+          <a:bodyPr>
+            <a:normAutofit/>
+          </a:bodyPr>
           <a:lstStyle/>
           <a:p>
             <a:pPr marL="0" indent="0">
@@ -9822,15 +9778,7 @@
             </a:r>
           </a:p>
           <a:p>
-            <a:pPr marL="0" indent="0">
-              <a:buNone/>
-            </a:pPr>
-            <a:endParaRPr lang="en-US" dirty="0"/>
-          </a:p>
-          <a:p>
-            <a:pPr marL="0" indent="0">
-              <a:buNone/>
-            </a:pPr>
+            <a:pPr lvl="1"/>
             <a:r>
               <a:rPr lang="en-US" dirty="0">
                 <a:hlinkClick r:id="rId2"/>
@@ -9843,7 +9791,10 @@
               </a:rPr>
               <a:t>/</a:t>
             </a:r>
-            <a:endParaRPr lang="en-US" dirty="0" smtClean="0"/>
+            <a:r>
+              <a:rPr lang="en-US" dirty="0"/>
+              <a:t> </a:t>
+            </a:r>
           </a:p>
           <a:p>
             <a:pPr marL="0" indent="0">
@@ -9857,7 +9808,7 @@
             </a:pPr>
             <a:r>
               <a:rPr lang="en-US" dirty="0" smtClean="0"/>
-              <a:t>You should think of a terminal as just a different interface on a Finder window </a:t>
+              <a:t>You should think of a terminal as just a different interface on a Finder window with some some extra programs built-in </a:t>
             </a:r>
           </a:p>
           <a:p>
@@ -10506,7 +10457,7 @@
             </a:pPr>
             <a:r>
               <a:rPr lang="en-US" dirty="0" smtClean="0"/>
-              <a:t>Latest version of python: 3.8.2 </a:t>
+              <a:t>Latest version of python: 3.9.4 </a:t>
             </a:r>
           </a:p>
           <a:p>
@@ -10520,7 +10471,7 @@
             </a:pPr>
             <a:r>
               <a:rPr lang="en-US" dirty="0" smtClean="0"/>
-              <a:t>Most libraries now require &gt;= 3.5 </a:t>
+              <a:t>Most libraries now require &gt;= 3.6 </a:t>
             </a:r>
             <a:endParaRPr lang="en-US" dirty="0"/>
           </a:p>

--- a/slides/intro.pptx
+++ b/slides/intro.pptx
@@ -207,7 +207,7 @@
           <a:p>
             <a:fld id="{D49A0B7E-B595-B14C-B05F-40313997F4EC}" type="datetimeFigureOut">
               <a:rPr lang="en-US" smtClean="0"/>
-              <a:t>4/30/21</a:t>
+              <a:t>5/7/21</a:t>
             </a:fld>
             <a:endParaRPr lang="en-US"/>
           </a:p>
@@ -271,38 +271,37 @@
           <a:p>
             <a:pPr lvl="0"/>
             <a:r>
-              <a:rPr lang="en-US" smtClean="0"/>
+              <a:rPr lang="en-US"/>
               <a:t>Click to edit Master text styles</a:t>
             </a:r>
           </a:p>
           <a:p>
             <a:pPr lvl="1"/>
             <a:r>
-              <a:rPr lang="en-US" smtClean="0"/>
+              <a:rPr lang="en-US"/>
               <a:t>Second level</a:t>
             </a:r>
           </a:p>
           <a:p>
             <a:pPr lvl="2"/>
             <a:r>
-              <a:rPr lang="en-US" smtClean="0"/>
+              <a:rPr lang="en-US"/>
               <a:t>Third level</a:t>
             </a:r>
           </a:p>
           <a:p>
             <a:pPr lvl="3"/>
             <a:r>
-              <a:rPr lang="en-US" smtClean="0"/>
+              <a:rPr lang="en-US"/>
               <a:t>Fourth level</a:t>
             </a:r>
           </a:p>
           <a:p>
             <a:pPr lvl="4"/>
             <a:r>
-              <a:rPr lang="en-US" smtClean="0"/>
+              <a:rPr lang="en-US"/>
               <a:t>Fifth level</a:t>
             </a:r>
-            <a:endParaRPr lang="en-US"/>
           </a:p>
         </p:txBody>
       </p:sp>
@@ -662,10 +661,9 @@
           </a:lstStyle>
           <a:p>
             <a:r>
-              <a:rPr lang="en-US" dirty="0" smtClean="0"/>
+              <a:rPr lang="en-US" dirty="0"/>
               <a:t>Click to edit Master title style</a:t>
             </a:r>
-            <a:endParaRPr lang="en-US" dirty="0"/>
           </a:p>
         </p:txBody>
       </p:sp>
@@ -729,10 +727,9 @@
           </a:lstStyle>
           <a:p>
             <a:r>
-              <a:rPr lang="en-US" dirty="0" smtClean="0"/>
+              <a:rPr lang="en-US" dirty="0"/>
               <a:t>Click to edit Master subtitle style</a:t>
             </a:r>
-            <a:endParaRPr lang="en-US" dirty="0"/>
           </a:p>
         </p:txBody>
       </p:sp>
@@ -753,7 +750,7 @@
           <a:p>
             <a:fld id="{51673806-0BCD-1F42-BAA8-2011034B3C6A}" type="datetimeFigureOut">
               <a:rPr lang="en-US" smtClean="0"/>
-              <a:t>4/30/21</a:t>
+              <a:t>5/7/21</a:t>
             </a:fld>
             <a:endParaRPr lang="en-US"/>
           </a:p>
@@ -1002,7 +999,7 @@
           </a:lstStyle>
           <a:p>
             <a:r>
-              <a:rPr lang="en-US" smtClean="0"/>
+              <a:rPr lang="en-US"/>
               <a:t>Click to edit Master title style</a:t>
             </a:r>
             <a:endParaRPr lang="en-US" dirty="0"/>
@@ -1078,7 +1075,7 @@
           </a:lstStyle>
           <a:p>
             <a:r>
-              <a:rPr lang="en-US" smtClean="0"/>
+              <a:rPr lang="en-US"/>
               <a:t>Drag picture to placeholder or click icon to add</a:t>
             </a:r>
             <a:endParaRPr lang="en-US" dirty="0"/>
@@ -1144,7 +1141,7 @@
           <a:p>
             <a:pPr lvl="0"/>
             <a:r>
-              <a:rPr lang="en-US" smtClean="0"/>
+              <a:rPr lang="en-US"/>
               <a:t>Click to edit Master text styles</a:t>
             </a:r>
           </a:p>
@@ -1167,7 +1164,7 @@
           <a:p>
             <a:fld id="{51673806-0BCD-1F42-BAA8-2011034B3C6A}" type="datetimeFigureOut">
               <a:rPr lang="en-US" smtClean="0"/>
-              <a:t>4/30/21</a:t>
+              <a:t>5/7/21</a:t>
             </a:fld>
             <a:endParaRPr lang="en-US"/>
           </a:p>
@@ -1409,7 +1406,7 @@
           </a:lstStyle>
           <a:p>
             <a:r>
-              <a:rPr lang="en-US" smtClean="0"/>
+              <a:rPr lang="en-US"/>
               <a:t>Click to edit Master title style</a:t>
             </a:r>
             <a:endParaRPr lang="en-US" dirty="0"/>
@@ -1475,7 +1472,7 @@
           <a:p>
             <a:pPr lvl="0"/>
             <a:r>
-              <a:rPr lang="en-US" smtClean="0"/>
+              <a:rPr lang="en-US"/>
               <a:t>Click to edit Master text styles</a:t>
             </a:r>
           </a:p>
@@ -1498,7 +1495,7 @@
           <a:p>
             <a:fld id="{51673806-0BCD-1F42-BAA8-2011034B3C6A}" type="datetimeFigureOut">
               <a:rPr lang="en-US" smtClean="0"/>
-              <a:t>4/30/21</a:t>
+              <a:t>5/7/21</a:t>
             </a:fld>
             <a:endParaRPr lang="en-US"/>
           </a:p>
@@ -1740,7 +1737,7 @@
           </a:lstStyle>
           <a:p>
             <a:r>
-              <a:rPr lang="en-US" smtClean="0"/>
+              <a:rPr lang="en-US"/>
               <a:t>Click to edit Master title style</a:t>
             </a:r>
             <a:endParaRPr lang="en-US" dirty="0"/>
@@ -1808,7 +1805,7 @@
           <a:p>
             <a:pPr lvl="0"/>
             <a:r>
-              <a:rPr lang="en-US" smtClean="0"/>
+              <a:rPr lang="en-US"/>
               <a:t>Click to edit Master text styles</a:t>
             </a:r>
           </a:p>
@@ -1875,7 +1872,7 @@
           <a:p>
             <a:pPr lvl="0"/>
             <a:r>
-              <a:rPr lang="en-US" smtClean="0"/>
+              <a:rPr lang="en-US"/>
               <a:t>Click to edit Master text styles</a:t>
             </a:r>
           </a:p>
@@ -1898,7 +1895,7 @@
           <a:p>
             <a:fld id="{51673806-0BCD-1F42-BAA8-2011034B3C6A}" type="datetimeFigureOut">
               <a:rPr lang="en-US" smtClean="0"/>
-              <a:t>4/30/21</a:t>
+              <a:t>5/7/21</a:t>
             </a:fld>
             <a:endParaRPr lang="en-US"/>
           </a:p>
@@ -2372,7 +2369,7 @@
           </a:lstStyle>
           <a:p>
             <a:r>
-              <a:rPr lang="en-US" smtClean="0"/>
+              <a:rPr lang="en-US"/>
               <a:t>Click to edit Master title style</a:t>
             </a:r>
             <a:endParaRPr lang="en-US" dirty="0"/>
@@ -2438,7 +2435,7 @@
           <a:p>
             <a:pPr lvl="0"/>
             <a:r>
-              <a:rPr lang="en-US" smtClean="0"/>
+              <a:rPr lang="en-US"/>
               <a:t>Click to edit Master text styles</a:t>
             </a:r>
           </a:p>
@@ -2461,7 +2458,7 @@
           <a:p>
             <a:fld id="{51673806-0BCD-1F42-BAA8-2011034B3C6A}" type="datetimeFigureOut">
               <a:rPr lang="en-US" smtClean="0"/>
-              <a:t>4/30/21</a:t>
+              <a:t>5/7/21</a:t>
             </a:fld>
             <a:endParaRPr lang="en-US"/>
           </a:p>
@@ -2699,7 +2696,7 @@
           <a:lstStyle/>
           <a:p>
             <a:r>
-              <a:rPr lang="en-US" smtClean="0"/>
+              <a:rPr lang="en-US"/>
               <a:t>Click to edit Master title style</a:t>
             </a:r>
             <a:endParaRPr lang="en-US" dirty="0"/>
@@ -2771,7 +2768,7 @@
           <a:p>
             <a:pPr lvl="0"/>
             <a:r>
-              <a:rPr lang="en-US" smtClean="0"/>
+              <a:rPr lang="en-US"/>
               <a:t>Click to edit Master text styles</a:t>
             </a:r>
           </a:p>
@@ -2838,7 +2835,7 @@
           <a:p>
             <a:pPr lvl="0"/>
             <a:r>
-              <a:rPr lang="en-US" smtClean="0"/>
+              <a:rPr lang="en-US"/>
               <a:t>Click to edit Master text styles</a:t>
             </a:r>
           </a:p>
@@ -2909,7 +2906,7 @@
           <a:p>
             <a:pPr lvl="0"/>
             <a:r>
-              <a:rPr lang="en-US" smtClean="0"/>
+              <a:rPr lang="en-US"/>
               <a:t>Click to edit Master text styles</a:t>
             </a:r>
           </a:p>
@@ -2976,7 +2973,7 @@
           <a:p>
             <a:pPr lvl="0"/>
             <a:r>
-              <a:rPr lang="en-US" smtClean="0"/>
+              <a:rPr lang="en-US"/>
               <a:t>Click to edit Master text styles</a:t>
             </a:r>
           </a:p>
@@ -3047,7 +3044,7 @@
           <a:p>
             <a:pPr lvl="0"/>
             <a:r>
-              <a:rPr lang="en-US" smtClean="0"/>
+              <a:rPr lang="en-US"/>
               <a:t>Click to edit Master text styles</a:t>
             </a:r>
           </a:p>
@@ -3114,7 +3111,7 @@
           <a:p>
             <a:pPr lvl="0"/>
             <a:r>
-              <a:rPr lang="en-US" smtClean="0"/>
+              <a:rPr lang="en-US"/>
               <a:t>Click to edit Master text styles</a:t>
             </a:r>
           </a:p>
@@ -3137,7 +3134,7 @@
           <a:p>
             <a:fld id="{51673806-0BCD-1F42-BAA8-2011034B3C6A}" type="datetimeFigureOut">
               <a:rPr lang="en-US" smtClean="0"/>
-              <a:t>4/30/21</a:t>
+              <a:t>5/7/21</a:t>
             </a:fld>
             <a:endParaRPr lang="en-US"/>
           </a:p>
@@ -3370,7 +3367,7 @@
           <a:lstStyle/>
           <a:p>
             <a:r>
-              <a:rPr lang="en-US" smtClean="0"/>
+              <a:rPr lang="en-US"/>
               <a:t>Click to edit Master title style</a:t>
             </a:r>
             <a:endParaRPr lang="en-US" dirty="0"/>
@@ -3442,7 +3439,7 @@
           <a:p>
             <a:pPr lvl="0"/>
             <a:r>
-              <a:rPr lang="en-US" smtClean="0"/>
+              <a:rPr lang="en-US"/>
               <a:t>Click to edit Master text styles</a:t>
             </a:r>
           </a:p>
@@ -3520,7 +3517,7 @@
           </a:lstStyle>
           <a:p>
             <a:r>
-              <a:rPr lang="en-US" smtClean="0"/>
+              <a:rPr lang="en-US"/>
               <a:t>Drag picture to placeholder or click icon to add</a:t>
             </a:r>
             <a:endParaRPr lang="en-US" dirty="0"/>
@@ -3588,7 +3585,7 @@
           <a:p>
             <a:pPr lvl="0"/>
             <a:r>
-              <a:rPr lang="en-US" smtClean="0"/>
+              <a:rPr lang="en-US"/>
               <a:t>Click to edit Master text styles</a:t>
             </a:r>
           </a:p>
@@ -3659,7 +3656,7 @@
           <a:p>
             <a:pPr lvl="0"/>
             <a:r>
-              <a:rPr lang="en-US" smtClean="0"/>
+              <a:rPr lang="en-US"/>
               <a:t>Click to edit Master text styles</a:t>
             </a:r>
           </a:p>
@@ -3737,7 +3734,7 @@
           </a:lstStyle>
           <a:p>
             <a:r>
-              <a:rPr lang="en-US" smtClean="0"/>
+              <a:rPr lang="en-US"/>
               <a:t>Drag picture to placeholder or click icon to add</a:t>
             </a:r>
             <a:endParaRPr lang="en-US" dirty="0"/>
@@ -3805,7 +3802,7 @@
           <a:p>
             <a:pPr lvl="0"/>
             <a:r>
-              <a:rPr lang="en-US" smtClean="0"/>
+              <a:rPr lang="en-US"/>
               <a:t>Click to edit Master text styles</a:t>
             </a:r>
           </a:p>
@@ -3876,7 +3873,7 @@
           <a:p>
             <a:pPr lvl="0"/>
             <a:r>
-              <a:rPr lang="en-US" smtClean="0"/>
+              <a:rPr lang="en-US"/>
               <a:t>Click to edit Master text styles</a:t>
             </a:r>
           </a:p>
@@ -3954,7 +3951,7 @@
           </a:lstStyle>
           <a:p>
             <a:r>
-              <a:rPr lang="en-US" smtClean="0"/>
+              <a:rPr lang="en-US"/>
               <a:t>Drag picture to placeholder or click icon to add</a:t>
             </a:r>
             <a:endParaRPr lang="en-US" dirty="0"/>
@@ -4022,7 +4019,7 @@
           <a:p>
             <a:pPr lvl="0"/>
             <a:r>
-              <a:rPr lang="en-US" smtClean="0"/>
+              <a:rPr lang="en-US"/>
               <a:t>Click to edit Master text styles</a:t>
             </a:r>
           </a:p>
@@ -4045,7 +4042,7 @@
           <a:p>
             <a:fld id="{51673806-0BCD-1F42-BAA8-2011034B3C6A}" type="datetimeFigureOut">
               <a:rPr lang="en-US" smtClean="0"/>
-              <a:t>4/30/21</a:t>
+              <a:t>5/7/21</a:t>
             </a:fld>
             <a:endParaRPr lang="en-US"/>
           </a:p>
@@ -4277,7 +4274,7 @@
           </a:lstStyle>
           <a:p>
             <a:r>
-              <a:rPr lang="en-US" smtClean="0"/>
+              <a:rPr lang="en-US"/>
               <a:t>Click to edit Master title style</a:t>
             </a:r>
             <a:endParaRPr lang="en-US" dirty="0"/>
@@ -4301,35 +4298,35 @@
           <a:p>
             <a:pPr lvl="0"/>
             <a:r>
-              <a:rPr lang="en-US" smtClean="0"/>
+              <a:rPr lang="en-US"/>
               <a:t>Click to edit Master text styles</a:t>
             </a:r>
           </a:p>
           <a:p>
             <a:pPr lvl="1"/>
             <a:r>
-              <a:rPr lang="en-US" smtClean="0"/>
+              <a:rPr lang="en-US"/>
               <a:t>Second level</a:t>
             </a:r>
           </a:p>
           <a:p>
             <a:pPr lvl="2"/>
             <a:r>
-              <a:rPr lang="en-US" smtClean="0"/>
+              <a:rPr lang="en-US"/>
               <a:t>Third level</a:t>
             </a:r>
           </a:p>
           <a:p>
             <a:pPr lvl="3"/>
             <a:r>
-              <a:rPr lang="en-US" smtClean="0"/>
+              <a:rPr lang="en-US"/>
               <a:t>Fourth level</a:t>
             </a:r>
           </a:p>
           <a:p>
             <a:pPr lvl="4"/>
             <a:r>
-              <a:rPr lang="en-US" smtClean="0"/>
+              <a:rPr lang="en-US"/>
               <a:t>Fifth level</a:t>
             </a:r>
             <a:endParaRPr lang="en-US" dirty="0"/>
@@ -4353,7 +4350,7 @@
           <a:p>
             <a:fld id="{51673806-0BCD-1F42-BAA8-2011034B3C6A}" type="datetimeFigureOut">
               <a:rPr lang="en-US" smtClean="0"/>
-              <a:t>4/30/21</a:t>
+              <a:t>5/7/21</a:t>
             </a:fld>
             <a:endParaRPr lang="en-US"/>
           </a:p>
@@ -4526,7 +4523,7 @@
           <a:lstStyle/>
           <a:p>
             <a:r>
-              <a:rPr lang="en-US" smtClean="0"/>
+              <a:rPr lang="en-US"/>
               <a:t>Click to edit Master title style</a:t>
             </a:r>
             <a:endParaRPr lang="en-US" dirty="0"/>
@@ -4555,35 +4552,35 @@
           <a:p>
             <a:pPr lvl="0"/>
             <a:r>
-              <a:rPr lang="en-US" smtClean="0"/>
+              <a:rPr lang="en-US"/>
               <a:t>Click to edit Master text styles</a:t>
             </a:r>
           </a:p>
           <a:p>
             <a:pPr lvl="1"/>
             <a:r>
-              <a:rPr lang="en-US" smtClean="0"/>
+              <a:rPr lang="en-US"/>
               <a:t>Second level</a:t>
             </a:r>
           </a:p>
           <a:p>
             <a:pPr lvl="2"/>
             <a:r>
-              <a:rPr lang="en-US" smtClean="0"/>
+              <a:rPr lang="en-US"/>
               <a:t>Third level</a:t>
             </a:r>
           </a:p>
           <a:p>
             <a:pPr lvl="3"/>
             <a:r>
-              <a:rPr lang="en-US" smtClean="0"/>
+              <a:rPr lang="en-US"/>
               <a:t>Fourth level</a:t>
             </a:r>
           </a:p>
           <a:p>
             <a:pPr lvl="4"/>
             <a:r>
-              <a:rPr lang="en-US" smtClean="0"/>
+              <a:rPr lang="en-US"/>
               <a:t>Fifth level</a:t>
             </a:r>
             <a:endParaRPr lang="en-US" dirty="0"/>
@@ -4612,7 +4609,7 @@
           <a:p>
             <a:fld id="{51673806-0BCD-1F42-BAA8-2011034B3C6A}" type="datetimeFigureOut">
               <a:rPr lang="en-US" smtClean="0"/>
-              <a:t>4/30/21</a:t>
+              <a:t>5/7/21</a:t>
             </a:fld>
             <a:endParaRPr lang="en-US"/>
           </a:p>
@@ -4859,7 +4856,7 @@
           <a:lstStyle/>
           <a:p>
             <a:r>
-              <a:rPr lang="en-US" smtClean="0"/>
+              <a:rPr lang="en-US"/>
               <a:t>Click to edit Master title style</a:t>
             </a:r>
             <a:endParaRPr lang="en-US" dirty="0"/>
@@ -4883,35 +4880,35 @@
           <a:p>
             <a:pPr lvl="0"/>
             <a:r>
-              <a:rPr lang="en-US" smtClean="0"/>
+              <a:rPr lang="en-US"/>
               <a:t>Click to edit Master text styles</a:t>
             </a:r>
           </a:p>
           <a:p>
             <a:pPr lvl="1"/>
             <a:r>
-              <a:rPr lang="en-US" smtClean="0"/>
+              <a:rPr lang="en-US"/>
               <a:t>Second level</a:t>
             </a:r>
           </a:p>
           <a:p>
             <a:pPr lvl="2"/>
             <a:r>
-              <a:rPr lang="en-US" smtClean="0"/>
+              <a:rPr lang="en-US"/>
               <a:t>Third level</a:t>
             </a:r>
           </a:p>
           <a:p>
             <a:pPr lvl="3"/>
             <a:r>
-              <a:rPr lang="en-US" smtClean="0"/>
+              <a:rPr lang="en-US"/>
               <a:t>Fourth level</a:t>
             </a:r>
           </a:p>
           <a:p>
             <a:pPr lvl="4"/>
             <a:r>
-              <a:rPr lang="en-US" smtClean="0"/>
+              <a:rPr lang="en-US"/>
               <a:t>Fifth level</a:t>
             </a:r>
             <a:endParaRPr lang="en-US" dirty="0"/>
@@ -4935,7 +4932,7 @@
           <a:p>
             <a:fld id="{51673806-0BCD-1F42-BAA8-2011034B3C6A}" type="datetimeFigureOut">
               <a:rPr lang="en-US" smtClean="0"/>
-              <a:t>4/30/21</a:t>
+              <a:t>5/7/21</a:t>
             </a:fld>
             <a:endParaRPr lang="en-US"/>
           </a:p>
@@ -5174,7 +5171,7 @@
           </a:lstStyle>
           <a:p>
             <a:r>
-              <a:rPr lang="en-US" smtClean="0"/>
+              <a:rPr lang="en-US"/>
               <a:t>Click to edit Master title style</a:t>
             </a:r>
             <a:endParaRPr lang="en-US" dirty="0"/>
@@ -5296,7 +5293,7 @@
           <a:p>
             <a:pPr lvl="0"/>
             <a:r>
-              <a:rPr lang="en-US" smtClean="0"/>
+              <a:rPr lang="en-US"/>
               <a:t>Click to edit Master text styles</a:t>
             </a:r>
           </a:p>
@@ -5319,7 +5316,7 @@
           <a:p>
             <a:fld id="{51673806-0BCD-1F42-BAA8-2011034B3C6A}" type="datetimeFigureOut">
               <a:rPr lang="en-US" smtClean="0"/>
-              <a:t>4/30/21</a:t>
+              <a:t>5/7/21</a:t>
             </a:fld>
             <a:endParaRPr lang="en-US"/>
           </a:p>
@@ -5557,7 +5554,7 @@
           <a:lstStyle/>
           <a:p>
             <a:r>
-              <a:rPr lang="en-US" smtClean="0"/>
+              <a:rPr lang="en-US"/>
               <a:t>Click to edit Master title style</a:t>
             </a:r>
             <a:endParaRPr lang="en-US" dirty="0"/>
@@ -5586,35 +5583,35 @@
           <a:p>
             <a:pPr lvl="0"/>
             <a:r>
-              <a:rPr lang="en-US" smtClean="0"/>
+              <a:rPr lang="en-US"/>
               <a:t>Click to edit Master text styles</a:t>
             </a:r>
           </a:p>
           <a:p>
             <a:pPr lvl="1"/>
             <a:r>
-              <a:rPr lang="en-US" smtClean="0"/>
+              <a:rPr lang="en-US"/>
               <a:t>Second level</a:t>
             </a:r>
           </a:p>
           <a:p>
             <a:pPr lvl="2"/>
             <a:r>
-              <a:rPr lang="en-US" smtClean="0"/>
+              <a:rPr lang="en-US"/>
               <a:t>Third level</a:t>
             </a:r>
           </a:p>
           <a:p>
             <a:pPr lvl="3"/>
             <a:r>
-              <a:rPr lang="en-US" smtClean="0"/>
+              <a:rPr lang="en-US"/>
               <a:t>Fourth level</a:t>
             </a:r>
           </a:p>
           <a:p>
             <a:pPr lvl="4"/>
             <a:r>
-              <a:rPr lang="en-US" smtClean="0"/>
+              <a:rPr lang="en-US"/>
               <a:t>Fifth level</a:t>
             </a:r>
             <a:endParaRPr lang="en-US" dirty="0"/>
@@ -5643,35 +5640,35 @@
           <a:p>
             <a:pPr lvl="0"/>
             <a:r>
-              <a:rPr lang="en-US" smtClean="0"/>
+              <a:rPr lang="en-US"/>
               <a:t>Click to edit Master text styles</a:t>
             </a:r>
           </a:p>
           <a:p>
             <a:pPr lvl="1"/>
             <a:r>
-              <a:rPr lang="en-US" smtClean="0"/>
+              <a:rPr lang="en-US"/>
               <a:t>Second level</a:t>
             </a:r>
           </a:p>
           <a:p>
             <a:pPr lvl="2"/>
             <a:r>
-              <a:rPr lang="en-US" smtClean="0"/>
+              <a:rPr lang="en-US"/>
               <a:t>Third level</a:t>
             </a:r>
           </a:p>
           <a:p>
             <a:pPr lvl="3"/>
             <a:r>
-              <a:rPr lang="en-US" smtClean="0"/>
+              <a:rPr lang="en-US"/>
               <a:t>Fourth level</a:t>
             </a:r>
           </a:p>
           <a:p>
             <a:pPr lvl="4"/>
             <a:r>
-              <a:rPr lang="en-US" smtClean="0"/>
+              <a:rPr lang="en-US"/>
               <a:t>Fifth level</a:t>
             </a:r>
             <a:endParaRPr lang="en-US" dirty="0"/>
@@ -5695,7 +5692,7 @@
           <a:p>
             <a:fld id="{51673806-0BCD-1F42-BAA8-2011034B3C6A}" type="datetimeFigureOut">
               <a:rPr lang="en-US" smtClean="0"/>
-              <a:t>4/30/21</a:t>
+              <a:t>5/7/21</a:t>
             </a:fld>
             <a:endParaRPr lang="en-US"/>
           </a:p>
@@ -5933,7 +5930,7 @@
           <a:lstStyle/>
           <a:p>
             <a:r>
-              <a:rPr lang="en-US" smtClean="0"/>
+              <a:rPr lang="en-US"/>
               <a:t>Click to edit Master title style</a:t>
             </a:r>
             <a:endParaRPr lang="en-US" dirty="0"/>
@@ -5999,7 +5996,7 @@
           <a:p>
             <a:pPr lvl="0"/>
             <a:r>
-              <a:rPr lang="en-US" smtClean="0"/>
+              <a:rPr lang="en-US"/>
               <a:t>Click to edit Master text styles</a:t>
             </a:r>
           </a:p>
@@ -6027,35 +6024,35 @@
           <a:p>
             <a:pPr lvl="0"/>
             <a:r>
-              <a:rPr lang="en-US" smtClean="0"/>
+              <a:rPr lang="en-US"/>
               <a:t>Click to edit Master text styles</a:t>
             </a:r>
           </a:p>
           <a:p>
             <a:pPr lvl="1"/>
             <a:r>
-              <a:rPr lang="en-US" smtClean="0"/>
+              <a:rPr lang="en-US"/>
               <a:t>Second level</a:t>
             </a:r>
           </a:p>
           <a:p>
             <a:pPr lvl="2"/>
             <a:r>
-              <a:rPr lang="en-US" smtClean="0"/>
+              <a:rPr lang="en-US"/>
               <a:t>Third level</a:t>
             </a:r>
           </a:p>
           <a:p>
             <a:pPr lvl="3"/>
             <a:r>
-              <a:rPr lang="en-US" smtClean="0"/>
+              <a:rPr lang="en-US"/>
               <a:t>Fourth level</a:t>
             </a:r>
           </a:p>
           <a:p>
             <a:pPr lvl="4"/>
             <a:r>
-              <a:rPr lang="en-US" smtClean="0"/>
+              <a:rPr lang="en-US"/>
               <a:t>Fifth level</a:t>
             </a:r>
             <a:endParaRPr lang="en-US" dirty="0"/>
@@ -6121,7 +6118,7 @@
           <a:p>
             <a:pPr lvl="0"/>
             <a:r>
-              <a:rPr lang="en-US" smtClean="0"/>
+              <a:rPr lang="en-US"/>
               <a:t>Click to edit Master text styles</a:t>
             </a:r>
           </a:p>
@@ -6149,35 +6146,35 @@
           <a:p>
             <a:pPr lvl="0"/>
             <a:r>
-              <a:rPr lang="en-US" smtClean="0"/>
+              <a:rPr lang="en-US"/>
               <a:t>Click to edit Master text styles</a:t>
             </a:r>
           </a:p>
           <a:p>
             <a:pPr lvl="1"/>
             <a:r>
-              <a:rPr lang="en-US" smtClean="0"/>
+              <a:rPr lang="en-US"/>
               <a:t>Second level</a:t>
             </a:r>
           </a:p>
           <a:p>
             <a:pPr lvl="2"/>
             <a:r>
-              <a:rPr lang="en-US" smtClean="0"/>
+              <a:rPr lang="en-US"/>
               <a:t>Third level</a:t>
             </a:r>
           </a:p>
           <a:p>
             <a:pPr lvl="3"/>
             <a:r>
-              <a:rPr lang="en-US" smtClean="0"/>
+              <a:rPr lang="en-US"/>
               <a:t>Fourth level</a:t>
             </a:r>
           </a:p>
           <a:p>
             <a:pPr lvl="4"/>
             <a:r>
-              <a:rPr lang="en-US" smtClean="0"/>
+              <a:rPr lang="en-US"/>
               <a:t>Fifth level</a:t>
             </a:r>
             <a:endParaRPr lang="en-US" dirty="0"/>
@@ -6201,7 +6198,7 @@
           <a:p>
             <a:fld id="{51673806-0BCD-1F42-BAA8-2011034B3C6A}" type="datetimeFigureOut">
               <a:rPr lang="en-US" smtClean="0"/>
-              <a:t>4/30/21</a:t>
+              <a:t>5/7/21</a:t>
             </a:fld>
             <a:endParaRPr lang="en-US"/>
           </a:p>
@@ -6434,7 +6431,7 @@
           <a:lstStyle/>
           <a:p>
             <a:r>
-              <a:rPr lang="en-US" smtClean="0"/>
+              <a:rPr lang="en-US"/>
               <a:t>Click to edit Master title style</a:t>
             </a:r>
             <a:endParaRPr lang="en-US" dirty="0"/>
@@ -6458,7 +6455,7 @@
           <a:p>
             <a:fld id="{51673806-0BCD-1F42-BAA8-2011034B3C6A}" type="datetimeFigureOut">
               <a:rPr lang="en-US" smtClean="0"/>
-              <a:t>4/30/21</a:t>
+              <a:t>5/7/21</a:t>
             </a:fld>
             <a:endParaRPr lang="en-US"/>
           </a:p>
@@ -6616,7 +6613,7 @@
           <a:p>
             <a:fld id="{51673806-0BCD-1F42-BAA8-2011034B3C6A}" type="datetimeFigureOut">
               <a:rPr lang="en-US" smtClean="0"/>
-              <a:t>4/30/21</a:t>
+              <a:t>5/7/21</a:t>
             </a:fld>
             <a:endParaRPr lang="en-US"/>
           </a:p>
@@ -6860,7 +6857,7 @@
           </a:lstStyle>
           <a:p>
             <a:r>
-              <a:rPr lang="en-US" smtClean="0"/>
+              <a:rPr lang="en-US"/>
               <a:t>Click to edit Master title style</a:t>
             </a:r>
             <a:endParaRPr lang="en-US" dirty="0"/>
@@ -6889,35 +6886,35 @@
           <a:p>
             <a:pPr lvl="0"/>
             <a:r>
-              <a:rPr lang="en-US" smtClean="0"/>
+              <a:rPr lang="en-US"/>
               <a:t>Click to edit Master text styles</a:t>
             </a:r>
           </a:p>
           <a:p>
             <a:pPr lvl="1"/>
             <a:r>
-              <a:rPr lang="en-US" smtClean="0"/>
+              <a:rPr lang="en-US"/>
               <a:t>Second level</a:t>
             </a:r>
           </a:p>
           <a:p>
             <a:pPr lvl="2"/>
             <a:r>
-              <a:rPr lang="en-US" smtClean="0"/>
+              <a:rPr lang="en-US"/>
               <a:t>Third level</a:t>
             </a:r>
           </a:p>
           <a:p>
             <a:pPr lvl="3"/>
             <a:r>
-              <a:rPr lang="en-US" smtClean="0"/>
+              <a:rPr lang="en-US"/>
               <a:t>Fourth level</a:t>
             </a:r>
           </a:p>
           <a:p>
             <a:pPr lvl="4"/>
             <a:r>
-              <a:rPr lang="en-US" smtClean="0"/>
+              <a:rPr lang="en-US"/>
               <a:t>Fifth level</a:t>
             </a:r>
             <a:endParaRPr lang="en-US" dirty="0"/>
@@ -6983,7 +6980,7 @@
           <a:p>
             <a:pPr lvl="0"/>
             <a:r>
-              <a:rPr lang="en-US" smtClean="0"/>
+              <a:rPr lang="en-US"/>
               <a:t>Click to edit Master text styles</a:t>
             </a:r>
           </a:p>
@@ -7006,7 +7003,7 @@
           <a:p>
             <a:fld id="{51673806-0BCD-1F42-BAA8-2011034B3C6A}" type="datetimeFigureOut">
               <a:rPr lang="en-US" smtClean="0"/>
-              <a:t>4/30/21</a:t>
+              <a:t>5/7/21</a:t>
             </a:fld>
             <a:endParaRPr lang="en-US"/>
           </a:p>
@@ -7250,7 +7247,7 @@
           </a:lstStyle>
           <a:p>
             <a:r>
-              <a:rPr lang="en-US" smtClean="0"/>
+              <a:rPr lang="en-US"/>
               <a:t>Click to edit Master title style</a:t>
             </a:r>
             <a:endParaRPr lang="en-US" dirty="0"/>
@@ -7326,7 +7323,7 @@
           </a:lstStyle>
           <a:p>
             <a:r>
-              <a:rPr lang="en-US" smtClean="0"/>
+              <a:rPr lang="en-US"/>
               <a:t>Drag picture to placeholder or click icon to add</a:t>
             </a:r>
             <a:endParaRPr lang="en-US" dirty="0"/>
@@ -7392,7 +7389,7 @@
           <a:p>
             <a:pPr lvl="0"/>
             <a:r>
-              <a:rPr lang="en-US" smtClean="0"/>
+              <a:rPr lang="en-US"/>
               <a:t>Click to edit Master text styles</a:t>
             </a:r>
           </a:p>
@@ -7415,7 +7412,7 @@
           <a:p>
             <a:fld id="{51673806-0BCD-1F42-BAA8-2011034B3C6A}" type="datetimeFigureOut">
               <a:rPr lang="en-US" smtClean="0"/>
-              <a:t>4/30/21</a:t>
+              <a:t>5/7/21</a:t>
             </a:fld>
             <a:endParaRPr lang="en-US"/>
           </a:p>
@@ -7437,7 +7434,7 @@
           <a:lstStyle/>
           <a:p>
             <a:r>
-              <a:rPr lang="en-US" smtClean="0"/>
+              <a:rPr lang="en-US"/>
               <a:t>
               </a:t>
             </a:r>
@@ -7555,10 +7552,9 @@
           <a:lstStyle/>
           <a:p>
             <a:r>
-              <a:rPr lang="en-US" dirty="0" smtClean="0"/>
+              <a:rPr lang="en-US" dirty="0"/>
               <a:t>Click to edit Master title style</a:t>
             </a:r>
-            <a:endParaRPr lang="en-US" dirty="0"/>
           </a:p>
         </p:txBody>
       </p:sp>
@@ -7589,38 +7585,37 @@
           <a:p>
             <a:pPr lvl="0"/>
             <a:r>
-              <a:rPr lang="en-US" dirty="0" smtClean="0"/>
+              <a:rPr lang="en-US" dirty="0"/>
               <a:t>Click to edit Master text styles</a:t>
             </a:r>
           </a:p>
           <a:p>
             <a:pPr lvl="1"/>
             <a:r>
-              <a:rPr lang="en-US" dirty="0" smtClean="0"/>
+              <a:rPr lang="en-US" dirty="0"/>
               <a:t>Second level</a:t>
             </a:r>
           </a:p>
           <a:p>
             <a:pPr lvl="2"/>
             <a:r>
-              <a:rPr lang="en-US" dirty="0" smtClean="0"/>
+              <a:rPr lang="en-US" dirty="0"/>
               <a:t>Third level</a:t>
             </a:r>
           </a:p>
           <a:p>
             <a:pPr lvl="3"/>
             <a:r>
-              <a:rPr lang="en-US" dirty="0" smtClean="0"/>
+              <a:rPr lang="en-US" dirty="0"/>
               <a:t>Fourth level</a:t>
             </a:r>
           </a:p>
           <a:p>
             <a:pPr lvl="4"/>
             <a:r>
-              <a:rPr lang="en-US" dirty="0" smtClean="0"/>
+              <a:rPr lang="en-US" dirty="0"/>
               <a:t>Fifth level</a:t>
             </a:r>
-            <a:endParaRPr lang="en-US" dirty="0"/>
           </a:p>
         </p:txBody>
       </p:sp>
@@ -7663,7 +7658,7 @@
             <a:fld id="{51673806-0BCD-1F42-BAA8-2011034B3C6A}" type="datetimeFigureOut">
               <a:rPr lang="en-US" smtClean="0"/>
               <a:pPr/>
-              <a:t>4/30/21</a:t>
+              <a:t>5/7/21</a:t>
             </a:fld>
             <a:endParaRPr lang="en-US" dirty="0"/>
           </a:p>
@@ -8102,10 +8097,9 @@
           <a:lstStyle/>
           <a:p>
             <a:r>
-              <a:rPr lang="en-US" dirty="0" smtClean="0"/>
+              <a:rPr lang="en-US" dirty="0"/>
               <a:t>Introduction</a:t>
             </a:r>
-            <a:endParaRPr lang="en-US" dirty="0"/>
           </a:p>
         </p:txBody>
       </p:sp>
@@ -8128,11 +8122,7 @@
           <a:p>
             <a:r>
               <a:rPr lang="en-US"/>
-              <a:t>SURP </a:t>
-            </a:r>
-            <a:r>
-              <a:rPr lang="en-US" smtClean="0"/>
-              <a:t>2021 </a:t>
+              <a:t>SURP 2021 </a:t>
             </a:r>
             <a:r>
               <a:rPr lang="en-US" dirty="0"/>
@@ -8148,13 +8138,8 @@
           <a:p>
             <a:r>
               <a:rPr lang="en-US" dirty="0"/>
-              <a:t>Slides by: James W. </a:t>
-            </a:r>
-            <a:r>
-              <a:rPr lang="en-US" dirty="0" smtClean="0"/>
-              <a:t>Johnson</a:t>
-            </a:r>
-            <a:endParaRPr lang="en-US" dirty="0"/>
+              <a:t>Slides by: James W. Johnson</a:t>
+            </a:r>
           </a:p>
         </p:txBody>
       </p:sp>
@@ -8168,13 +8153,6 @@
   <p:clrMapOvr>
     <a:masterClrMapping/>
   </p:clrMapOvr>
-  <p:timing>
-    <p:tnLst>
-      <p:par>
-        <p:cTn id="1" dur="indefinite" restart="never" nodeType="tmRoot"/>
-      </p:par>
-    </p:tnLst>
-  </p:timing>
 </p:sld>
 </file>
 
@@ -8211,10 +8189,9 @@
           <a:lstStyle/>
           <a:p>
             <a:r>
-              <a:rPr lang="en-US" dirty="0" smtClean="0"/>
+              <a:rPr lang="en-US" dirty="0"/>
               <a:t>Other Resources</a:t>
             </a:r>
-            <a:endParaRPr lang="en-US" dirty="0"/>
           </a:p>
         </p:txBody>
       </p:sp>
@@ -8248,22 +8225,16 @@
               <a:buNone/>
             </a:pPr>
             <a:r>
-              <a:rPr lang="en-US" dirty="0" smtClean="0"/>
+              <a:rPr lang="en-US" dirty="0"/>
               <a:t>Python Foundation’s Beginner’s Guide: </a:t>
             </a:r>
             <a:r>
               <a:rPr lang="en-US" dirty="0">
                 <a:hlinkClick r:id="rId2"/>
               </a:rPr>
-              <a:t>https://www.python.org/about/gettingstarted</a:t>
-            </a:r>
-            <a:r>
-              <a:rPr lang="en-US" dirty="0" smtClean="0">
-                <a:hlinkClick r:id="rId2"/>
-              </a:rPr>
-              <a:t>/</a:t>
-            </a:r>
-            <a:endParaRPr lang="en-US" dirty="0" smtClean="0"/>
+              <a:t>https://www.python.org/about/gettingstarted/</a:t>
+            </a:r>
+            <a:endParaRPr lang="en-US" dirty="0"/>
           </a:p>
           <a:p>
             <a:pPr marL="0" lvl="0" indent="0">
@@ -8275,7 +8246,7 @@
               </a:spcBef>
               <a:buNone/>
             </a:pPr>
-            <a:endParaRPr lang="en-US" dirty="0" smtClean="0"/>
+            <a:endParaRPr lang="en-US" dirty="0"/>
           </a:p>
           <a:p>
             <a:pPr marL="0" lvl="0" indent="0">
@@ -8287,7 +8258,7 @@
               </a:spcBef>
               <a:buNone/>
             </a:pPr>
-            <a:endParaRPr lang="en-US" dirty="0" smtClean="0"/>
+            <a:endParaRPr lang="en-US" dirty="0"/>
           </a:p>
           <a:p>
             <a:pPr marL="0" lvl="0" indent="0">
@@ -8315,16 +8286,10 @@
               <a:rPr lang="en-US" dirty="0">
                 <a:hlinkClick r:id="rId3"/>
               </a:rPr>
-              <a:t>https://www.learnpython.org</a:t>
-            </a:r>
-            <a:r>
-              <a:rPr lang="en-US" dirty="0" smtClean="0">
-                <a:hlinkClick r:id="rId3"/>
-              </a:rPr>
-              <a:t>/</a:t>
-            </a:r>
-            <a:r>
-              <a:rPr lang="en-US" dirty="0" smtClean="0"/>
+              <a:t>https://www.learnpython.org/</a:t>
+            </a:r>
+            <a:r>
+              <a:rPr lang="en-US" dirty="0"/>
               <a:t> - There is also an iOS app for this </a:t>
             </a:r>
           </a:p>
@@ -8338,7 +8303,7 @@
               </a:spcBef>
               <a:buNone/>
             </a:pPr>
-            <a:endParaRPr lang="en-US" dirty="0" smtClean="0"/>
+            <a:endParaRPr lang="en-US" dirty="0"/>
           </a:p>
           <a:p>
             <a:pPr marL="0" lvl="0" indent="0">
@@ -8350,7 +8315,7 @@
               </a:spcBef>
               <a:buNone/>
             </a:pPr>
-            <a:endParaRPr lang="en-US" dirty="0" smtClean="0"/>
+            <a:endParaRPr lang="en-US" dirty="0"/>
           </a:p>
           <a:p>
             <a:pPr marL="0" lvl="0" indent="0">
@@ -8375,22 +8340,20 @@
               <a:buNone/>
             </a:pPr>
             <a:r>
-              <a:rPr lang="en-US" dirty="0" smtClean="0"/>
-              <a:t>Code Academy: </a:t>
+              <a:rPr lang="en-US" dirty="0" err="1"/>
+              <a:t>Codecademy</a:t>
+            </a:r>
+            <a:r>
+              <a:rPr lang="en-US" dirty="0"/>
+              <a:t>: </a:t>
             </a:r>
             <a:r>
               <a:rPr lang="en-US" dirty="0">
                 <a:hlinkClick r:id="rId4"/>
               </a:rPr>
-              <a:t>https://</a:t>
-            </a:r>
-            <a:r>
-              <a:rPr lang="en-US" dirty="0" smtClean="0">
-                <a:hlinkClick r:id="rId4"/>
-              </a:rPr>
-              <a:t>www.codecademy.com/learn/learn-python-3</a:t>
-            </a:r>
-            <a:endParaRPr lang="en-US" dirty="0" smtClean="0"/>
+              <a:t>https://www.codecademy.com/learn/learn-python-3</a:t>
+            </a:r>
+            <a:endParaRPr lang="en-US" dirty="0"/>
           </a:p>
           <a:p>
             <a:pPr marL="0" lvl="0" indent="0">
@@ -8402,7 +8365,7 @@
               </a:spcBef>
               <a:buNone/>
             </a:pPr>
-            <a:endParaRPr lang="en-US" dirty="0" smtClean="0"/>
+            <a:endParaRPr lang="en-US" dirty="0"/>
           </a:p>
         </p:txBody>
       </p:sp>
@@ -8452,10 +8415,9 @@
           <a:lstStyle/>
           <a:p>
             <a:r>
-              <a:rPr lang="en-US" dirty="0" smtClean="0"/>
+              <a:rPr lang="en-US" dirty="0"/>
               <a:t>Goals </a:t>
             </a:r>
-            <a:endParaRPr lang="en-US" dirty="0"/>
           </a:p>
         </p:txBody>
       </p:sp>
@@ -8485,28 +8447,28 @@
               <a:buNone/>
             </a:pPr>
             <a:r>
-              <a:rPr lang="en-US" dirty="0" smtClean="0"/>
+              <a:rPr lang="en-US" dirty="0"/>
               <a:t>What we’ll aim to cover: </a:t>
             </a:r>
           </a:p>
           <a:p>
             <a:pPr lvl="1"/>
             <a:r>
-              <a:rPr lang="en-US" dirty="0" smtClean="0"/>
-              <a:t>Review of how to use a terminal </a:t>
+              <a:rPr lang="en-US" dirty="0"/>
+              <a:t>How to use a terminal </a:t>
             </a:r>
           </a:p>
           <a:p>
             <a:pPr lvl="1"/>
             <a:r>
-              <a:rPr lang="en-US" dirty="0" smtClean="0"/>
+              <a:rPr lang="en-US" dirty="0"/>
               <a:t>Review of the basics: control structures, data types, functions, import, etc. </a:t>
             </a:r>
           </a:p>
           <a:p>
             <a:pPr lvl="1"/>
             <a:r>
-              <a:rPr lang="en-US" dirty="0" smtClean="0"/>
+              <a:rPr lang="en-US" dirty="0"/>
               <a:t>How to read documentation </a:t>
             </a:r>
           </a:p>
@@ -8514,36 +8476,27 @@
             <a:pPr lvl="1"/>
             <a:r>
               <a:rPr lang="en-US" dirty="0"/>
-              <a:t>How to import your own code, and how to set up </a:t>
-            </a:r>
-            <a:r>
-              <a:rPr lang="en-US" dirty="0" smtClean="0"/>
-              <a:t>a directory tree to </a:t>
-            </a:r>
+              <a:t>How to import your own code, and how to set up a directory tree to organize it </a:t>
+            </a:r>
+          </a:p>
+          <a:p>
+            <a:pPr lvl="1"/>
             <a:r>
               <a:rPr lang="en-US" dirty="0"/>
-              <a:t>organize it </a:t>
-            </a:r>
-            <a:endParaRPr lang="en-US" dirty="0" smtClean="0"/>
+              <a:t>Classes: how to make new objects </a:t>
+            </a:r>
+          </a:p>
+          <a:p>
+            <a:pPr lvl="2"/>
+            <a:r>
+              <a:rPr lang="en-US" dirty="0"/>
+              <a:t>Inheritance and Composition </a:t>
+            </a:r>
           </a:p>
           <a:p>
             <a:pPr lvl="1"/>
             <a:r>
-              <a:rPr lang="en-US" dirty="0" smtClean="0"/>
-              <a:t>Classes: how to make new objects </a:t>
-            </a:r>
-          </a:p>
-          <a:p>
-            <a:pPr lvl="2"/>
-            <a:r>
-              <a:rPr lang="en-US" dirty="0" smtClean="0"/>
-              <a:t>Inheritance and Composition </a:t>
-            </a:r>
-          </a:p>
-          <a:p>
-            <a:pPr lvl="1"/>
-            <a:r>
-              <a:rPr lang="en-US" dirty="0" smtClean="0"/>
+              <a:rPr lang="en-US" dirty="0"/>
               <a:t>Some basic software engineering principles (i.e. good habits) </a:t>
             </a:r>
           </a:p>
@@ -8551,7 +8504,7 @@
             <a:pPr marL="0" indent="0">
               <a:buNone/>
             </a:pPr>
-            <a:endParaRPr lang="en-US" dirty="0" smtClean="0"/>
+            <a:endParaRPr lang="en-US" dirty="0"/>
           </a:p>
         </p:txBody>
       </p:sp>
@@ -8565,13 +8518,6 @@
   <p:clrMapOvr>
     <a:masterClrMapping/>
   </p:clrMapOvr>
-  <p:timing>
-    <p:tnLst>
-      <p:par>
-        <p:cTn id="1" dur="indefinite" restart="never" nodeType="tmRoot"/>
-      </p:par>
-    </p:tnLst>
-  </p:timing>
 </p:sld>
 </file>
 
@@ -8608,10 +8554,9 @@
           <a:lstStyle/>
           <a:p>
             <a:r>
-              <a:rPr lang="en-US" dirty="0" smtClean="0"/>
+              <a:rPr lang="en-US" dirty="0"/>
               <a:t>Hello! </a:t>
             </a:r>
-            <a:endParaRPr lang="en-US" dirty="0"/>
           </a:p>
         </p:txBody>
       </p:sp>
@@ -8653,14 +8598,9 @@
               <a:defRPr/>
             </a:pPr>
             <a:r>
-              <a:rPr lang="en-US" dirty="0" smtClean="0"/>
-              <a:t>Fourth/Fifth year PhD student in the Astronomy Department</a:t>
-            </a:r>
-            <a:r>
               <a:rPr lang="en-US" dirty="0"/>
-              <a:t> </a:t>
-            </a:r>
-            <a:endParaRPr lang="en-US" dirty="0" smtClean="0"/>
+              <a:t>Fourth/Fifth year PhD student in the Astronomy Department </a:t>
+            </a:r>
           </a:p>
           <a:p>
             <a:pPr marL="0" marR="0" lvl="0" indent="0" defTabSz="914400" eaLnBrk="1" fontAlgn="auto" latinLnBrk="0" hangingPunct="1">
@@ -8681,7 +8621,7 @@
               <a:defRPr/>
             </a:pPr>
             <a:r>
-              <a:rPr lang="en-US" dirty="0" smtClean="0"/>
+              <a:rPr lang="en-US" dirty="0"/>
               <a:t>Research Interests </a:t>
             </a:r>
           </a:p>
@@ -8695,15 +8635,15 @@
               </a:spcBef>
             </a:pPr>
             <a:r>
-              <a:rPr lang="en-US" dirty="0" smtClean="0"/>
+              <a:rPr lang="en-US" dirty="0"/>
               <a:t>Galactic chemical evolution (David Weinberg, Jennifer Johnson, </a:t>
             </a:r>
             <a:r>
-              <a:rPr lang="en-US" dirty="0" err="1" smtClean="0"/>
+              <a:rPr lang="en-US" dirty="0" err="1"/>
               <a:t>Fiorenzo</a:t>
             </a:r>
             <a:r>
-              <a:rPr lang="en-US" dirty="0" smtClean="0"/>
+              <a:rPr lang="en-US" dirty="0"/>
               <a:t> Vincenzo) </a:t>
             </a:r>
           </a:p>
@@ -8717,31 +8657,31 @@
               </a:spcBef>
             </a:pPr>
             <a:r>
-              <a:rPr lang="en-US" dirty="0" smtClean="0"/>
+              <a:rPr lang="en-US" dirty="0"/>
               <a:t>Dark matter halos and their environments (</a:t>
             </a:r>
             <a:r>
-              <a:rPr lang="en-US" dirty="0" err="1" smtClean="0"/>
+              <a:rPr lang="en-US" dirty="0" err="1"/>
               <a:t>Ariyeh</a:t>
             </a:r>
             <a:r>
-              <a:rPr lang="en-US" dirty="0" smtClean="0"/>
+              <a:rPr lang="en-US" dirty="0"/>
               <a:t> </a:t>
             </a:r>
             <a:r>
-              <a:rPr lang="en-US" dirty="0" err="1" smtClean="0"/>
+              <a:rPr lang="en-US" dirty="0" err="1"/>
               <a:t>Maller</a:t>
             </a:r>
             <a:r>
-              <a:rPr lang="en-US" dirty="0" smtClean="0"/>
+              <a:rPr lang="en-US" dirty="0"/>
               <a:t>, Andreas </a:t>
             </a:r>
             <a:r>
-              <a:rPr lang="en-US" dirty="0" err="1" smtClean="0"/>
+              <a:rPr lang="en-US" dirty="0" err="1"/>
               <a:t>Berlind</a:t>
             </a:r>
             <a:r>
-              <a:rPr lang="en-US" dirty="0" smtClean="0"/>
+              <a:rPr lang="en-US" dirty="0"/>
               <a:t>) </a:t>
             </a:r>
           </a:p>
@@ -8756,17 +8696,17 @@
               <a:buNone/>
             </a:pPr>
             <a:r>
-              <a:rPr lang="en-US" dirty="0" smtClean="0"/>
+              <a:rPr lang="en-US" dirty="0"/>
               <a:t>Versatile Integrator for Chemical Evolution (VICE: </a:t>
             </a:r>
             <a:r>
-              <a:rPr lang="en-US" dirty="0" smtClean="0">
+              <a:rPr lang="en-US" dirty="0">
                 <a:hlinkClick r:id="rId2"/>
               </a:rPr>
               <a:t>https://pypi.org/project/vice</a:t>
             </a:r>
             <a:r>
-              <a:rPr lang="en-US" dirty="0" smtClean="0"/>
+              <a:rPr lang="en-US" dirty="0"/>
               <a:t>) </a:t>
             </a:r>
           </a:p>
@@ -8780,7 +8720,7 @@
               </a:spcBef>
             </a:pPr>
             <a:r>
-              <a:rPr lang="en-US" dirty="0" smtClean="0"/>
+              <a:rPr lang="en-US" dirty="0"/>
               <a:t>~76,100 lines (Python &amp; C) in latest release (1.2.0) supporting Python &gt;= 3.6. </a:t>
             </a:r>
           </a:p>
@@ -8794,7 +8734,7 @@
               </a:spcBef>
               <a:buNone/>
             </a:pPr>
-            <a:endParaRPr lang="en-US" dirty="0" smtClean="0"/>
+            <a:endParaRPr lang="en-US" dirty="0"/>
           </a:p>
           <a:p>
             <a:pPr marL="0" indent="0">
@@ -8807,18 +8747,17 @@
               <a:buNone/>
             </a:pPr>
             <a:r>
-              <a:rPr lang="en-US" dirty="0" smtClean="0"/>
+              <a:rPr lang="en-US" dirty="0"/>
               <a:t>We’ll do a mix of slides and exercises </a:t>
             </a:r>
             <a:r>
-              <a:rPr lang="mr-IN" dirty="0" smtClean="0"/>
+              <a:rPr lang="mr-IN" dirty="0"/>
               <a:t>–</a:t>
             </a:r>
             <a:r>
-              <a:rPr lang="en-US" dirty="0" smtClean="0"/>
+              <a:rPr lang="en-US" dirty="0"/>
               <a:t> I won’t be collecting and grading anything. This isn’t a course. What you get out of this will reflect what you put into it. </a:t>
             </a:r>
-            <a:endParaRPr lang="en-US" dirty="0"/>
           </a:p>
         </p:txBody>
       </p:sp>
@@ -8832,13 +8771,6 @@
   <p:clrMapOvr>
     <a:masterClrMapping/>
   </p:clrMapOvr>
-  <p:timing>
-    <p:tnLst>
-      <p:par>
-        <p:cTn id="1" dur="indefinite" restart="never" nodeType="tmRoot"/>
-      </p:par>
-    </p:tnLst>
-  </p:timing>
 </p:sld>
 </file>
 
@@ -8875,10 +8807,9 @@
           <a:lstStyle/>
           <a:p>
             <a:r>
-              <a:rPr lang="en-US" dirty="0" smtClean="0"/>
+              <a:rPr lang="en-US" dirty="0"/>
               <a:t>Survey Responses </a:t>
             </a:r>
-            <a:endParaRPr lang="en-US" dirty="0"/>
           </a:p>
         </p:txBody>
       </p:sp>
@@ -8900,7 +8831,7 @@
         </p:spPr>
         <p:txBody>
           <a:bodyPr>
-            <a:normAutofit lnSpcReduction="10000"/>
+            <a:normAutofit/>
           </a:bodyPr>
           <a:lstStyle/>
           <a:p>
@@ -8922,8 +8853,8 @@
               <a:defRPr/>
             </a:pPr>
             <a:r>
-              <a:rPr lang="en-US" dirty="0" smtClean="0"/>
-              <a:t>Q1: 1A, 3B, 6C, 9D </a:t>
+              <a:rPr lang="en-US" dirty="0"/>
+              <a:t>Q1: 4C, 12D, 1E </a:t>
             </a:r>
           </a:p>
           <a:p>
@@ -8946,11 +8877,7 @@
             </a:pPr>
             <a:r>
               <a:rPr lang="en-US" dirty="0"/>
-              <a:t>	</a:t>
-            </a:r>
-            <a:r>
-              <a:rPr lang="en-US" dirty="0" smtClean="0"/>
-              <a:t>Most of you have written code from scratch for class/research </a:t>
+              <a:t>	Most of you have written code from scratch for class/research </a:t>
             </a:r>
           </a:p>
           <a:p>
@@ -8972,8 +8899,8 @@
               <a:defRPr/>
             </a:pPr>
             <a:r>
-              <a:rPr lang="en-US" dirty="0" smtClean="0"/>
-              <a:t>Q2: 8A, 5B, 5C, 1D </a:t>
+              <a:rPr lang="en-US" dirty="0"/>
+              <a:t>Q2: 4A, 6B, 6C, 1D </a:t>
             </a:r>
           </a:p>
           <a:p>
@@ -8996,58 +8923,50 @@
             </a:pPr>
             <a:r>
               <a:rPr lang="en-US" dirty="0"/>
-              <a:t>	</a:t>
-            </a:r>
-            <a:r>
-              <a:rPr lang="en-US" dirty="0" smtClean="0"/>
-              <a:t>Most of you are comfortable with</a:t>
+              <a:t>	Most of you are comfortable with</a:t>
             </a:r>
             <a:r>
               <a:rPr lang="en-US" i="1" dirty="0"/>
-              <a:t> </a:t>
-            </a:r>
-            <a:r>
-              <a:rPr lang="en-US" i="1" dirty="0" smtClean="0"/>
-              <a:t>if</a:t>
-            </a:r>
-            <a:r>
-              <a:rPr lang="en-US" dirty="0" smtClean="0"/>
+              <a:t> if</a:t>
+            </a:r>
+            <a:r>
+              <a:rPr lang="en-US" dirty="0"/>
               <a:t>/</a:t>
             </a:r>
             <a:r>
-              <a:rPr lang="en-US" i="1" dirty="0" smtClean="0"/>
+              <a:rPr lang="en-US" i="1" dirty="0"/>
               <a:t>else</a:t>
             </a:r>
             <a:r>
-              <a:rPr lang="en-US" dirty="0" smtClean="0"/>
+              <a:rPr lang="en-US" dirty="0"/>
               <a:t>, </a:t>
             </a:r>
             <a:r>
-              <a:rPr lang="en-US" i="1" dirty="0" smtClean="0"/>
+              <a:rPr lang="en-US" i="1" dirty="0"/>
               <a:t>for</a:t>
             </a:r>
             <a:r>
-              <a:rPr lang="en-US" dirty="0" smtClean="0"/>
+              <a:rPr lang="en-US" dirty="0"/>
               <a:t>/</a:t>
             </a:r>
             <a:r>
-              <a:rPr lang="en-US" i="1" dirty="0" smtClean="0"/>
+              <a:rPr lang="en-US" i="1" dirty="0"/>
               <a:t>while</a:t>
             </a:r>
             <a:r>
-              <a:rPr lang="en-US" dirty="0" smtClean="0"/>
+              <a:rPr lang="en-US" dirty="0"/>
               <a:t>, </a:t>
             </a:r>
             <a:r>
-              <a:rPr lang="en-US" i="1" dirty="0" err="1" smtClean="0"/>
+              <a:rPr lang="en-US" i="1" dirty="0" err="1"/>
               <a:t>def</a:t>
             </a:r>
             <a:r>
-              <a:rPr lang="en-US" i="1" dirty="0" smtClean="0"/>
+              <a:rPr lang="en-US" i="1" dirty="0"/>
               <a:t>, </a:t>
             </a:r>
             <a:r>
-              <a:rPr lang="en-US" dirty="0" smtClean="0"/>
+              <a:rPr lang="en-US" dirty="0"/>
               <a:t>etc. </a:t>
             </a:r>
           </a:p>
@@ -9070,8 +8989,8 @@
               <a:defRPr/>
             </a:pPr>
             <a:r>
-              <a:rPr lang="en-US" dirty="0" smtClean="0"/>
-              <a:t>Q3: 8A, 6B, 3C, 2D </a:t>
+              <a:rPr lang="en-US" dirty="0"/>
+              <a:t>Q3: 4A, 10B, 2C, 1D </a:t>
             </a:r>
           </a:p>
           <a:p>
@@ -9094,11 +9013,7 @@
             </a:pPr>
             <a:r>
               <a:rPr lang="en-US" dirty="0"/>
-              <a:t>	</a:t>
-            </a:r>
-            <a:r>
-              <a:rPr lang="en-US" dirty="0" smtClean="0"/>
-              <a:t>About half of you have written a class, the rest have not </a:t>
+              <a:t>	About half of you have written a class, the rest have not </a:t>
             </a:r>
           </a:p>
           <a:p>
@@ -9120,8 +9035,8 @@
               <a:defRPr/>
             </a:pPr>
             <a:r>
-              <a:rPr lang="en-US" dirty="0" smtClean="0"/>
-              <a:t>Q4: 9A, 8B, 2C </a:t>
+              <a:rPr lang="en-US" dirty="0"/>
+              <a:t>Q4: 9A, 8B </a:t>
             </a:r>
           </a:p>
           <a:p>
@@ -9144,13 +9059,8 @@
             </a:pPr>
             <a:r>
               <a:rPr lang="en-US" dirty="0"/>
-              <a:t>	</a:t>
-            </a:r>
-            <a:r>
-              <a:rPr lang="en-US" dirty="0" smtClean="0"/>
-              <a:t>About half of you have used “import _____” to use code from another file </a:t>
-            </a:r>
-            <a:endParaRPr lang="en-US" dirty="0"/>
+              <a:t>	About half of you have used “import _____” to use code from another file </a:t>
+            </a:r>
           </a:p>
           <a:p>
             <a:pPr marL="0" marR="0" lvl="0" indent="0" defTabSz="914400" eaLnBrk="1" fontAlgn="auto" latinLnBrk="0" hangingPunct="1">
@@ -9171,8 +9081,8 @@
               <a:defRPr/>
             </a:pPr>
             <a:r>
-              <a:rPr lang="en-US" dirty="0" smtClean="0"/>
-              <a:t>Q5: 8A, 8B, 3C </a:t>
+              <a:rPr lang="en-US" dirty="0"/>
+              <a:t>Q5: 11A, 3B, 1C, 1D, 1E </a:t>
             </a:r>
           </a:p>
           <a:p>
@@ -9195,19 +9105,7 @@
             </a:pPr>
             <a:r>
               <a:rPr lang="en-US" dirty="0"/>
-              <a:t>	</a:t>
-            </a:r>
-            <a:r>
-              <a:rPr lang="en-US" dirty="0" smtClean="0"/>
-              <a:t>About half of you have used GitHub/</a:t>
-            </a:r>
-            <a:r>
-              <a:rPr lang="en-US" dirty="0" err="1" smtClean="0"/>
-              <a:t>Bitbucket</a:t>
-            </a:r>
-            <a:r>
-              <a:rPr lang="en-US" dirty="0" smtClean="0"/>
-              <a:t>, the rest haven’t </a:t>
+              <a:t>	Most of you code entirely in notebooks, others have some preference for text files </a:t>
             </a:r>
           </a:p>
           <a:p>
@@ -9229,8 +9127,8 @@
               <a:defRPr/>
             </a:pPr>
             <a:r>
-              <a:rPr lang="en-US" dirty="0" smtClean="0"/>
-              <a:t>Q6: 11A, 2B, 1D, 4E, 1F </a:t>
+              <a:rPr lang="en-US" dirty="0"/>
+              <a:t>Q6: 5A, 3B, 5C, 2D, 2E </a:t>
             </a:r>
           </a:p>
           <a:p>
@@ -9253,69 +9151,7 @@
             </a:pPr>
             <a:r>
               <a:rPr lang="en-US" dirty="0"/>
-              <a:t>	</a:t>
-            </a:r>
-            <a:r>
-              <a:rPr lang="en-US" dirty="0" smtClean="0"/>
-              <a:t>Most of you code entirely in notebooks, others mostly text (fairly binary) </a:t>
-            </a:r>
-          </a:p>
-          <a:p>
-            <a:pPr marL="0" marR="0" lvl="0" indent="0" defTabSz="914400" eaLnBrk="1" fontAlgn="auto" latinLnBrk="0" hangingPunct="1">
-              <a:lnSpc>
-                <a:spcPct val="100000"/>
-              </a:lnSpc>
-              <a:spcBef>
-                <a:spcPts val="0"/>
-              </a:spcBef>
-              <a:spcAft>
-                <a:spcPts val="0"/>
-              </a:spcAft>
-              <a:buClrTx/>
-              <a:buSzTx/>
-              <a:buFontTx/>
-              <a:buNone/>
-              <a:tabLst/>
-              <a:defRPr/>
-            </a:pPr>
-            <a:r>
-              <a:rPr lang="en-US" dirty="0" smtClean="0"/>
-              <a:t>Q7: 4A, 1B, </a:t>
-            </a:r>
-            <a:r>
-              <a:rPr lang="en-US" dirty="0"/>
-              <a:t>6</a:t>
-            </a:r>
-            <a:r>
-              <a:rPr lang="en-US" dirty="0" smtClean="0"/>
-              <a:t>C, 3D, 4E </a:t>
-            </a:r>
-          </a:p>
-          <a:p>
-            <a:pPr marL="0" marR="0" lvl="0" indent="0" defTabSz="914400" eaLnBrk="1" fontAlgn="auto" latinLnBrk="0" hangingPunct="1">
-              <a:lnSpc>
-                <a:spcPct val="100000"/>
-              </a:lnSpc>
-              <a:spcBef>
-                <a:spcPts val="0"/>
-              </a:spcBef>
-              <a:spcAft>
-                <a:spcPts val="0"/>
-              </a:spcAft>
-              <a:buClrTx/>
-              <a:buSzTx/>
-              <a:buFontTx/>
-              <a:buNone/>
-              <a:tabLst/>
-              <a:defRPr/>
-            </a:pPr>
-            <a:r>
-              <a:rPr lang="en-US" dirty="0"/>
-              <a:t>	</a:t>
-            </a:r>
-            <a:r>
-              <a:rPr lang="en-US" dirty="0" smtClean="0"/>
-              <a:t>Most of you have experience with a terminal, a couple have never used it </a:t>
+              <a:t>	A number of you haven’t used a terminal before, the rest are fairly comfortable with it </a:t>
             </a:r>
           </a:p>
         </p:txBody>
@@ -9366,10 +9202,9 @@
           <a:lstStyle/>
           <a:p>
             <a:r>
-              <a:rPr lang="en-US" dirty="0" smtClean="0"/>
+              <a:rPr lang="en-US" dirty="0"/>
               <a:t>Survey Responses </a:t>
             </a:r>
-            <a:endParaRPr lang="en-US" dirty="0"/>
           </a:p>
         </p:txBody>
       </p:sp>
@@ -9399,52 +9234,30 @@
               <a:buNone/>
             </a:pPr>
             <a:r>
-              <a:rPr lang="en-US" dirty="0" smtClean="0"/>
+              <a:rPr lang="en-US" dirty="0"/>
               <a:t>New material: </a:t>
             </a:r>
           </a:p>
           <a:p>
             <a:pPr lvl="1"/>
             <a:r>
-              <a:rPr lang="en-US" dirty="0" smtClean="0"/>
+              <a:rPr lang="en-US" dirty="0"/>
+              <a:t>For many of you: the terminal </a:t>
+            </a:r>
+          </a:p>
+          <a:p>
+            <a:pPr lvl="1"/>
+            <a:r>
+              <a:rPr lang="en-US" dirty="0"/>
               <a:t>How to import your own code from elsewhere in your computer </a:t>
             </a:r>
           </a:p>
           <a:p>
             <a:pPr lvl="1"/>
             <a:r>
-              <a:rPr lang="en-US" dirty="0" smtClean="0"/>
+              <a:rPr lang="en-US" dirty="0"/>
               <a:t>Object oriented programming (OOP): classes and inheritance </a:t>
             </a:r>
-          </a:p>
-          <a:p>
-            <a:pPr lvl="1"/>
-            <a:r>
-              <a:rPr lang="en-US" dirty="0" smtClean="0"/>
-              <a:t>GitHub/</a:t>
-            </a:r>
-            <a:r>
-              <a:rPr lang="en-US" dirty="0" err="1" smtClean="0"/>
-              <a:t>Bitbucket</a:t>
-            </a:r>
-            <a:r>
-              <a:rPr lang="en-US" dirty="0" smtClean="0"/>
-              <a:t>/</a:t>
-            </a:r>
-            <a:r>
-              <a:rPr lang="en-US" dirty="0" err="1" smtClean="0"/>
-              <a:t>etc</a:t>
-            </a:r>
-            <a:r>
-              <a:rPr lang="en-US" dirty="0" smtClean="0"/>
-              <a:t> if we get to it </a:t>
-            </a:r>
-          </a:p>
-          <a:p>
-            <a:pPr marL="0" indent="0">
-              <a:buNone/>
-            </a:pPr>
-            <a:endParaRPr lang="en-US" dirty="0" smtClean="0"/>
           </a:p>
           <a:p>
             <a:pPr marL="0" indent="0">
@@ -9457,15 +9270,15 @@
               <a:buNone/>
             </a:pPr>
             <a:r>
-              <a:rPr lang="en-US" dirty="0" smtClean="0"/>
+              <a:rPr lang="en-US" dirty="0"/>
               <a:t>Some of the material is either impossible or quite difficult when coding in a notebook. I advise all of you to use this </a:t>
             </a:r>
             <a:r>
-              <a:rPr lang="en-US" dirty="0" err="1" smtClean="0"/>
+              <a:rPr lang="en-US" dirty="0" err="1"/>
               <a:t>bootcamp</a:t>
             </a:r>
             <a:r>
-              <a:rPr lang="en-US" dirty="0" smtClean="0"/>
+              <a:rPr lang="en-US" dirty="0"/>
               <a:t> as practice for working in text files. </a:t>
             </a:r>
           </a:p>
@@ -9517,10 +9330,9 @@
           <a:lstStyle/>
           <a:p>
             <a:r>
-              <a:rPr lang="en-US" dirty="0" smtClean="0"/>
+              <a:rPr lang="en-US" dirty="0"/>
               <a:t>Tools: A Text Editor </a:t>
             </a:r>
-            <a:endParaRPr lang="en-US" dirty="0"/>
           </a:p>
         </p:txBody>
       </p:sp>
@@ -9548,31 +9360,31 @@
               <a:buNone/>
             </a:pPr>
             <a:r>
-              <a:rPr lang="en-US" dirty="0" smtClean="0"/>
+              <a:rPr lang="en-US" dirty="0"/>
               <a:t>Differs from an </a:t>
             </a:r>
             <a:r>
-              <a:rPr lang="en-US" i="1" dirty="0" smtClean="0"/>
+              <a:rPr lang="en-US" i="1" dirty="0"/>
               <a:t>Integrated Development Environment </a:t>
             </a:r>
             <a:r>
-              <a:rPr lang="en-US" dirty="0" smtClean="0"/>
+              <a:rPr lang="en-US" dirty="0"/>
               <a:t>(IDE) in that IDEs will </a:t>
             </a:r>
             <a:r>
-              <a:rPr lang="en-US" i="1" dirty="0" smtClean="0"/>
+              <a:rPr lang="en-US" i="1" dirty="0"/>
               <a:t>run</a:t>
             </a:r>
             <a:r>
-              <a:rPr lang="en-US" dirty="0" smtClean="0"/>
+              <a:rPr lang="en-US" dirty="0"/>
               <a:t> the code </a:t>
             </a:r>
             <a:r>
-              <a:rPr lang="mr-IN" dirty="0" smtClean="0"/>
+              <a:rPr lang="mr-IN" dirty="0"/>
               <a:t>–</a:t>
             </a:r>
             <a:r>
-              <a:rPr lang="en-US" dirty="0" smtClean="0"/>
+              <a:rPr lang="en-US" dirty="0"/>
               <a:t> all they do is open, create, edit, etc. plain text files </a:t>
             </a:r>
           </a:p>
@@ -9580,22 +9392,18 @@
             <a:pPr lvl="1"/>
             <a:r>
               <a:rPr lang="en-US" dirty="0" err="1"/>
-              <a:t>p</a:t>
-            </a:r>
-            <a:r>
-              <a:rPr lang="en-US" dirty="0" err="1" smtClean="0"/>
-              <a:t>ycharm</a:t>
-            </a:r>
-            <a:r>
-              <a:rPr lang="en-US" dirty="0" smtClean="0"/>
+              <a:t>pycharm</a:t>
+            </a:r>
+            <a:r>
+              <a:rPr lang="en-US" dirty="0"/>
               <a:t>, </a:t>
             </a:r>
             <a:r>
-              <a:rPr lang="en-US" dirty="0" err="1" smtClean="0"/>
+              <a:rPr lang="en-US" dirty="0" err="1"/>
               <a:t>spyder</a:t>
             </a:r>
             <a:r>
-              <a:rPr lang="en-US" dirty="0" smtClean="0"/>
+              <a:rPr lang="en-US" dirty="0"/>
               <a:t> </a:t>
             </a:r>
           </a:p>
@@ -9610,7 +9418,7 @@
               <a:buNone/>
             </a:pPr>
             <a:r>
-              <a:rPr lang="en-US" dirty="0" smtClean="0"/>
+              <a:rPr lang="en-US" dirty="0"/>
               <a:t>I recommend Sublime Text </a:t>
             </a:r>
           </a:p>
@@ -9622,15 +9430,9 @@
               <a:rPr lang="en-US" dirty="0">
                 <a:hlinkClick r:id="rId2"/>
               </a:rPr>
-              <a:t>https://www.sublimetext.com</a:t>
-            </a:r>
-            <a:r>
-              <a:rPr lang="en-US" dirty="0" smtClean="0">
-                <a:hlinkClick r:id="rId2"/>
-              </a:rPr>
-              <a:t>/</a:t>
-            </a:r>
-            <a:endParaRPr lang="en-US" dirty="0" smtClean="0"/>
+              <a:t>https://www.sublimetext.com/</a:t>
+            </a:r>
+            <a:endParaRPr lang="en-US" dirty="0"/>
           </a:p>
         </p:txBody>
       </p:sp>
@@ -9674,13 +9476,6 @@
   <p:clrMapOvr>
     <a:masterClrMapping/>
   </p:clrMapOvr>
-  <p:timing>
-    <p:tnLst>
-      <p:par>
-        <p:cTn id="1" dur="indefinite" restart="never" nodeType="tmRoot"/>
-      </p:par>
-    </p:tnLst>
-  </p:timing>
 </p:sld>
 </file>
 
@@ -9717,10 +9512,9 @@
           <a:lstStyle/>
           <a:p>
             <a:r>
-              <a:rPr lang="en-US" dirty="0" smtClean="0"/>
+              <a:rPr lang="en-US" dirty="0"/>
               <a:t>Tools: A Terminal </a:t>
             </a:r>
-            <a:endParaRPr lang="en-US" dirty="0"/>
           </a:p>
         </p:txBody>
       </p:sp>
@@ -9750,30 +9544,30 @@
               <a:buNone/>
             </a:pPr>
             <a:r>
-              <a:rPr lang="en-US" dirty="0" smtClean="0"/>
+              <a:rPr lang="en-US" dirty="0"/>
               <a:t>I </a:t>
             </a:r>
             <a:r>
-              <a:rPr lang="en-US" dirty="0" err="1" smtClean="0"/>
+              <a:rPr lang="en-US" dirty="0" err="1"/>
               <a:t>recommand</a:t>
             </a:r>
             <a:r>
-              <a:rPr lang="en-US" dirty="0" smtClean="0"/>
+              <a:rPr lang="en-US" dirty="0"/>
               <a:t> iTerm2 </a:t>
             </a:r>
           </a:p>
           <a:p>
             <a:pPr lvl="1"/>
             <a:r>
-              <a:rPr lang="en-US" dirty="0" smtClean="0"/>
+              <a:rPr lang="en-US" dirty="0"/>
               <a:t>Terminal</a:t>
             </a:r>
             <a:r>
-              <a:rPr lang="en-US" i="1" dirty="0" smtClean="0"/>
+              <a:rPr lang="en-US" i="1" dirty="0"/>
               <a:t> replacement</a:t>
             </a:r>
             <a:r>
-              <a:rPr lang="en-US" dirty="0" smtClean="0"/>
+              <a:rPr lang="en-US" dirty="0"/>
               <a:t> </a:t>
             </a:r>
           </a:p>
@@ -9783,13 +9577,7 @@
               <a:rPr lang="en-US" dirty="0">
                 <a:hlinkClick r:id="rId2"/>
               </a:rPr>
-              <a:t>https://www.iterm2.com</a:t>
-            </a:r>
-            <a:r>
-              <a:rPr lang="en-US" dirty="0" smtClean="0">
-                <a:hlinkClick r:id="rId2"/>
-              </a:rPr>
-              <a:t>/</a:t>
+              <a:t>https://www.iterm2.com/</a:t>
             </a:r>
             <a:r>
               <a:rPr lang="en-US" dirty="0"/>
@@ -9807,7 +9595,7 @@
               <a:buNone/>
             </a:pPr>
             <a:r>
-              <a:rPr lang="en-US" dirty="0" smtClean="0"/>
+              <a:rPr lang="en-US" dirty="0"/>
               <a:t>You should think of a terminal as just a different interface on a Finder window with some some extra programs built-in </a:t>
             </a:r>
           </a:p>
@@ -9822,23 +9610,23 @@
               <a:buNone/>
             </a:pPr>
             <a:r>
-              <a:rPr lang="en-US" dirty="0" smtClean="0"/>
+              <a:rPr lang="en-US" dirty="0"/>
               <a:t>Tip: you can run python line-by-line in a terminal (</a:t>
             </a:r>
             <a:r>
-              <a:rPr lang="en-US" i="1" dirty="0" smtClean="0"/>
+              <a:rPr lang="en-US" i="1" dirty="0"/>
               <a:t>python </a:t>
             </a:r>
             <a:r>
-              <a:rPr lang="en-US" dirty="0" smtClean="0"/>
+              <a:rPr lang="en-US" dirty="0"/>
               <a:t>or </a:t>
             </a:r>
             <a:r>
-              <a:rPr lang="en-US" i="1" dirty="0" err="1" smtClean="0"/>
+              <a:rPr lang="en-US" i="1" dirty="0" err="1"/>
               <a:t>ipython</a:t>
             </a:r>
             <a:r>
-              <a:rPr lang="en-US" dirty="0" smtClean="0"/>
+              <a:rPr lang="en-US" dirty="0"/>
               <a:t>) </a:t>
             </a:r>
             <a:endParaRPr lang="en-US" i="1" dirty="0"/>
@@ -9885,13 +9673,6 @@
   <p:clrMapOvr>
     <a:masterClrMapping/>
   </p:clrMapOvr>
-  <p:timing>
-    <p:tnLst>
-      <p:par>
-        <p:cTn id="1" dur="indefinite" restart="never" nodeType="tmRoot"/>
-      </p:par>
-    </p:tnLst>
-  </p:timing>
 </p:sld>
 </file>
 
@@ -9928,10 +9709,9 @@
           <a:lstStyle/>
           <a:p>
             <a:r>
-              <a:rPr lang="en-US" dirty="0" smtClean="0"/>
+              <a:rPr lang="en-US" dirty="0"/>
               <a:t>Tools: A Terminal </a:t>
             </a:r>
-            <a:endParaRPr lang="en-US" dirty="0"/>
           </a:p>
         </p:txBody>
       </p:sp>
@@ -9965,20 +9745,14 @@
               <a:buNone/>
             </a:pPr>
             <a:r>
-              <a:rPr lang="en-US" dirty="0" smtClean="0"/>
+              <a:rPr lang="en-US" dirty="0"/>
               <a:t>If you’re running Windows, your terminal will be different than some of the notes and exercises here, unless you take some extra steps at the beginning to set up </a:t>
             </a:r>
             <a:r>
-              <a:rPr lang="en-US" smtClean="0"/>
+              <a:rPr lang="en-US"/>
               <a:t>a bash interpreter. </a:t>
             </a:r>
-            <a:endParaRPr lang="en-US" dirty="0" smtClean="0"/>
-          </a:p>
-          <a:p>
-            <a:pPr marL="0" indent="0">
-              <a:buNone/>
-            </a:pPr>
-            <a:endParaRPr lang="en-US" dirty="0" smtClean="0"/>
+            <a:endParaRPr lang="en-US" dirty="0"/>
           </a:p>
           <a:p>
             <a:pPr marL="0" indent="0">
@@ -9990,11 +9764,16 @@
             <a:pPr marL="0" indent="0">
               <a:buNone/>
             </a:pPr>
-            <a:r>
-              <a:rPr lang="en-US" dirty="0" smtClean="0"/>
+            <a:endParaRPr lang="en-US" dirty="0"/>
+          </a:p>
+          <a:p>
+            <a:pPr marL="0" indent="0">
+              <a:buNone/>
+            </a:pPr>
+            <a:r>
+              <a:rPr lang="en-US" dirty="0"/>
               <a:t>Talk to me if you need help with this! </a:t>
             </a:r>
-            <a:endParaRPr lang="en-US" dirty="0"/>
           </a:p>
         </p:txBody>
       </p:sp>
@@ -10038,13 +9817,6 @@
   <p:clrMapOvr>
     <a:masterClrMapping/>
   </p:clrMapOvr>
-  <p:timing>
-    <p:tnLst>
-      <p:par>
-        <p:cTn id="1" dur="indefinite" restart="never" nodeType="tmRoot"/>
-      </p:par>
-    </p:tnLst>
-  </p:timing>
 </p:sld>
 </file>
 
@@ -10081,10 +9853,9 @@
           <a:lstStyle/>
           <a:p>
             <a:r>
-              <a:rPr lang="en-US" dirty="0" smtClean="0"/>
+              <a:rPr lang="en-US" dirty="0"/>
               <a:t>Tools: Cloud Computing </a:t>
             </a:r>
-            <a:endParaRPr lang="en-US" dirty="0"/>
           </a:p>
         </p:txBody>
       </p:sp>
@@ -10120,7 +9891,7 @@
               <a:buNone/>
             </a:pPr>
             <a:r>
-              <a:rPr lang="en-US" dirty="0" smtClean="0"/>
+              <a:rPr lang="en-US" dirty="0"/>
               <a:t>Allows you to run python on a remote server </a:t>
             </a:r>
           </a:p>
@@ -10147,11 +9918,11 @@
               <a:buNone/>
             </a:pPr>
             <a:r>
-              <a:rPr lang="en-US" dirty="0" err="1" smtClean="0"/>
+              <a:rPr lang="en-US" dirty="0" err="1"/>
               <a:t>SciServer</a:t>
             </a:r>
             <a:r>
-              <a:rPr lang="en-US" dirty="0" smtClean="0"/>
+              <a:rPr lang="en-US" dirty="0"/>
               <a:t> is a popular platform across many STEM fields: </a:t>
             </a:r>
           </a:p>
@@ -10186,7 +9957,7 @@
               </a:spcBef>
               <a:buNone/>
             </a:pPr>
-            <a:endParaRPr lang="en-US" dirty="0" smtClean="0"/>
+            <a:endParaRPr lang="en-US" dirty="0"/>
           </a:p>
           <a:p>
             <a:pPr marL="0" lvl="0" indent="0">
@@ -10198,7 +9969,7 @@
               </a:spcBef>
               <a:buNone/>
             </a:pPr>
-            <a:endParaRPr lang="en-US" i="1" dirty="0" smtClean="0"/>
+            <a:endParaRPr lang="en-US" i="1" dirty="0"/>
           </a:p>
           <a:p>
             <a:pPr marL="0" lvl="0" indent="0">
@@ -10222,7 +9993,7 @@
               </a:spcBef>
               <a:buNone/>
             </a:pPr>
-            <a:endParaRPr lang="en-US" i="1" dirty="0" smtClean="0"/>
+            <a:endParaRPr lang="en-US" i="1" dirty="0"/>
           </a:p>
           <a:p>
             <a:pPr marL="0" lvl="0" indent="0">
@@ -10246,7 +10017,7 @@
               </a:spcBef>
               <a:buNone/>
             </a:pPr>
-            <a:endParaRPr lang="en-US" i="1" dirty="0" smtClean="0"/>
+            <a:endParaRPr lang="en-US" i="1" dirty="0"/>
           </a:p>
           <a:p>
             <a:pPr marL="0" lvl="0" indent="0">
@@ -10259,10 +10030,9 @@
               <a:buNone/>
             </a:pPr>
             <a:r>
-              <a:rPr lang="en-US" i="1" dirty="0" smtClean="0"/>
+              <a:rPr lang="en-US" i="1" dirty="0"/>
               <a:t>In the long run you should choose the tools that you’re most comfortable with </a:t>
             </a:r>
-            <a:endParaRPr lang="en-US" i="1" dirty="0"/>
           </a:p>
         </p:txBody>
       </p:sp>
@@ -10306,13 +10076,6 @@
   <p:clrMapOvr>
     <a:masterClrMapping/>
   </p:clrMapOvr>
-  <p:timing>
-    <p:tnLst>
-      <p:par>
-        <p:cTn id="1" dur="indefinite" restart="never" nodeType="tmRoot"/>
-      </p:par>
-    </p:tnLst>
-  </p:timing>
 </p:sld>
 </file>
 
@@ -10349,10 +10112,9 @@
           <a:lstStyle/>
           <a:p>
             <a:r>
-              <a:rPr lang="en-US" dirty="0" smtClean="0"/>
+              <a:rPr lang="en-US" dirty="0"/>
               <a:t>If You Haven’t Already </a:t>
             </a:r>
-            <a:endParaRPr lang="en-US" dirty="0"/>
           </a:p>
         </p:txBody>
       </p:sp>
@@ -10389,15 +10151,9 @@
               <a:rPr lang="en-US" dirty="0">
                 <a:hlinkClick r:id="rId2"/>
               </a:rPr>
-              <a:t>https://</a:t>
-            </a:r>
-            <a:r>
-              <a:rPr lang="en-US" dirty="0" smtClean="0">
-                <a:hlinkClick r:id="rId2"/>
-              </a:rPr>
-              <a:t>www.anaconda.com/products/individual</a:t>
-            </a:r>
-            <a:endParaRPr lang="en-US" dirty="0" smtClean="0"/>
+              <a:t>https://www.anaconda.com/products/individual</a:t>
+            </a:r>
+            <a:endParaRPr lang="en-US" dirty="0"/>
           </a:p>
           <a:p>
             <a:pPr lvl="1">
@@ -10409,15 +10165,15 @@
               </a:spcBef>
             </a:pPr>
             <a:r>
-              <a:rPr lang="en-US" dirty="0" smtClean="0"/>
+              <a:rPr lang="en-US" dirty="0"/>
               <a:t>This will install Python, Anaconda, and </a:t>
             </a:r>
             <a:r>
-              <a:rPr lang="en-US" dirty="0" err="1" smtClean="0"/>
+              <a:rPr lang="en-US" dirty="0" err="1"/>
               <a:t>Jupyter</a:t>
             </a:r>
             <a:r>
-              <a:rPr lang="en-US" dirty="0" smtClean="0"/>
+              <a:rPr lang="en-US" dirty="0"/>
               <a:t> Notebooks </a:t>
             </a:r>
           </a:p>
@@ -10443,7 +10199,7 @@
               </a:spcBef>
               <a:buNone/>
             </a:pPr>
-            <a:endParaRPr lang="en-US" dirty="0" smtClean="0"/>
+            <a:endParaRPr lang="en-US" dirty="0"/>
           </a:p>
           <a:p>
             <a:pPr marL="0" indent="0">
@@ -10456,7 +10212,7 @@
               <a:buNone/>
             </a:pPr>
             <a:r>
-              <a:rPr lang="en-US" dirty="0" smtClean="0"/>
+              <a:rPr lang="en-US" dirty="0"/>
               <a:t>Latest version of python: 3.9.4 </a:t>
             </a:r>
           </a:p>
@@ -10470,10 +10226,9 @@
               </a:spcBef>
             </a:pPr>
             <a:r>
-              <a:rPr lang="en-US" dirty="0" smtClean="0"/>
+              <a:rPr lang="en-US" dirty="0"/>
               <a:t>Most libraries now require &gt;= 3.6 </a:t>
             </a:r>
-            <a:endParaRPr lang="en-US" dirty="0"/>
           </a:p>
           <a:p>
             <a:pPr marL="0" indent="0">
@@ -10485,7 +10240,7 @@
               </a:spcBef>
               <a:buNone/>
             </a:pPr>
-            <a:endParaRPr lang="en-US" dirty="0" smtClean="0"/>
+            <a:endParaRPr lang="en-US" dirty="0"/>
           </a:p>
           <a:p>
             <a:pPr marL="0" indent="0">
@@ -10510,15 +10265,15 @@
               <a:buNone/>
             </a:pPr>
             <a:r>
-              <a:rPr lang="en-US" dirty="0" smtClean="0"/>
+              <a:rPr lang="en-US" dirty="0"/>
               <a:t>Python 2.7 is </a:t>
             </a:r>
             <a:r>
-              <a:rPr lang="en-US" i="1" dirty="0" smtClean="0"/>
+              <a:rPr lang="en-US" i="1" dirty="0"/>
               <a:t>deprecated</a:t>
             </a:r>
             <a:r>
-              <a:rPr lang="en-US" dirty="0" smtClean="0"/>
+              <a:rPr lang="en-US" dirty="0"/>
               <a:t> </a:t>
             </a:r>
           </a:p>

--- a/slides/intro.pptx
+++ b/slides/intro.pptx
@@ -5,7 +5,7 @@
     <p:sldMasterId id="2147484294" r:id="rId1"/>
   </p:sldMasterIdLst>
   <p:notesMasterIdLst>
-    <p:notesMasterId r:id="rId13"/>
+    <p:notesMasterId r:id="rId14"/>
   </p:notesMasterIdLst>
   <p:sldIdLst>
     <p:sldId id="256" r:id="rId2"/>
@@ -19,6 +19,7 @@
     <p:sldId id="264" r:id="rId10"/>
     <p:sldId id="265" r:id="rId11"/>
     <p:sldId id="257" r:id="rId12"/>
+    <p:sldId id="267" r:id="rId13"/>
   </p:sldIdLst>
   <p:sldSz cx="12192000" cy="6858000"/>
   <p:notesSz cx="6858000" cy="9144000"/>
@@ -8512,6 +8513,138 @@
     <p:extLst>
       <p:ext uri="{BB962C8B-B14F-4D97-AF65-F5344CB8AC3E}">
         <p14:creationId xmlns:p14="http://schemas.microsoft.com/office/powerpoint/2010/main" val="1230225928"/>
+      </p:ext>
+    </p:extLst>
+  </p:cSld>
+  <p:clrMapOvr>
+    <a:masterClrMapping/>
+  </p:clrMapOvr>
+</p:sld>
+</file>
+
+<file path=ppt/slides/slide12.xml><?xml version="1.0" encoding="utf-8"?>
+<p:sld xmlns:a="http://schemas.openxmlformats.org/drawingml/2006/main" xmlns:r="http://schemas.openxmlformats.org/officeDocument/2006/relationships" xmlns:p="http://schemas.openxmlformats.org/presentationml/2006/main">
+  <p:cSld>
+    <p:spTree>
+      <p:nvGrpSpPr>
+        <p:cNvPr id="1" name=""/>
+        <p:cNvGrpSpPr/>
+        <p:nvPr/>
+      </p:nvGrpSpPr>
+      <p:grpSpPr>
+        <a:xfrm>
+          <a:off x="0" y="0"/>
+          <a:ext cx="0" cy="0"/>
+          <a:chOff x="0" y="0"/>
+          <a:chExt cx="0" cy="0"/>
+        </a:xfrm>
+      </p:grpSpPr>
+      <p:sp>
+        <p:nvSpPr>
+          <p:cNvPr id="2" name="Title 1">
+            <a:extLst>
+              <a:ext uri="{FF2B5EF4-FFF2-40B4-BE49-F238E27FC236}">
+                <a16:creationId xmlns:a16="http://schemas.microsoft.com/office/drawing/2014/main" id="{17F09856-FD0F-864B-84CD-9A58F00FA872}"/>
+              </a:ext>
+            </a:extLst>
+          </p:cNvPr>
+          <p:cNvSpPr>
+            <a:spLocks noGrp="1"/>
+          </p:cNvSpPr>
+          <p:nvPr>
+            <p:ph type="title"/>
+          </p:nvPr>
+        </p:nvSpPr>
+        <p:spPr/>
+        <p:txBody>
+          <a:bodyPr/>
+          <a:lstStyle/>
+          <a:p>
+            <a:r>
+              <a:rPr lang="en-US" dirty="0"/>
+              <a:t>Monday Motivation</a:t>
+            </a:r>
+          </a:p>
+        </p:txBody>
+      </p:sp>
+      <p:sp>
+        <p:nvSpPr>
+          <p:cNvPr id="3" name="Content Placeholder 2">
+            <a:extLst>
+              <a:ext uri="{FF2B5EF4-FFF2-40B4-BE49-F238E27FC236}">
+                <a16:creationId xmlns:a16="http://schemas.microsoft.com/office/drawing/2014/main" id="{3763AF5C-D675-4048-82E9-81BBDD3B035D}"/>
+              </a:ext>
+            </a:extLst>
+          </p:cNvPr>
+          <p:cNvSpPr>
+            <a:spLocks noGrp="1"/>
+          </p:cNvSpPr>
+          <p:nvPr>
+            <p:ph idx="1"/>
+          </p:nvPr>
+        </p:nvSpPr>
+        <p:spPr>
+          <a:xfrm>
+            <a:off x="770916" y="2268635"/>
+            <a:ext cx="9432669" cy="4254996"/>
+          </a:xfrm>
+        </p:spPr>
+        <p:txBody>
+          <a:bodyPr/>
+          <a:lstStyle/>
+          <a:p>
+            <a:pPr marL="0" indent="0" algn="ctr">
+              <a:buNone/>
+            </a:pPr>
+            <a:r>
+              <a:rPr lang="en-US" dirty="0"/>
+              <a:t>You can’t improve your coding practices without first criticizing what you once thought was great code. </a:t>
+            </a:r>
+          </a:p>
+          <a:p>
+            <a:pPr marL="0" indent="0" algn="ctr">
+              <a:buNone/>
+            </a:pPr>
+            <a:endParaRPr lang="en-US" dirty="0"/>
+          </a:p>
+          <a:p>
+            <a:pPr marL="0" indent="0" algn="ctr">
+              <a:buNone/>
+            </a:pPr>
+            <a:r>
+              <a:rPr lang="en-US" dirty="0"/>
+              <a:t>Since we’re not professional developers, scientists have to </a:t>
+            </a:r>
+            <a:r>
+              <a:rPr lang="en-US" i="1" dirty="0"/>
+              <a:t>actively </a:t>
+            </a:r>
+            <a:r>
+              <a:rPr lang="en-US" dirty="0"/>
+              <a:t>create and foster good coding habits if they want them. Being early career researchers, you have the option to make this decision now. It will only become more difficult to do this. </a:t>
+            </a:r>
+          </a:p>
+          <a:p>
+            <a:pPr marL="0" indent="0" algn="ctr">
+              <a:buNone/>
+            </a:pPr>
+            <a:endParaRPr lang="en-US" dirty="0"/>
+          </a:p>
+          <a:p>
+            <a:pPr marL="0" indent="0" algn="ctr">
+              <a:buNone/>
+            </a:pPr>
+            <a:r>
+              <a:rPr lang="en-US" dirty="0"/>
+              <a:t>Every expert coder was once a novice. </a:t>
+            </a:r>
+          </a:p>
+        </p:txBody>
+      </p:sp>
+    </p:spTree>
+    <p:extLst>
+      <p:ext uri="{BB962C8B-B14F-4D97-AF65-F5344CB8AC3E}">
+        <p14:creationId xmlns:p14="http://schemas.microsoft.com/office/powerpoint/2010/main" val="3316321220"/>
       </p:ext>
     </p:extLst>
   </p:cSld>

--- a/slides/intro.pptx
+++ b/slides/intro.pptx
@@ -208,7 +208,7 @@
           <a:p>
             <a:fld id="{D49A0B7E-B595-B14C-B05F-40313997F4EC}" type="datetimeFigureOut">
               <a:rPr lang="en-US" smtClean="0"/>
-              <a:t>5/7/21</a:t>
+              <a:t>5/10/21</a:t>
             </a:fld>
             <a:endParaRPr lang="en-US"/>
           </a:p>
@@ -751,7 +751,7 @@
           <a:p>
             <a:fld id="{51673806-0BCD-1F42-BAA8-2011034B3C6A}" type="datetimeFigureOut">
               <a:rPr lang="en-US" smtClean="0"/>
-              <a:t>5/7/21</a:t>
+              <a:t>5/10/21</a:t>
             </a:fld>
             <a:endParaRPr lang="en-US"/>
           </a:p>
@@ -1165,7 +1165,7 @@
           <a:p>
             <a:fld id="{51673806-0BCD-1F42-BAA8-2011034B3C6A}" type="datetimeFigureOut">
               <a:rPr lang="en-US" smtClean="0"/>
-              <a:t>5/7/21</a:t>
+              <a:t>5/10/21</a:t>
             </a:fld>
             <a:endParaRPr lang="en-US"/>
           </a:p>
@@ -1496,7 +1496,7 @@
           <a:p>
             <a:fld id="{51673806-0BCD-1F42-BAA8-2011034B3C6A}" type="datetimeFigureOut">
               <a:rPr lang="en-US" smtClean="0"/>
-              <a:t>5/7/21</a:t>
+              <a:t>5/10/21</a:t>
             </a:fld>
             <a:endParaRPr lang="en-US"/>
           </a:p>
@@ -1896,7 +1896,7 @@
           <a:p>
             <a:fld id="{51673806-0BCD-1F42-BAA8-2011034B3C6A}" type="datetimeFigureOut">
               <a:rPr lang="en-US" smtClean="0"/>
-              <a:t>5/7/21</a:t>
+              <a:t>5/10/21</a:t>
             </a:fld>
             <a:endParaRPr lang="en-US"/>
           </a:p>
@@ -2459,7 +2459,7 @@
           <a:p>
             <a:fld id="{51673806-0BCD-1F42-BAA8-2011034B3C6A}" type="datetimeFigureOut">
               <a:rPr lang="en-US" smtClean="0"/>
-              <a:t>5/7/21</a:t>
+              <a:t>5/10/21</a:t>
             </a:fld>
             <a:endParaRPr lang="en-US"/>
           </a:p>
@@ -3135,7 +3135,7 @@
           <a:p>
             <a:fld id="{51673806-0BCD-1F42-BAA8-2011034B3C6A}" type="datetimeFigureOut">
               <a:rPr lang="en-US" smtClean="0"/>
-              <a:t>5/7/21</a:t>
+              <a:t>5/10/21</a:t>
             </a:fld>
             <a:endParaRPr lang="en-US"/>
           </a:p>
@@ -4043,7 +4043,7 @@
           <a:p>
             <a:fld id="{51673806-0BCD-1F42-BAA8-2011034B3C6A}" type="datetimeFigureOut">
               <a:rPr lang="en-US" smtClean="0"/>
-              <a:t>5/7/21</a:t>
+              <a:t>5/10/21</a:t>
             </a:fld>
             <a:endParaRPr lang="en-US"/>
           </a:p>
@@ -4351,7 +4351,7 @@
           <a:p>
             <a:fld id="{51673806-0BCD-1F42-BAA8-2011034B3C6A}" type="datetimeFigureOut">
               <a:rPr lang="en-US" smtClean="0"/>
-              <a:t>5/7/21</a:t>
+              <a:t>5/10/21</a:t>
             </a:fld>
             <a:endParaRPr lang="en-US"/>
           </a:p>
@@ -4610,7 +4610,7 @@
           <a:p>
             <a:fld id="{51673806-0BCD-1F42-BAA8-2011034B3C6A}" type="datetimeFigureOut">
               <a:rPr lang="en-US" smtClean="0"/>
-              <a:t>5/7/21</a:t>
+              <a:t>5/10/21</a:t>
             </a:fld>
             <a:endParaRPr lang="en-US"/>
           </a:p>
@@ -4933,7 +4933,7 @@
           <a:p>
             <a:fld id="{51673806-0BCD-1F42-BAA8-2011034B3C6A}" type="datetimeFigureOut">
               <a:rPr lang="en-US" smtClean="0"/>
-              <a:t>5/7/21</a:t>
+              <a:t>5/10/21</a:t>
             </a:fld>
             <a:endParaRPr lang="en-US"/>
           </a:p>
@@ -5317,7 +5317,7 @@
           <a:p>
             <a:fld id="{51673806-0BCD-1F42-BAA8-2011034B3C6A}" type="datetimeFigureOut">
               <a:rPr lang="en-US" smtClean="0"/>
-              <a:t>5/7/21</a:t>
+              <a:t>5/10/21</a:t>
             </a:fld>
             <a:endParaRPr lang="en-US"/>
           </a:p>
@@ -5693,7 +5693,7 @@
           <a:p>
             <a:fld id="{51673806-0BCD-1F42-BAA8-2011034B3C6A}" type="datetimeFigureOut">
               <a:rPr lang="en-US" smtClean="0"/>
-              <a:t>5/7/21</a:t>
+              <a:t>5/10/21</a:t>
             </a:fld>
             <a:endParaRPr lang="en-US"/>
           </a:p>
@@ -6199,7 +6199,7 @@
           <a:p>
             <a:fld id="{51673806-0BCD-1F42-BAA8-2011034B3C6A}" type="datetimeFigureOut">
               <a:rPr lang="en-US" smtClean="0"/>
-              <a:t>5/7/21</a:t>
+              <a:t>5/10/21</a:t>
             </a:fld>
             <a:endParaRPr lang="en-US"/>
           </a:p>
@@ -6456,7 +6456,7 @@
           <a:p>
             <a:fld id="{51673806-0BCD-1F42-BAA8-2011034B3C6A}" type="datetimeFigureOut">
               <a:rPr lang="en-US" smtClean="0"/>
-              <a:t>5/7/21</a:t>
+              <a:t>5/10/21</a:t>
             </a:fld>
             <a:endParaRPr lang="en-US"/>
           </a:p>
@@ -6614,7 +6614,7 @@
           <a:p>
             <a:fld id="{51673806-0BCD-1F42-BAA8-2011034B3C6A}" type="datetimeFigureOut">
               <a:rPr lang="en-US" smtClean="0"/>
-              <a:t>5/7/21</a:t>
+              <a:t>5/10/21</a:t>
             </a:fld>
             <a:endParaRPr lang="en-US"/>
           </a:p>
@@ -7004,7 +7004,7 @@
           <a:p>
             <a:fld id="{51673806-0BCD-1F42-BAA8-2011034B3C6A}" type="datetimeFigureOut">
               <a:rPr lang="en-US" smtClean="0"/>
-              <a:t>5/7/21</a:t>
+              <a:t>5/10/21</a:t>
             </a:fld>
             <a:endParaRPr lang="en-US"/>
           </a:p>
@@ -7413,7 +7413,7 @@
           <a:p>
             <a:fld id="{51673806-0BCD-1F42-BAA8-2011034B3C6A}" type="datetimeFigureOut">
               <a:rPr lang="en-US" smtClean="0"/>
-              <a:t>5/7/21</a:t>
+              <a:t>5/10/21</a:t>
             </a:fld>
             <a:endParaRPr lang="en-US"/>
           </a:p>
@@ -7659,7 +7659,7 @@
             <a:fld id="{51673806-0BCD-1F42-BAA8-2011034B3C6A}" type="datetimeFigureOut">
               <a:rPr lang="en-US" smtClean="0"/>
               <a:pPr/>
-              <a:t>5/7/21</a:t>
+              <a:t>5/10/21</a:t>
             </a:fld>
             <a:endParaRPr lang="en-US" dirty="0"/>
           </a:p>
@@ -8987,7 +8987,7 @@
             </a:pPr>
             <a:r>
               <a:rPr lang="en-US" dirty="0"/>
-              <a:t>Q1: 4C, 12D, 1E </a:t>
+              <a:t>Q1: 4C, 13D, 1E </a:t>
             </a:r>
           </a:p>
           <a:p>
@@ -9033,7 +9033,7 @@
             </a:pPr>
             <a:r>
               <a:rPr lang="en-US" dirty="0"/>
-              <a:t>Q2: 4A, 6B, 6C, 1D </a:t>
+              <a:t>Q2: 4A, 7B, 6C, 1D </a:t>
             </a:r>
           </a:p>
           <a:p>
@@ -9123,7 +9123,7 @@
             </a:pPr>
             <a:r>
               <a:rPr lang="en-US" dirty="0"/>
-              <a:t>Q3: 4A, 10B, 2C, 1D </a:t>
+              <a:t>Q3: 5A, 10B, 2C, 1D </a:t>
             </a:r>
           </a:p>
           <a:p>
@@ -9169,7 +9169,7 @@
             </a:pPr>
             <a:r>
               <a:rPr lang="en-US" dirty="0"/>
-              <a:t>Q4: 9A, 8B </a:t>
+              <a:t>Q4: 10A, 8B </a:t>
             </a:r>
           </a:p>
           <a:p>
@@ -9215,7 +9215,7 @@
             </a:pPr>
             <a:r>
               <a:rPr lang="en-US" dirty="0"/>
-              <a:t>Q5: 11A, 3B, 1C, 1D, 1E </a:t>
+              <a:t>Q5: 11A, 4B, 1C, 1D, 1E </a:t>
             </a:r>
           </a:p>
           <a:p>
@@ -9261,7 +9261,7 @@
             </a:pPr>
             <a:r>
               <a:rPr lang="en-US" dirty="0"/>
-              <a:t>Q6: 5A, 3B, 5C, 2D, 2E </a:t>
+              <a:t>Q6: 5A, 4B, 5C, 2D, 2E </a:t>
             </a:r>
           </a:p>
           <a:p>

--- a/slides/intro.pptx
+++ b/slides/intro.pptx
@@ -208,7 +208,7 @@
           <a:p>
             <a:fld id="{D49A0B7E-B595-B14C-B05F-40313997F4EC}" type="datetimeFigureOut">
               <a:rPr lang="en-US" smtClean="0"/>
-              <a:t>5/10/21</a:t>
+              <a:t>4/25/22</a:t>
             </a:fld>
             <a:endParaRPr lang="en-US"/>
           </a:p>
@@ -751,7 +751,7 @@
           <a:p>
             <a:fld id="{51673806-0BCD-1F42-BAA8-2011034B3C6A}" type="datetimeFigureOut">
               <a:rPr lang="en-US" smtClean="0"/>
-              <a:t>5/10/21</a:t>
+              <a:t>4/25/22</a:t>
             </a:fld>
             <a:endParaRPr lang="en-US"/>
           </a:p>
@@ -1165,7 +1165,7 @@
           <a:p>
             <a:fld id="{51673806-0BCD-1F42-BAA8-2011034B3C6A}" type="datetimeFigureOut">
               <a:rPr lang="en-US" smtClean="0"/>
-              <a:t>5/10/21</a:t>
+              <a:t>4/25/22</a:t>
             </a:fld>
             <a:endParaRPr lang="en-US"/>
           </a:p>
@@ -1496,7 +1496,7 @@
           <a:p>
             <a:fld id="{51673806-0BCD-1F42-BAA8-2011034B3C6A}" type="datetimeFigureOut">
               <a:rPr lang="en-US" smtClean="0"/>
-              <a:t>5/10/21</a:t>
+              <a:t>4/25/22</a:t>
             </a:fld>
             <a:endParaRPr lang="en-US"/>
           </a:p>
@@ -1896,7 +1896,7 @@
           <a:p>
             <a:fld id="{51673806-0BCD-1F42-BAA8-2011034B3C6A}" type="datetimeFigureOut">
               <a:rPr lang="en-US" smtClean="0"/>
-              <a:t>5/10/21</a:t>
+              <a:t>4/25/22</a:t>
             </a:fld>
             <a:endParaRPr lang="en-US"/>
           </a:p>
@@ -2459,7 +2459,7 @@
           <a:p>
             <a:fld id="{51673806-0BCD-1F42-BAA8-2011034B3C6A}" type="datetimeFigureOut">
               <a:rPr lang="en-US" smtClean="0"/>
-              <a:t>5/10/21</a:t>
+              <a:t>4/25/22</a:t>
             </a:fld>
             <a:endParaRPr lang="en-US"/>
           </a:p>
@@ -3135,7 +3135,7 @@
           <a:p>
             <a:fld id="{51673806-0BCD-1F42-BAA8-2011034B3C6A}" type="datetimeFigureOut">
               <a:rPr lang="en-US" smtClean="0"/>
-              <a:t>5/10/21</a:t>
+              <a:t>4/25/22</a:t>
             </a:fld>
             <a:endParaRPr lang="en-US"/>
           </a:p>
@@ -4043,7 +4043,7 @@
           <a:p>
             <a:fld id="{51673806-0BCD-1F42-BAA8-2011034B3C6A}" type="datetimeFigureOut">
               <a:rPr lang="en-US" smtClean="0"/>
-              <a:t>5/10/21</a:t>
+              <a:t>4/25/22</a:t>
             </a:fld>
             <a:endParaRPr lang="en-US"/>
           </a:p>
@@ -4351,7 +4351,7 @@
           <a:p>
             <a:fld id="{51673806-0BCD-1F42-BAA8-2011034B3C6A}" type="datetimeFigureOut">
               <a:rPr lang="en-US" smtClean="0"/>
-              <a:t>5/10/21</a:t>
+              <a:t>4/25/22</a:t>
             </a:fld>
             <a:endParaRPr lang="en-US"/>
           </a:p>
@@ -4610,7 +4610,7 @@
           <a:p>
             <a:fld id="{51673806-0BCD-1F42-BAA8-2011034B3C6A}" type="datetimeFigureOut">
               <a:rPr lang="en-US" smtClean="0"/>
-              <a:t>5/10/21</a:t>
+              <a:t>4/25/22</a:t>
             </a:fld>
             <a:endParaRPr lang="en-US"/>
           </a:p>
@@ -4933,7 +4933,7 @@
           <a:p>
             <a:fld id="{51673806-0BCD-1F42-BAA8-2011034B3C6A}" type="datetimeFigureOut">
               <a:rPr lang="en-US" smtClean="0"/>
-              <a:t>5/10/21</a:t>
+              <a:t>4/25/22</a:t>
             </a:fld>
             <a:endParaRPr lang="en-US"/>
           </a:p>
@@ -5317,7 +5317,7 @@
           <a:p>
             <a:fld id="{51673806-0BCD-1F42-BAA8-2011034B3C6A}" type="datetimeFigureOut">
               <a:rPr lang="en-US" smtClean="0"/>
-              <a:t>5/10/21</a:t>
+              <a:t>4/25/22</a:t>
             </a:fld>
             <a:endParaRPr lang="en-US"/>
           </a:p>
@@ -5693,7 +5693,7 @@
           <a:p>
             <a:fld id="{51673806-0BCD-1F42-BAA8-2011034B3C6A}" type="datetimeFigureOut">
               <a:rPr lang="en-US" smtClean="0"/>
-              <a:t>5/10/21</a:t>
+              <a:t>4/25/22</a:t>
             </a:fld>
             <a:endParaRPr lang="en-US"/>
           </a:p>
@@ -6199,7 +6199,7 @@
           <a:p>
             <a:fld id="{51673806-0BCD-1F42-BAA8-2011034B3C6A}" type="datetimeFigureOut">
               <a:rPr lang="en-US" smtClean="0"/>
-              <a:t>5/10/21</a:t>
+              <a:t>4/25/22</a:t>
             </a:fld>
             <a:endParaRPr lang="en-US"/>
           </a:p>
@@ -6456,7 +6456,7 @@
           <a:p>
             <a:fld id="{51673806-0BCD-1F42-BAA8-2011034B3C6A}" type="datetimeFigureOut">
               <a:rPr lang="en-US" smtClean="0"/>
-              <a:t>5/10/21</a:t>
+              <a:t>4/25/22</a:t>
             </a:fld>
             <a:endParaRPr lang="en-US"/>
           </a:p>
@@ -6614,7 +6614,7 @@
           <a:p>
             <a:fld id="{51673806-0BCD-1F42-BAA8-2011034B3C6A}" type="datetimeFigureOut">
               <a:rPr lang="en-US" smtClean="0"/>
-              <a:t>5/10/21</a:t>
+              <a:t>4/25/22</a:t>
             </a:fld>
             <a:endParaRPr lang="en-US"/>
           </a:p>
@@ -7004,7 +7004,7 @@
           <a:p>
             <a:fld id="{51673806-0BCD-1F42-BAA8-2011034B3C6A}" type="datetimeFigureOut">
               <a:rPr lang="en-US" smtClean="0"/>
-              <a:t>5/10/21</a:t>
+              <a:t>4/25/22</a:t>
             </a:fld>
             <a:endParaRPr lang="en-US"/>
           </a:p>
@@ -7413,7 +7413,7 @@
           <a:p>
             <a:fld id="{51673806-0BCD-1F42-BAA8-2011034B3C6A}" type="datetimeFigureOut">
               <a:rPr lang="en-US" smtClean="0"/>
-              <a:t>5/10/21</a:t>
+              <a:t>4/25/22</a:t>
             </a:fld>
             <a:endParaRPr lang="en-US"/>
           </a:p>
@@ -7659,7 +7659,7 @@
             <a:fld id="{51673806-0BCD-1F42-BAA8-2011034B3C6A}" type="datetimeFigureOut">
               <a:rPr lang="en-US" smtClean="0"/>
               <a:pPr/>
-              <a:t>5/10/21</a:t>
+              <a:t>4/25/22</a:t>
             </a:fld>
             <a:endParaRPr lang="en-US" dirty="0"/>
           </a:p>
@@ -8449,56 +8449,56 @@
             </a:pPr>
             <a:r>
               <a:rPr lang="en-US" dirty="0"/>
-              <a:t>What we’ll aim to cover: </a:t>
+              <a:t>What we’ll aim to cover:</a:t>
             </a:r>
           </a:p>
           <a:p>
             <a:pPr lvl="1"/>
             <a:r>
               <a:rPr lang="en-US" dirty="0"/>
-              <a:t>How to use a terminal </a:t>
+              <a:t>How to use a terminal</a:t>
             </a:r>
           </a:p>
           <a:p>
             <a:pPr lvl="1"/>
             <a:r>
               <a:rPr lang="en-US" dirty="0"/>
-              <a:t>Review of the basics: control structures, data types, functions, import, etc. </a:t>
+              <a:t>Review of the basics: control structures, data types, functions, import, etc.</a:t>
             </a:r>
           </a:p>
           <a:p>
             <a:pPr lvl="1"/>
             <a:r>
               <a:rPr lang="en-US" dirty="0"/>
-              <a:t>How to read documentation </a:t>
+              <a:t>How to read documentation</a:t>
             </a:r>
           </a:p>
           <a:p>
             <a:pPr lvl="1"/>
             <a:r>
               <a:rPr lang="en-US" dirty="0"/>
-              <a:t>How to import your own code, and how to set up a directory tree to organize it </a:t>
+              <a:t>How to import your own code, and how to set up a directory tree to organize it</a:t>
             </a:r>
           </a:p>
           <a:p>
             <a:pPr lvl="1"/>
             <a:r>
               <a:rPr lang="en-US" dirty="0"/>
-              <a:t>Classes: how to make new objects </a:t>
+              <a:t>Classes: how to make new objects</a:t>
             </a:r>
           </a:p>
           <a:p>
             <a:pPr lvl="2"/>
             <a:r>
               <a:rPr lang="en-US" dirty="0"/>
-              <a:t>Inheritance and Composition </a:t>
+              <a:t>Inheritance and Composition</a:t>
             </a:r>
           </a:p>
           <a:p>
             <a:pPr lvl="1"/>
             <a:r>
               <a:rPr lang="en-US" dirty="0"/>
-              <a:t>Some basic software engineering principles (i.e. good habits) </a:t>
+              <a:t>Some basic software engineering principles (i.e. good habits)</a:t>
             </a:r>
           </a:p>
           <a:p>
@@ -8598,7 +8598,7 @@
             </a:pPr>
             <a:r>
               <a:rPr lang="en-US" dirty="0"/>
-              <a:t>You can’t improve your coding practices without first criticizing what you once thought was great code. </a:t>
+              <a:t>Every expert coder was once a novice.</a:t>
             </a:r>
           </a:p>
           <a:p>
@@ -8613,6 +8613,21 @@
             </a:pPr>
             <a:r>
               <a:rPr lang="en-US" dirty="0"/>
+              <a:t>You can’t improve your coding practices without first criticizing what you once thought was great code.</a:t>
+            </a:r>
+          </a:p>
+          <a:p>
+            <a:pPr marL="0" indent="0" algn="ctr">
+              <a:buNone/>
+            </a:pPr>
+            <a:endParaRPr lang="en-US" dirty="0"/>
+          </a:p>
+          <a:p>
+            <a:pPr marL="0" indent="0" algn="ctr">
+              <a:buNone/>
+            </a:pPr>
+            <a:r>
+              <a:rPr lang="en-US" dirty="0"/>
               <a:t>Since we’re not professional developers, scientists have to </a:t>
             </a:r>
             <a:r>
@@ -8621,22 +8636,7 @@
             </a:r>
             <a:r>
               <a:rPr lang="en-US" dirty="0"/>
-              <a:t>create and foster good coding habits if they want them. Being early career researchers, you have the option to make this decision now. It will only become more difficult to do this. </a:t>
-            </a:r>
-          </a:p>
-          <a:p>
-            <a:pPr marL="0" indent="0" algn="ctr">
-              <a:buNone/>
-            </a:pPr>
-            <a:endParaRPr lang="en-US" dirty="0"/>
-          </a:p>
-          <a:p>
-            <a:pPr marL="0" indent="0" algn="ctr">
-              <a:buNone/>
-            </a:pPr>
-            <a:r>
-              <a:rPr lang="en-US" dirty="0"/>
-              <a:t>Every expert coder was once a novice. </a:t>
+              <a:t>create and foster good coding habits if they want them. Being early career researchers, you have the option to make this decision now. It will only become more difficult to do this.</a:t>
             </a:r>
           </a:p>
         </p:txBody>
@@ -8710,7 +8710,9 @@
           </a:xfrm>
         </p:spPr>
         <p:txBody>
-          <a:bodyPr/>
+          <a:bodyPr>
+            <a:normAutofit/>
+          </a:bodyPr>
           <a:lstStyle/>
           <a:p>
             <a:pPr marL="0" marR="0" lvl="0" indent="0" defTabSz="914400" eaLnBrk="1" fontAlgn="auto" latinLnBrk="0" hangingPunct="1">
@@ -8732,7 +8734,7 @@
             </a:pPr>
             <a:r>
               <a:rPr lang="en-US" dirty="0"/>
-              <a:t>Fourth/Fifth year PhD student in the Astronomy Department </a:t>
+              <a:t>Fifth/Sixth year PhD student in the Astronomy Department</a:t>
             </a:r>
           </a:p>
           <a:p>
@@ -8755,7 +8757,7 @@
             </a:pPr>
             <a:r>
               <a:rPr lang="en-US" dirty="0"/>
-              <a:t>Research Interests </a:t>
+              <a:t>Research Interests</a:t>
             </a:r>
           </a:p>
           <a:p>
@@ -8769,15 +8771,7 @@
             </a:pPr>
             <a:r>
               <a:rPr lang="en-US" dirty="0"/>
-              <a:t>Galactic chemical evolution (David Weinberg, Jennifer Johnson, </a:t>
-            </a:r>
-            <a:r>
-              <a:rPr lang="en-US" dirty="0" err="1"/>
-              <a:t>Fiorenzo</a:t>
-            </a:r>
-            <a:r>
-              <a:rPr lang="en-US" dirty="0"/>
-              <a:t> Vincenzo) </a:t>
+              <a:t>Galactic chemical evolution (David Weinberg, Jennifer Johnson)</a:t>
             </a:r>
           </a:p>
           <a:p>
@@ -8791,56 +8785,23 @@
             </a:pPr>
             <a:r>
               <a:rPr lang="en-US" dirty="0"/>
-              <a:t>Dark matter halos and their environments (</a:t>
+              <a:t>[Type </a:t>
             </a:r>
             <a:r>
               <a:rPr lang="en-US" dirty="0" err="1"/>
-              <a:t>Ariyeh</a:t>
+              <a:t>Ia</a:t>
             </a:r>
             <a:r>
               <a:rPr lang="en-US" dirty="0"/>
-              <a:t> </a:t>
+              <a:t>] Supernovae (Chris </a:t>
             </a:r>
             <a:r>
               <a:rPr lang="en-US" dirty="0" err="1"/>
-              <a:t>Maller</a:t>
+              <a:t>Kochanek</a:t>
             </a:r>
             <a:r>
               <a:rPr lang="en-US" dirty="0"/>
-              <a:t>, Andreas </a:t>
-            </a:r>
-            <a:r>
-              <a:rPr lang="en-US" dirty="0" err="1"/>
-              <a:t>Berlind</a:t>
-            </a:r>
-            <a:r>
-              <a:rPr lang="en-US" dirty="0"/>
-              <a:t>) </a:t>
-            </a:r>
-          </a:p>
-          <a:p>
-            <a:pPr marL="0" indent="0">
-              <a:lnSpc>
-                <a:spcPct val="100000"/>
-              </a:lnSpc>
-              <a:spcBef>
-                <a:spcPts val="0"/>
-              </a:spcBef>
-              <a:buNone/>
-            </a:pPr>
-            <a:r>
-              <a:rPr lang="en-US" dirty="0"/>
-              <a:t>Versatile Integrator for Chemical Evolution (VICE: </a:t>
-            </a:r>
-            <a:r>
-              <a:rPr lang="en-US" dirty="0">
-                <a:hlinkClick r:id="rId2"/>
-              </a:rPr>
-              <a:t>https://pypi.org/project/vice</a:t>
-            </a:r>
-            <a:r>
-              <a:rPr lang="en-US" dirty="0"/>
-              <a:t>) </a:t>
+              <a:t>, Kris Stanek)</a:t>
             </a:r>
           </a:p>
           <a:p>
@@ -8854,7 +8815,7 @@
             </a:pPr>
             <a:r>
               <a:rPr lang="en-US" dirty="0"/>
-              <a:t>~76,100 lines (Python &amp; C) in latest release (1.2.0) supporting Python &gt;= 3.6. </a:t>
+              <a:t>Previously: dark matter halos and their environments</a:t>
             </a:r>
           </a:p>
           <a:p>
@@ -8881,6 +8842,57 @@
             </a:pPr>
             <a:r>
               <a:rPr lang="en-US" dirty="0"/>
+              <a:t>Versatile Integrator for Chemical Evolution (VICE: </a:t>
+            </a:r>
+            <a:r>
+              <a:rPr lang="en-US" dirty="0">
+                <a:hlinkClick r:id="rId2"/>
+              </a:rPr>
+              <a:t>https://pypi.org/project/vice</a:t>
+            </a:r>
+            <a:r>
+              <a:rPr lang="en-US" dirty="0"/>
+              <a:t>)</a:t>
+            </a:r>
+          </a:p>
+          <a:p>
+            <a:pPr lvl="1">
+              <a:lnSpc>
+                <a:spcPct val="100000"/>
+              </a:lnSpc>
+              <a:spcBef>
+                <a:spcPts val="0"/>
+              </a:spcBef>
+            </a:pPr>
+            <a:r>
+              <a:rPr lang="en-US" dirty="0"/>
+              <a:t>~89,200 lines (Python &amp; C) in latest release (1.3.0) supporting Python &gt;= 3.6.</a:t>
+            </a:r>
+          </a:p>
+          <a:p>
+            <a:pPr marL="0" indent="0">
+              <a:lnSpc>
+                <a:spcPct val="100000"/>
+              </a:lnSpc>
+              <a:spcBef>
+                <a:spcPts val="0"/>
+              </a:spcBef>
+              <a:buNone/>
+            </a:pPr>
+            <a:endParaRPr lang="en-US" dirty="0"/>
+          </a:p>
+          <a:p>
+            <a:pPr marL="0" indent="0">
+              <a:lnSpc>
+                <a:spcPct val="100000"/>
+              </a:lnSpc>
+              <a:spcBef>
+                <a:spcPts val="0"/>
+              </a:spcBef>
+              <a:buNone/>
+            </a:pPr>
+            <a:r>
+              <a:rPr lang="en-US" dirty="0"/>
               <a:t>We’ll do a mix of slides and exercises </a:t>
             </a:r>
             <a:r>
@@ -8889,7 +8901,7 @@
             </a:r>
             <a:r>
               <a:rPr lang="en-US" dirty="0"/>
-              <a:t> I won’t be collecting and grading anything. This isn’t a course. What you get out of this will reflect what you put into it. </a:t>
+              <a:t> I won’t be collecting and grading anything. This isn’t a course. What you get out of this will reflect what you put into it.</a:t>
             </a:r>
           </a:p>
         </p:txBody>
@@ -9729,7 +9741,7 @@
             </a:pPr>
             <a:r>
               <a:rPr lang="en-US" dirty="0"/>
-              <a:t>You should think of a terminal as just a different interface on a Finder window with some some extra programs built-in </a:t>
+              <a:t>You should think of a terminal as just a different interface on a Finder window with some extra programs built-in</a:t>
             </a:r>
           </a:p>
           <a:p>
@@ -9760,7 +9772,7 @@
             </a:r>
             <a:r>
               <a:rPr lang="en-US" dirty="0"/>
-              <a:t>) </a:t>
+              <a:t>)</a:t>
             </a:r>
             <a:endParaRPr lang="en-US" i="1" dirty="0"/>
           </a:p>
@@ -10346,7 +10358,7 @@
             </a:pPr>
             <a:r>
               <a:rPr lang="en-US" dirty="0"/>
-              <a:t>Latest version of python: 3.9.4 </a:t>
+              <a:t>Latest version of python: 3.10.4</a:t>
             </a:r>
           </a:p>
           <a:p>
@@ -10360,7 +10372,21 @@
             </a:pPr>
             <a:r>
               <a:rPr lang="en-US" dirty="0"/>
-              <a:t>Most libraries now require &gt;= 3.6 </a:t>
+              <a:t>Most libraries now require &gt;= 3.7</a:t>
+            </a:r>
+          </a:p>
+          <a:p>
+            <a:pPr lvl="1">
+              <a:lnSpc>
+                <a:spcPct val="100000"/>
+              </a:lnSpc>
+              <a:spcBef>
+                <a:spcPts val="0"/>
+              </a:spcBef>
+            </a:pPr>
+            <a:r>
+              <a:rPr lang="en-US" dirty="0"/>
+              <a:t>NumPy’s latest version requires &gt;= 3.8</a:t>
             </a:r>
           </a:p>
           <a:p>
@@ -10405,10 +10431,7 @@
               <a:rPr lang="en-US" i="1" dirty="0"/>
               <a:t>deprecated</a:t>
             </a:r>
-            <a:r>
-              <a:rPr lang="en-US" dirty="0"/>
-              <a:t> </a:t>
-            </a:r>
+            <a:endParaRPr lang="en-US" dirty="0"/>
           </a:p>
         </p:txBody>
       </p:sp>
